--- a/Files/ADCS.pptx
+++ b/Files/ADCS.pptx
@@ -5,13 +5,24 @@
     <p:sldMasterId id="2147483648" r:id="rId1"/>
   </p:sldMasterIdLst>
   <p:notesMasterIdLst>
-    <p:notesMasterId r:id="rId3"/>
+    <p:notesMasterId r:id="rId14"/>
   </p:notesMasterIdLst>
   <p:handoutMasterIdLst>
-    <p:handoutMasterId r:id="rId4"/>
+    <p:handoutMasterId r:id="rId15"/>
   </p:handoutMasterIdLst>
   <p:sldIdLst>
     <p:sldId id="256" r:id="rId2"/>
+    <p:sldId id="257" r:id="rId3"/>
+    <p:sldId id="258" r:id="rId4"/>
+    <p:sldId id="259" r:id="rId5"/>
+    <p:sldId id="261" r:id="rId6"/>
+    <p:sldId id="264" r:id="rId7"/>
+    <p:sldId id="262" r:id="rId8"/>
+    <p:sldId id="263" r:id="rId9"/>
+    <p:sldId id="265" r:id="rId10"/>
+    <p:sldId id="266" r:id="rId11"/>
+    <p:sldId id="267" r:id="rId12"/>
+    <p:sldId id="268" r:id="rId13"/>
   </p:sldIdLst>
   <p:sldSz cx="12192000" cy="6858000"/>
   <p:notesSz cx="6858000" cy="9144000"/>
@@ -660,6 +671,1150 @@
 </p:notesMaster>
 </file>
 
+<file path=ppt/notesSlides/notesSlide1.xml><?xml version="1.0" encoding="utf-8"?>
+<p:notes xmlns:a="http://schemas.openxmlformats.org/drawingml/2006/main" xmlns:r="http://schemas.openxmlformats.org/officeDocument/2006/relationships" xmlns:p="http://schemas.openxmlformats.org/presentationml/2006/main" showMasterSp="0" showMasterPhAnim="0">
+  <p:cSld>
+    <p:spTree>
+      <p:nvGrpSpPr>
+        <p:cNvPr id="1" name="Shape 50"/>
+        <p:cNvGrpSpPr/>
+        <p:nvPr/>
+      </p:nvGrpSpPr>
+      <p:grpSpPr>
+        <a:xfrm>
+          <a:off x="0" y="0"/>
+          <a:ext cx="0" cy="0"/>
+          <a:chOff x="0" y="0"/>
+          <a:chExt cx="0" cy="0"/>
+        </a:xfrm>
+      </p:grpSpPr>
+      <p:sp>
+        <p:nvSpPr>
+          <p:cNvPr id="51" name="Google Shape;51;g5876fd47bb_0_0:notes"/>
+          <p:cNvSpPr>
+            <a:spLocks noGrp="1" noRot="1" noChangeAspect="1"/>
+          </p:cNvSpPr>
+          <p:nvPr>
+            <p:ph type="sldImg" idx="2"/>
+          </p:nvPr>
+        </p:nvSpPr>
+        <p:spPr>
+          <a:xfrm>
+            <a:off x="381000" y="685800"/>
+            <a:ext cx="6096000" cy="3429000"/>
+          </a:xfrm>
+          <a:custGeom>
+            <a:avLst/>
+            <a:gdLst/>
+            <a:ahLst/>
+            <a:cxnLst/>
+            <a:rect l="l" t="t" r="r" b="b"/>
+            <a:pathLst>
+              <a:path w="120000" h="120000" extrusionOk="0">
+                <a:moveTo>
+                  <a:pt x="0" y="0"/>
+                </a:moveTo>
+                <a:lnTo>
+                  <a:pt x="120000" y="0"/>
+                </a:lnTo>
+                <a:lnTo>
+                  <a:pt x="120000" y="120000"/>
+                </a:lnTo>
+                <a:lnTo>
+                  <a:pt x="0" y="120000"/>
+                </a:lnTo>
+                <a:close/>
+              </a:path>
+            </a:pathLst>
+          </a:custGeom>
+        </p:spPr>
+      </p:sp>
+      <p:sp>
+        <p:nvSpPr>
+          <p:cNvPr id="52" name="Google Shape;52;g5876fd47bb_0_0:notes"/>
+          <p:cNvSpPr txBox="1">
+            <a:spLocks noGrp="1"/>
+          </p:cNvSpPr>
+          <p:nvPr>
+            <p:ph type="body" idx="1"/>
+          </p:nvPr>
+        </p:nvSpPr>
+        <p:spPr>
+          <a:xfrm>
+            <a:off x="685800" y="4343400"/>
+            <a:ext cx="5486400" cy="4114800"/>
+          </a:xfrm>
+          <a:prstGeom prst="rect">
+            <a:avLst/>
+          </a:prstGeom>
+        </p:spPr>
+        <p:txBody>
+          <a:bodyPr spcFirstLastPara="1" wrap="square" lIns="91425" tIns="91425" rIns="91425" bIns="91425" anchor="t" anchorCtr="0">
+            <a:noAutofit/>
+          </a:bodyPr>
+          <a:lstStyle/>
+          <a:p>
+            <a:pPr marL="0" lvl="0" indent="0" algn="l" rtl="0">
+              <a:spcBef>
+                <a:spcPts val="0"/>
+              </a:spcBef>
+              <a:spcAft>
+                <a:spcPts val="0"/>
+              </a:spcAft>
+              <a:buNone/>
+            </a:pPr>
+            <a:endParaRPr/>
+          </a:p>
+        </p:txBody>
+      </p:sp>
+    </p:spTree>
+  </p:cSld>
+  <p:clrMapOvr>
+    <a:masterClrMapping/>
+  </p:clrMapOvr>
+</p:notes>
+</file>
+
+<file path=ppt/notesSlides/notesSlide10.xml><?xml version="1.0" encoding="utf-8"?>
+<p:notes xmlns:a="http://schemas.openxmlformats.org/drawingml/2006/main" xmlns:r="http://schemas.openxmlformats.org/officeDocument/2006/relationships" xmlns:p="http://schemas.openxmlformats.org/presentationml/2006/main" showMasterSp="0" showMasterPhAnim="0">
+  <p:cSld>
+    <p:spTree>
+      <p:nvGrpSpPr>
+        <p:cNvPr id="1" name="Shape 143"/>
+        <p:cNvGrpSpPr/>
+        <p:nvPr/>
+      </p:nvGrpSpPr>
+      <p:grpSpPr>
+        <a:xfrm>
+          <a:off x="0" y="0"/>
+          <a:ext cx="0" cy="0"/>
+          <a:chOff x="0" y="0"/>
+          <a:chExt cx="0" cy="0"/>
+        </a:xfrm>
+      </p:grpSpPr>
+      <p:sp>
+        <p:nvSpPr>
+          <p:cNvPr id="144" name="Google Shape;144;g58740697eb_1_40:notes"/>
+          <p:cNvSpPr>
+            <a:spLocks noGrp="1" noRot="1" noChangeAspect="1"/>
+          </p:cNvSpPr>
+          <p:nvPr>
+            <p:ph type="sldImg" idx="2"/>
+          </p:nvPr>
+        </p:nvSpPr>
+        <p:spPr>
+          <a:xfrm>
+            <a:off x="381000" y="685800"/>
+            <a:ext cx="6096000" cy="3429000"/>
+          </a:xfrm>
+          <a:custGeom>
+            <a:avLst/>
+            <a:gdLst/>
+            <a:ahLst/>
+            <a:cxnLst/>
+            <a:rect l="l" t="t" r="r" b="b"/>
+            <a:pathLst>
+              <a:path w="120000" h="120000" extrusionOk="0">
+                <a:moveTo>
+                  <a:pt x="0" y="0"/>
+                </a:moveTo>
+                <a:lnTo>
+                  <a:pt x="120000" y="0"/>
+                </a:lnTo>
+                <a:lnTo>
+                  <a:pt x="120000" y="120000"/>
+                </a:lnTo>
+                <a:lnTo>
+                  <a:pt x="0" y="120000"/>
+                </a:lnTo>
+                <a:close/>
+              </a:path>
+            </a:pathLst>
+          </a:custGeom>
+        </p:spPr>
+      </p:sp>
+      <p:sp>
+        <p:nvSpPr>
+          <p:cNvPr id="145" name="Google Shape;145;g58740697eb_1_40:notes"/>
+          <p:cNvSpPr txBox="1">
+            <a:spLocks noGrp="1"/>
+          </p:cNvSpPr>
+          <p:nvPr>
+            <p:ph type="body" idx="1"/>
+          </p:nvPr>
+        </p:nvSpPr>
+        <p:spPr>
+          <a:xfrm>
+            <a:off x="685800" y="4343400"/>
+            <a:ext cx="5486400" cy="4114800"/>
+          </a:xfrm>
+          <a:prstGeom prst="rect">
+            <a:avLst/>
+          </a:prstGeom>
+        </p:spPr>
+        <p:txBody>
+          <a:bodyPr spcFirstLastPara="1" wrap="square" lIns="91425" tIns="91425" rIns="91425" bIns="91425" anchor="t" anchorCtr="0">
+            <a:noAutofit/>
+          </a:bodyPr>
+          <a:lstStyle/>
+          <a:p>
+            <a:pPr marL="0" lvl="0" indent="0" algn="l" rtl="0">
+              <a:spcBef>
+                <a:spcPts val="0"/>
+              </a:spcBef>
+              <a:spcAft>
+                <a:spcPts val="0"/>
+              </a:spcAft>
+              <a:buNone/>
+            </a:pPr>
+            <a:endParaRPr/>
+          </a:p>
+        </p:txBody>
+      </p:sp>
+    </p:spTree>
+  </p:cSld>
+  <p:clrMapOvr>
+    <a:masterClrMapping/>
+  </p:clrMapOvr>
+</p:notes>
+</file>
+
+<file path=ppt/notesSlides/notesSlide11.xml><?xml version="1.0" encoding="utf-8"?>
+<p:notes xmlns:a="http://schemas.openxmlformats.org/drawingml/2006/main" xmlns:r="http://schemas.openxmlformats.org/officeDocument/2006/relationships" xmlns:p="http://schemas.openxmlformats.org/presentationml/2006/main" showMasterSp="0" showMasterPhAnim="0">
+  <p:cSld>
+    <p:spTree>
+      <p:nvGrpSpPr>
+        <p:cNvPr id="1" name="Shape 151"/>
+        <p:cNvGrpSpPr/>
+        <p:nvPr/>
+      </p:nvGrpSpPr>
+      <p:grpSpPr>
+        <a:xfrm>
+          <a:off x="0" y="0"/>
+          <a:ext cx="0" cy="0"/>
+          <a:chOff x="0" y="0"/>
+          <a:chExt cx="0" cy="0"/>
+        </a:xfrm>
+      </p:grpSpPr>
+      <p:sp>
+        <p:nvSpPr>
+          <p:cNvPr id="152" name="Google Shape;152;g58740697eb_0_20:notes"/>
+          <p:cNvSpPr>
+            <a:spLocks noGrp="1" noRot="1" noChangeAspect="1"/>
+          </p:cNvSpPr>
+          <p:nvPr>
+            <p:ph type="sldImg" idx="2"/>
+          </p:nvPr>
+        </p:nvSpPr>
+        <p:spPr>
+          <a:xfrm>
+            <a:off x="381000" y="685800"/>
+            <a:ext cx="6096000" cy="3429000"/>
+          </a:xfrm>
+          <a:custGeom>
+            <a:avLst/>
+            <a:gdLst/>
+            <a:ahLst/>
+            <a:cxnLst/>
+            <a:rect l="l" t="t" r="r" b="b"/>
+            <a:pathLst>
+              <a:path w="120000" h="120000" extrusionOk="0">
+                <a:moveTo>
+                  <a:pt x="0" y="0"/>
+                </a:moveTo>
+                <a:lnTo>
+                  <a:pt x="120000" y="0"/>
+                </a:lnTo>
+                <a:lnTo>
+                  <a:pt x="120000" y="120000"/>
+                </a:lnTo>
+                <a:lnTo>
+                  <a:pt x="0" y="120000"/>
+                </a:lnTo>
+                <a:close/>
+              </a:path>
+            </a:pathLst>
+          </a:custGeom>
+        </p:spPr>
+      </p:sp>
+      <p:sp>
+        <p:nvSpPr>
+          <p:cNvPr id="153" name="Google Shape;153;g58740697eb_0_20:notes"/>
+          <p:cNvSpPr txBox="1">
+            <a:spLocks noGrp="1"/>
+          </p:cNvSpPr>
+          <p:nvPr>
+            <p:ph type="body" idx="1"/>
+          </p:nvPr>
+        </p:nvSpPr>
+        <p:spPr>
+          <a:xfrm>
+            <a:off x="685800" y="4343400"/>
+            <a:ext cx="5486400" cy="4114800"/>
+          </a:xfrm>
+          <a:prstGeom prst="rect">
+            <a:avLst/>
+          </a:prstGeom>
+        </p:spPr>
+        <p:txBody>
+          <a:bodyPr spcFirstLastPara="1" wrap="square" lIns="91425" tIns="91425" rIns="91425" bIns="91425" anchor="t" anchorCtr="0">
+            <a:noAutofit/>
+          </a:bodyPr>
+          <a:lstStyle/>
+          <a:p>
+            <a:pPr marL="0" lvl="0" indent="0" algn="l" rtl="0">
+              <a:spcBef>
+                <a:spcPts val="0"/>
+              </a:spcBef>
+              <a:spcAft>
+                <a:spcPts val="0"/>
+              </a:spcAft>
+              <a:buNone/>
+            </a:pPr>
+            <a:endParaRPr/>
+          </a:p>
+        </p:txBody>
+      </p:sp>
+    </p:spTree>
+  </p:cSld>
+  <p:clrMapOvr>
+    <a:masterClrMapping/>
+  </p:clrMapOvr>
+</p:notes>
+</file>
+
+<file path=ppt/notesSlides/notesSlide2.xml><?xml version="1.0" encoding="utf-8"?>
+<p:notes xmlns:a="http://schemas.openxmlformats.org/drawingml/2006/main" xmlns:r="http://schemas.openxmlformats.org/officeDocument/2006/relationships" xmlns:p="http://schemas.openxmlformats.org/presentationml/2006/main" showMasterSp="0" showMasterPhAnim="0">
+  <p:cSld>
+    <p:spTree>
+      <p:nvGrpSpPr>
+        <p:cNvPr id="1" name="Shape 63"/>
+        <p:cNvGrpSpPr/>
+        <p:nvPr/>
+      </p:nvGrpSpPr>
+      <p:grpSpPr>
+        <a:xfrm>
+          <a:off x="0" y="0"/>
+          <a:ext cx="0" cy="0"/>
+          <a:chOff x="0" y="0"/>
+          <a:chExt cx="0" cy="0"/>
+        </a:xfrm>
+      </p:grpSpPr>
+      <p:sp>
+        <p:nvSpPr>
+          <p:cNvPr id="64" name="Google Shape;64;g58740697eb_0_27:notes"/>
+          <p:cNvSpPr>
+            <a:spLocks noGrp="1" noRot="1" noChangeAspect="1"/>
+          </p:cNvSpPr>
+          <p:nvPr>
+            <p:ph type="sldImg" idx="2"/>
+          </p:nvPr>
+        </p:nvSpPr>
+        <p:spPr>
+          <a:xfrm>
+            <a:off x="381000" y="685800"/>
+            <a:ext cx="6096000" cy="3429000"/>
+          </a:xfrm>
+          <a:custGeom>
+            <a:avLst/>
+            <a:gdLst/>
+            <a:ahLst/>
+            <a:cxnLst/>
+            <a:rect l="l" t="t" r="r" b="b"/>
+            <a:pathLst>
+              <a:path w="120000" h="120000" extrusionOk="0">
+                <a:moveTo>
+                  <a:pt x="0" y="0"/>
+                </a:moveTo>
+                <a:lnTo>
+                  <a:pt x="120000" y="0"/>
+                </a:lnTo>
+                <a:lnTo>
+                  <a:pt x="120000" y="120000"/>
+                </a:lnTo>
+                <a:lnTo>
+                  <a:pt x="0" y="120000"/>
+                </a:lnTo>
+                <a:close/>
+              </a:path>
+            </a:pathLst>
+          </a:custGeom>
+        </p:spPr>
+      </p:sp>
+      <p:sp>
+        <p:nvSpPr>
+          <p:cNvPr id="65" name="Google Shape;65;g58740697eb_0_27:notes"/>
+          <p:cNvSpPr txBox="1">
+            <a:spLocks noGrp="1"/>
+          </p:cNvSpPr>
+          <p:nvPr>
+            <p:ph type="body" idx="1"/>
+          </p:nvPr>
+        </p:nvSpPr>
+        <p:spPr>
+          <a:xfrm>
+            <a:off x="685800" y="4343400"/>
+            <a:ext cx="5486400" cy="4114800"/>
+          </a:xfrm>
+          <a:prstGeom prst="rect">
+            <a:avLst/>
+          </a:prstGeom>
+        </p:spPr>
+        <p:txBody>
+          <a:bodyPr spcFirstLastPara="1" wrap="square" lIns="91425" tIns="91425" rIns="91425" bIns="91425" anchor="t" anchorCtr="0">
+            <a:noAutofit/>
+          </a:bodyPr>
+          <a:lstStyle/>
+          <a:p>
+            <a:pPr marL="0" lvl="0" indent="0" algn="l" rtl="0">
+              <a:spcBef>
+                <a:spcPts val="0"/>
+              </a:spcBef>
+              <a:spcAft>
+                <a:spcPts val="0"/>
+              </a:spcAft>
+              <a:buNone/>
+            </a:pPr>
+            <a:endParaRPr/>
+          </a:p>
+        </p:txBody>
+      </p:sp>
+    </p:spTree>
+  </p:cSld>
+  <p:clrMapOvr>
+    <a:masterClrMapping/>
+  </p:clrMapOvr>
+</p:notes>
+</file>
+
+<file path=ppt/notesSlides/notesSlide3.xml><?xml version="1.0" encoding="utf-8"?>
+<p:notes xmlns:a="http://schemas.openxmlformats.org/drawingml/2006/main" xmlns:r="http://schemas.openxmlformats.org/officeDocument/2006/relationships" xmlns:p="http://schemas.openxmlformats.org/presentationml/2006/main" showMasterSp="0" showMasterPhAnim="0">
+  <p:cSld>
+    <p:spTree>
+      <p:nvGrpSpPr>
+        <p:cNvPr id="1" name="Shape 77"/>
+        <p:cNvGrpSpPr/>
+        <p:nvPr/>
+      </p:nvGrpSpPr>
+      <p:grpSpPr>
+        <a:xfrm>
+          <a:off x="0" y="0"/>
+          <a:ext cx="0" cy="0"/>
+          <a:chOff x="0" y="0"/>
+          <a:chExt cx="0" cy="0"/>
+        </a:xfrm>
+      </p:grpSpPr>
+      <p:sp>
+        <p:nvSpPr>
+          <p:cNvPr id="78" name="Google Shape;78;g58740697eb_1_21:notes"/>
+          <p:cNvSpPr>
+            <a:spLocks noGrp="1" noRot="1" noChangeAspect="1"/>
+          </p:cNvSpPr>
+          <p:nvPr>
+            <p:ph type="sldImg" idx="2"/>
+          </p:nvPr>
+        </p:nvSpPr>
+        <p:spPr>
+          <a:xfrm>
+            <a:off x="381000" y="685800"/>
+            <a:ext cx="6096000" cy="3429000"/>
+          </a:xfrm>
+          <a:custGeom>
+            <a:avLst/>
+            <a:gdLst/>
+            <a:ahLst/>
+            <a:cxnLst/>
+            <a:rect l="l" t="t" r="r" b="b"/>
+            <a:pathLst>
+              <a:path w="120000" h="120000" extrusionOk="0">
+                <a:moveTo>
+                  <a:pt x="0" y="0"/>
+                </a:moveTo>
+                <a:lnTo>
+                  <a:pt x="120000" y="0"/>
+                </a:lnTo>
+                <a:lnTo>
+                  <a:pt x="120000" y="120000"/>
+                </a:lnTo>
+                <a:lnTo>
+                  <a:pt x="0" y="120000"/>
+                </a:lnTo>
+                <a:close/>
+              </a:path>
+            </a:pathLst>
+          </a:custGeom>
+        </p:spPr>
+      </p:sp>
+      <p:sp>
+        <p:nvSpPr>
+          <p:cNvPr id="79" name="Google Shape;79;g58740697eb_1_21:notes"/>
+          <p:cNvSpPr txBox="1">
+            <a:spLocks noGrp="1"/>
+          </p:cNvSpPr>
+          <p:nvPr>
+            <p:ph type="body" idx="1"/>
+          </p:nvPr>
+        </p:nvSpPr>
+        <p:spPr>
+          <a:xfrm>
+            <a:off x="685800" y="4343400"/>
+            <a:ext cx="5486400" cy="4114800"/>
+          </a:xfrm>
+          <a:prstGeom prst="rect">
+            <a:avLst/>
+          </a:prstGeom>
+        </p:spPr>
+        <p:txBody>
+          <a:bodyPr spcFirstLastPara="1" wrap="square" lIns="91425" tIns="91425" rIns="91425" bIns="91425" anchor="t" anchorCtr="0">
+            <a:noAutofit/>
+          </a:bodyPr>
+          <a:lstStyle/>
+          <a:p>
+            <a:pPr marL="0" lvl="0" indent="0" algn="l" rtl="0">
+              <a:spcBef>
+                <a:spcPts val="0"/>
+              </a:spcBef>
+              <a:spcAft>
+                <a:spcPts val="0"/>
+              </a:spcAft>
+              <a:buNone/>
+            </a:pPr>
+            <a:endParaRPr/>
+          </a:p>
+        </p:txBody>
+      </p:sp>
+    </p:spTree>
+  </p:cSld>
+  <p:clrMapOvr>
+    <a:masterClrMapping/>
+  </p:clrMapOvr>
+</p:notes>
+</file>
+
+<file path=ppt/notesSlides/notesSlide4.xml><?xml version="1.0" encoding="utf-8"?>
+<p:notes xmlns:a="http://schemas.openxmlformats.org/drawingml/2006/main" xmlns:r="http://schemas.openxmlformats.org/officeDocument/2006/relationships" xmlns:p="http://schemas.openxmlformats.org/presentationml/2006/main" showMasterSp="0" showMasterPhAnim="0">
+  <p:cSld>
+    <p:spTree>
+      <p:nvGrpSpPr>
+        <p:cNvPr id="1" name="Shape 96"/>
+        <p:cNvGrpSpPr/>
+        <p:nvPr/>
+      </p:nvGrpSpPr>
+      <p:grpSpPr>
+        <a:xfrm>
+          <a:off x="0" y="0"/>
+          <a:ext cx="0" cy="0"/>
+          <a:chOff x="0" y="0"/>
+          <a:chExt cx="0" cy="0"/>
+        </a:xfrm>
+      </p:grpSpPr>
+      <p:sp>
+        <p:nvSpPr>
+          <p:cNvPr id="97" name="Google Shape;97;g58740697eb_1_5:notes"/>
+          <p:cNvSpPr>
+            <a:spLocks noGrp="1" noRot="1" noChangeAspect="1"/>
+          </p:cNvSpPr>
+          <p:nvPr>
+            <p:ph type="sldImg" idx="2"/>
+          </p:nvPr>
+        </p:nvSpPr>
+        <p:spPr>
+          <a:xfrm>
+            <a:off x="381000" y="685800"/>
+            <a:ext cx="6096000" cy="3429000"/>
+          </a:xfrm>
+          <a:custGeom>
+            <a:avLst/>
+            <a:gdLst/>
+            <a:ahLst/>
+            <a:cxnLst/>
+            <a:rect l="l" t="t" r="r" b="b"/>
+            <a:pathLst>
+              <a:path w="120000" h="120000" extrusionOk="0">
+                <a:moveTo>
+                  <a:pt x="0" y="0"/>
+                </a:moveTo>
+                <a:lnTo>
+                  <a:pt x="120000" y="0"/>
+                </a:lnTo>
+                <a:lnTo>
+                  <a:pt x="120000" y="120000"/>
+                </a:lnTo>
+                <a:lnTo>
+                  <a:pt x="0" y="120000"/>
+                </a:lnTo>
+                <a:close/>
+              </a:path>
+            </a:pathLst>
+          </a:custGeom>
+        </p:spPr>
+      </p:sp>
+      <p:sp>
+        <p:nvSpPr>
+          <p:cNvPr id="98" name="Google Shape;98;g58740697eb_1_5:notes"/>
+          <p:cNvSpPr txBox="1">
+            <a:spLocks noGrp="1"/>
+          </p:cNvSpPr>
+          <p:nvPr>
+            <p:ph type="body" idx="1"/>
+          </p:nvPr>
+        </p:nvSpPr>
+        <p:spPr>
+          <a:xfrm>
+            <a:off x="685800" y="4343400"/>
+            <a:ext cx="5486400" cy="4114800"/>
+          </a:xfrm>
+          <a:prstGeom prst="rect">
+            <a:avLst/>
+          </a:prstGeom>
+        </p:spPr>
+        <p:txBody>
+          <a:bodyPr spcFirstLastPara="1" wrap="square" lIns="91425" tIns="91425" rIns="91425" bIns="91425" anchor="t" anchorCtr="0">
+            <a:noAutofit/>
+          </a:bodyPr>
+          <a:lstStyle/>
+          <a:p>
+            <a:pPr marL="0" lvl="0" indent="0" algn="l" rtl="0">
+              <a:spcBef>
+                <a:spcPts val="0"/>
+              </a:spcBef>
+              <a:spcAft>
+                <a:spcPts val="0"/>
+              </a:spcAft>
+              <a:buNone/>
+            </a:pPr>
+            <a:endParaRPr/>
+          </a:p>
+        </p:txBody>
+      </p:sp>
+    </p:spTree>
+  </p:cSld>
+  <p:clrMapOvr>
+    <a:masterClrMapping/>
+  </p:clrMapOvr>
+</p:notes>
+</file>
+
+<file path=ppt/notesSlides/notesSlide5.xml><?xml version="1.0" encoding="utf-8"?>
+<p:notes xmlns:a="http://schemas.openxmlformats.org/drawingml/2006/main" xmlns:r="http://schemas.openxmlformats.org/officeDocument/2006/relationships" xmlns:p="http://schemas.openxmlformats.org/presentationml/2006/main" showMasterSp="0" showMasterPhAnim="0">
+  <p:cSld>
+    <p:spTree>
+      <p:nvGrpSpPr>
+        <p:cNvPr id="1" name="Shape 123"/>
+        <p:cNvGrpSpPr/>
+        <p:nvPr/>
+      </p:nvGrpSpPr>
+      <p:grpSpPr>
+        <a:xfrm>
+          <a:off x="0" y="0"/>
+          <a:ext cx="0" cy="0"/>
+          <a:chOff x="0" y="0"/>
+          <a:chExt cx="0" cy="0"/>
+        </a:xfrm>
+      </p:grpSpPr>
+      <p:sp>
+        <p:nvSpPr>
+          <p:cNvPr id="124" name="Google Shape;124;g58740697eb_0_2:notes"/>
+          <p:cNvSpPr>
+            <a:spLocks noGrp="1" noRot="1" noChangeAspect="1"/>
+          </p:cNvSpPr>
+          <p:nvPr>
+            <p:ph type="sldImg" idx="2"/>
+          </p:nvPr>
+        </p:nvSpPr>
+        <p:spPr>
+          <a:xfrm>
+            <a:off x="381000" y="685800"/>
+            <a:ext cx="6096000" cy="3429000"/>
+          </a:xfrm>
+          <a:custGeom>
+            <a:avLst/>
+            <a:gdLst/>
+            <a:ahLst/>
+            <a:cxnLst/>
+            <a:rect l="l" t="t" r="r" b="b"/>
+            <a:pathLst>
+              <a:path w="120000" h="120000" extrusionOk="0">
+                <a:moveTo>
+                  <a:pt x="0" y="0"/>
+                </a:moveTo>
+                <a:lnTo>
+                  <a:pt x="120000" y="0"/>
+                </a:lnTo>
+                <a:lnTo>
+                  <a:pt x="120000" y="120000"/>
+                </a:lnTo>
+                <a:lnTo>
+                  <a:pt x="0" y="120000"/>
+                </a:lnTo>
+                <a:close/>
+              </a:path>
+            </a:pathLst>
+          </a:custGeom>
+        </p:spPr>
+      </p:sp>
+      <p:sp>
+        <p:nvSpPr>
+          <p:cNvPr id="125" name="Google Shape;125;g58740697eb_0_2:notes"/>
+          <p:cNvSpPr txBox="1">
+            <a:spLocks noGrp="1"/>
+          </p:cNvSpPr>
+          <p:nvPr>
+            <p:ph type="body" idx="1"/>
+          </p:nvPr>
+        </p:nvSpPr>
+        <p:spPr>
+          <a:xfrm>
+            <a:off x="685800" y="4343400"/>
+            <a:ext cx="5486400" cy="4114800"/>
+          </a:xfrm>
+          <a:prstGeom prst="rect">
+            <a:avLst/>
+          </a:prstGeom>
+        </p:spPr>
+        <p:txBody>
+          <a:bodyPr spcFirstLastPara="1" wrap="square" lIns="91425" tIns="91425" rIns="91425" bIns="91425" anchor="t" anchorCtr="0">
+            <a:noAutofit/>
+          </a:bodyPr>
+          <a:lstStyle/>
+          <a:p>
+            <a:pPr marL="0" lvl="0" indent="0" algn="l" rtl="0">
+              <a:spcBef>
+                <a:spcPts val="0"/>
+              </a:spcBef>
+              <a:spcAft>
+                <a:spcPts val="0"/>
+              </a:spcAft>
+              <a:buNone/>
+            </a:pPr>
+            <a:endParaRPr/>
+          </a:p>
+        </p:txBody>
+      </p:sp>
+    </p:spTree>
+  </p:cSld>
+  <p:clrMapOvr>
+    <a:masterClrMapping/>
+  </p:clrMapOvr>
+</p:notes>
+</file>
+
+<file path=ppt/notesSlides/notesSlide6.xml><?xml version="1.0" encoding="utf-8"?>
+<p:notes xmlns:a="http://schemas.openxmlformats.org/drawingml/2006/main" xmlns:r="http://schemas.openxmlformats.org/officeDocument/2006/relationships" xmlns:p="http://schemas.openxmlformats.org/presentationml/2006/main" showMasterSp="0" showMasterPhAnim="0">
+  <p:cSld>
+    <p:spTree>
+      <p:nvGrpSpPr>
+        <p:cNvPr id="1" name="Shape 105"/>
+        <p:cNvGrpSpPr/>
+        <p:nvPr/>
+      </p:nvGrpSpPr>
+      <p:grpSpPr>
+        <a:xfrm>
+          <a:off x="0" y="0"/>
+          <a:ext cx="0" cy="0"/>
+          <a:chOff x="0" y="0"/>
+          <a:chExt cx="0" cy="0"/>
+        </a:xfrm>
+      </p:grpSpPr>
+      <p:sp>
+        <p:nvSpPr>
+          <p:cNvPr id="106" name="Google Shape;106;g58708e6c38_1_13:notes"/>
+          <p:cNvSpPr>
+            <a:spLocks noGrp="1" noRot="1" noChangeAspect="1"/>
+          </p:cNvSpPr>
+          <p:nvPr>
+            <p:ph type="sldImg" idx="2"/>
+          </p:nvPr>
+        </p:nvSpPr>
+        <p:spPr>
+          <a:xfrm>
+            <a:off x="381000" y="685800"/>
+            <a:ext cx="6096000" cy="3429000"/>
+          </a:xfrm>
+          <a:custGeom>
+            <a:avLst/>
+            <a:gdLst/>
+            <a:ahLst/>
+            <a:cxnLst/>
+            <a:rect l="l" t="t" r="r" b="b"/>
+            <a:pathLst>
+              <a:path w="120000" h="120000" extrusionOk="0">
+                <a:moveTo>
+                  <a:pt x="0" y="0"/>
+                </a:moveTo>
+                <a:lnTo>
+                  <a:pt x="120000" y="0"/>
+                </a:lnTo>
+                <a:lnTo>
+                  <a:pt x="120000" y="120000"/>
+                </a:lnTo>
+                <a:lnTo>
+                  <a:pt x="0" y="120000"/>
+                </a:lnTo>
+                <a:close/>
+              </a:path>
+            </a:pathLst>
+          </a:custGeom>
+        </p:spPr>
+      </p:sp>
+      <p:sp>
+        <p:nvSpPr>
+          <p:cNvPr id="107" name="Google Shape;107;g58708e6c38_1_13:notes"/>
+          <p:cNvSpPr txBox="1">
+            <a:spLocks noGrp="1"/>
+          </p:cNvSpPr>
+          <p:nvPr>
+            <p:ph type="body" idx="1"/>
+          </p:nvPr>
+        </p:nvSpPr>
+        <p:spPr>
+          <a:xfrm>
+            <a:off x="685800" y="4343400"/>
+            <a:ext cx="5486400" cy="4114800"/>
+          </a:xfrm>
+          <a:prstGeom prst="rect">
+            <a:avLst/>
+          </a:prstGeom>
+        </p:spPr>
+        <p:txBody>
+          <a:bodyPr spcFirstLastPara="1" wrap="square" lIns="91425" tIns="91425" rIns="91425" bIns="91425" anchor="t" anchorCtr="0">
+            <a:noAutofit/>
+          </a:bodyPr>
+          <a:lstStyle/>
+          <a:p>
+            <a:pPr marL="0" lvl="0" indent="0" algn="l" rtl="0">
+              <a:spcBef>
+                <a:spcPts val="0"/>
+              </a:spcBef>
+              <a:spcAft>
+                <a:spcPts val="0"/>
+              </a:spcAft>
+              <a:buNone/>
+            </a:pPr>
+            <a:endParaRPr/>
+          </a:p>
+        </p:txBody>
+      </p:sp>
+    </p:spTree>
+  </p:cSld>
+  <p:clrMapOvr>
+    <a:masterClrMapping/>
+  </p:clrMapOvr>
+</p:notes>
+</file>
+
+<file path=ppt/notesSlides/notesSlide7.xml><?xml version="1.0" encoding="utf-8"?>
+<p:notes xmlns:a="http://schemas.openxmlformats.org/drawingml/2006/main" xmlns:r="http://schemas.openxmlformats.org/officeDocument/2006/relationships" xmlns:p="http://schemas.openxmlformats.org/presentationml/2006/main" showMasterSp="0" showMasterPhAnim="0">
+  <p:cSld>
+    <p:spTree>
+      <p:nvGrpSpPr>
+        <p:cNvPr id="1" name="Shape 116"/>
+        <p:cNvGrpSpPr/>
+        <p:nvPr/>
+      </p:nvGrpSpPr>
+      <p:grpSpPr>
+        <a:xfrm>
+          <a:off x="0" y="0"/>
+          <a:ext cx="0" cy="0"/>
+          <a:chOff x="0" y="0"/>
+          <a:chExt cx="0" cy="0"/>
+        </a:xfrm>
+      </p:grpSpPr>
+      <p:sp>
+        <p:nvSpPr>
+          <p:cNvPr id="117" name="Google Shape;117;g58740697eb_0_44:notes"/>
+          <p:cNvSpPr>
+            <a:spLocks noGrp="1" noRot="1" noChangeAspect="1"/>
+          </p:cNvSpPr>
+          <p:nvPr>
+            <p:ph type="sldImg" idx="2"/>
+          </p:nvPr>
+        </p:nvSpPr>
+        <p:spPr>
+          <a:xfrm>
+            <a:off x="381000" y="685800"/>
+            <a:ext cx="6096000" cy="3429000"/>
+          </a:xfrm>
+          <a:custGeom>
+            <a:avLst/>
+            <a:gdLst/>
+            <a:ahLst/>
+            <a:cxnLst/>
+            <a:rect l="l" t="t" r="r" b="b"/>
+            <a:pathLst>
+              <a:path w="120000" h="120000" extrusionOk="0">
+                <a:moveTo>
+                  <a:pt x="0" y="0"/>
+                </a:moveTo>
+                <a:lnTo>
+                  <a:pt x="120000" y="0"/>
+                </a:lnTo>
+                <a:lnTo>
+                  <a:pt x="120000" y="120000"/>
+                </a:lnTo>
+                <a:lnTo>
+                  <a:pt x="0" y="120000"/>
+                </a:lnTo>
+                <a:close/>
+              </a:path>
+            </a:pathLst>
+          </a:custGeom>
+        </p:spPr>
+      </p:sp>
+      <p:sp>
+        <p:nvSpPr>
+          <p:cNvPr id="118" name="Google Shape;118;g58740697eb_0_44:notes"/>
+          <p:cNvSpPr txBox="1">
+            <a:spLocks noGrp="1"/>
+          </p:cNvSpPr>
+          <p:nvPr>
+            <p:ph type="body" idx="1"/>
+          </p:nvPr>
+        </p:nvSpPr>
+        <p:spPr>
+          <a:xfrm>
+            <a:off x="685800" y="4343400"/>
+            <a:ext cx="5486400" cy="4114800"/>
+          </a:xfrm>
+          <a:prstGeom prst="rect">
+            <a:avLst/>
+          </a:prstGeom>
+        </p:spPr>
+        <p:txBody>
+          <a:bodyPr spcFirstLastPara="1" wrap="square" lIns="91425" tIns="91425" rIns="91425" bIns="91425" anchor="t" anchorCtr="0">
+            <a:noAutofit/>
+          </a:bodyPr>
+          <a:lstStyle/>
+          <a:p>
+            <a:pPr marL="0" lvl="0" indent="0" algn="l" rtl="0">
+              <a:spcBef>
+                <a:spcPts val="0"/>
+              </a:spcBef>
+              <a:spcAft>
+                <a:spcPts val="0"/>
+              </a:spcAft>
+              <a:buNone/>
+            </a:pPr>
+            <a:endParaRPr/>
+          </a:p>
+        </p:txBody>
+      </p:sp>
+    </p:spTree>
+  </p:cSld>
+  <p:clrMapOvr>
+    <a:masterClrMapping/>
+  </p:clrMapOvr>
+</p:notes>
+</file>
+
+<file path=ppt/notesSlides/notesSlide8.xml><?xml version="1.0" encoding="utf-8"?>
+<p:notes xmlns:a="http://schemas.openxmlformats.org/drawingml/2006/main" xmlns:r="http://schemas.openxmlformats.org/officeDocument/2006/relationships" xmlns:p="http://schemas.openxmlformats.org/presentationml/2006/main" showMasterSp="0" showMasterPhAnim="0">
+  <p:cSld>
+    <p:spTree>
+      <p:nvGrpSpPr>
+        <p:cNvPr id="1" name="Shape 130"/>
+        <p:cNvGrpSpPr/>
+        <p:nvPr/>
+      </p:nvGrpSpPr>
+      <p:grpSpPr>
+        <a:xfrm>
+          <a:off x="0" y="0"/>
+          <a:ext cx="0" cy="0"/>
+          <a:chOff x="0" y="0"/>
+          <a:chExt cx="0" cy="0"/>
+        </a:xfrm>
+      </p:grpSpPr>
+      <p:sp>
+        <p:nvSpPr>
+          <p:cNvPr id="131" name="Google Shape;131;g5191465aac_0_11:notes"/>
+          <p:cNvSpPr>
+            <a:spLocks noGrp="1" noRot="1" noChangeAspect="1"/>
+          </p:cNvSpPr>
+          <p:nvPr>
+            <p:ph type="sldImg" idx="2"/>
+          </p:nvPr>
+        </p:nvSpPr>
+        <p:spPr>
+          <a:xfrm>
+            <a:off x="381000" y="685800"/>
+            <a:ext cx="6096000" cy="3429000"/>
+          </a:xfrm>
+          <a:custGeom>
+            <a:avLst/>
+            <a:gdLst/>
+            <a:ahLst/>
+            <a:cxnLst/>
+            <a:rect l="l" t="t" r="r" b="b"/>
+            <a:pathLst>
+              <a:path w="120000" h="120000" extrusionOk="0">
+                <a:moveTo>
+                  <a:pt x="0" y="0"/>
+                </a:moveTo>
+                <a:lnTo>
+                  <a:pt x="120000" y="0"/>
+                </a:lnTo>
+                <a:lnTo>
+                  <a:pt x="120000" y="120000"/>
+                </a:lnTo>
+                <a:lnTo>
+                  <a:pt x="0" y="120000"/>
+                </a:lnTo>
+                <a:close/>
+              </a:path>
+            </a:pathLst>
+          </a:custGeom>
+        </p:spPr>
+      </p:sp>
+      <p:sp>
+        <p:nvSpPr>
+          <p:cNvPr id="132" name="Google Shape;132;g5191465aac_0_11:notes"/>
+          <p:cNvSpPr txBox="1">
+            <a:spLocks noGrp="1"/>
+          </p:cNvSpPr>
+          <p:nvPr>
+            <p:ph type="body" idx="1"/>
+          </p:nvPr>
+        </p:nvSpPr>
+        <p:spPr>
+          <a:xfrm>
+            <a:off x="685800" y="4343400"/>
+            <a:ext cx="5486400" cy="4114800"/>
+          </a:xfrm>
+          <a:prstGeom prst="rect">
+            <a:avLst/>
+          </a:prstGeom>
+        </p:spPr>
+        <p:txBody>
+          <a:bodyPr spcFirstLastPara="1" wrap="square" lIns="91425" tIns="91425" rIns="91425" bIns="91425" anchor="t" anchorCtr="0">
+            <a:noAutofit/>
+          </a:bodyPr>
+          <a:lstStyle/>
+          <a:p>
+            <a:pPr marL="0" lvl="0" indent="0" algn="l" rtl="0">
+              <a:spcBef>
+                <a:spcPts val="0"/>
+              </a:spcBef>
+              <a:spcAft>
+                <a:spcPts val="0"/>
+              </a:spcAft>
+              <a:buNone/>
+            </a:pPr>
+            <a:endParaRPr/>
+          </a:p>
+        </p:txBody>
+      </p:sp>
+    </p:spTree>
+  </p:cSld>
+  <p:clrMapOvr>
+    <a:masterClrMapping/>
+  </p:clrMapOvr>
+</p:notes>
+</file>
+
+<file path=ppt/notesSlides/notesSlide9.xml><?xml version="1.0" encoding="utf-8"?>
+<p:notes xmlns:a="http://schemas.openxmlformats.org/drawingml/2006/main" xmlns:r="http://schemas.openxmlformats.org/officeDocument/2006/relationships" xmlns:p="http://schemas.openxmlformats.org/presentationml/2006/main" showMasterSp="0" showMasterPhAnim="0">
+  <p:cSld>
+    <p:spTree>
+      <p:nvGrpSpPr>
+        <p:cNvPr id="1" name="Shape 136"/>
+        <p:cNvGrpSpPr/>
+        <p:nvPr/>
+      </p:nvGrpSpPr>
+      <p:grpSpPr>
+        <a:xfrm>
+          <a:off x="0" y="0"/>
+          <a:ext cx="0" cy="0"/>
+          <a:chOff x="0" y="0"/>
+          <a:chExt cx="0" cy="0"/>
+        </a:xfrm>
+      </p:grpSpPr>
+      <p:sp>
+        <p:nvSpPr>
+          <p:cNvPr id="137" name="Google Shape;137;g58740697eb_0_12:notes"/>
+          <p:cNvSpPr>
+            <a:spLocks noGrp="1" noRot="1" noChangeAspect="1"/>
+          </p:cNvSpPr>
+          <p:nvPr>
+            <p:ph type="sldImg" idx="2"/>
+          </p:nvPr>
+        </p:nvSpPr>
+        <p:spPr>
+          <a:xfrm>
+            <a:off x="381000" y="685800"/>
+            <a:ext cx="6096000" cy="3429000"/>
+          </a:xfrm>
+          <a:custGeom>
+            <a:avLst/>
+            <a:gdLst/>
+            <a:ahLst/>
+            <a:cxnLst/>
+            <a:rect l="l" t="t" r="r" b="b"/>
+            <a:pathLst>
+              <a:path w="120000" h="120000" extrusionOk="0">
+                <a:moveTo>
+                  <a:pt x="0" y="0"/>
+                </a:moveTo>
+                <a:lnTo>
+                  <a:pt x="120000" y="0"/>
+                </a:lnTo>
+                <a:lnTo>
+                  <a:pt x="120000" y="120000"/>
+                </a:lnTo>
+                <a:lnTo>
+                  <a:pt x="0" y="120000"/>
+                </a:lnTo>
+                <a:close/>
+              </a:path>
+            </a:pathLst>
+          </a:custGeom>
+        </p:spPr>
+      </p:sp>
+      <p:sp>
+        <p:nvSpPr>
+          <p:cNvPr id="138" name="Google Shape;138;g58740697eb_0_12:notes"/>
+          <p:cNvSpPr txBox="1">
+            <a:spLocks noGrp="1"/>
+          </p:cNvSpPr>
+          <p:nvPr>
+            <p:ph type="body" idx="1"/>
+          </p:nvPr>
+        </p:nvSpPr>
+        <p:spPr>
+          <a:xfrm>
+            <a:off x="685800" y="4343400"/>
+            <a:ext cx="5486400" cy="4114800"/>
+          </a:xfrm>
+          <a:prstGeom prst="rect">
+            <a:avLst/>
+          </a:prstGeom>
+        </p:spPr>
+        <p:txBody>
+          <a:bodyPr spcFirstLastPara="1" wrap="square" lIns="91425" tIns="91425" rIns="91425" bIns="91425" anchor="t" anchorCtr="0">
+            <a:noAutofit/>
+          </a:bodyPr>
+          <a:lstStyle/>
+          <a:p>
+            <a:pPr marL="0" lvl="0" indent="0" algn="l" rtl="0">
+              <a:spcBef>
+                <a:spcPts val="0"/>
+              </a:spcBef>
+              <a:spcAft>
+                <a:spcPts val="0"/>
+              </a:spcAft>
+              <a:buNone/>
+            </a:pPr>
+            <a:endParaRPr/>
+          </a:p>
+        </p:txBody>
+      </p:sp>
+    </p:spTree>
+  </p:cSld>
+  <p:clrMapOvr>
+    <a:masterClrMapping/>
+  </p:clrMapOvr>
+</p:notes>
+</file>
+
 <file path=ppt/slideLayouts/slideLayout1.xml><?xml version="1.0" encoding="utf-8"?>
 <p:sldLayout xmlns:a="http://schemas.openxmlformats.org/drawingml/2006/main" xmlns:r="http://schemas.openxmlformats.org/officeDocument/2006/relationships" xmlns:p="http://schemas.openxmlformats.org/presentationml/2006/main" preserve="1" userDrawn="1">
   <p:cSld name="Première diapositive">
@@ -2807,6 +3962,362 @@
 </p:sldLayout>
 </file>
 
+<file path=ppt/slideLayouts/slideLayout4.xml><?xml version="1.0" encoding="utf-8"?>
+<p:sldLayout xmlns:a="http://schemas.openxmlformats.org/drawingml/2006/main" xmlns:r="http://schemas.openxmlformats.org/officeDocument/2006/relationships" xmlns:p="http://schemas.openxmlformats.org/presentationml/2006/main" matchingName="Title and body" type="tx">
+  <p:cSld name="Title and body">
+    <p:spTree>
+      <p:nvGrpSpPr>
+        <p:cNvPr id="1" name="Shape 16"/>
+        <p:cNvGrpSpPr/>
+        <p:nvPr/>
+      </p:nvGrpSpPr>
+      <p:grpSpPr>
+        <a:xfrm>
+          <a:off x="0" y="0"/>
+          <a:ext cx="0" cy="0"/>
+          <a:chOff x="0" y="0"/>
+          <a:chExt cx="0" cy="0"/>
+        </a:xfrm>
+      </p:grpSpPr>
+      <p:sp>
+        <p:nvSpPr>
+          <p:cNvPr id="17" name="Google Shape;17;p4"/>
+          <p:cNvSpPr txBox="1">
+            <a:spLocks noGrp="1"/>
+          </p:cNvSpPr>
+          <p:nvPr>
+            <p:ph type="title"/>
+          </p:nvPr>
+        </p:nvSpPr>
+        <p:spPr>
+          <a:xfrm>
+            <a:off x="415600" y="593367"/>
+            <a:ext cx="11360800" cy="763600"/>
+          </a:xfrm>
+          <a:prstGeom prst="rect">
+            <a:avLst/>
+          </a:prstGeom>
+        </p:spPr>
+        <p:txBody>
+          <a:bodyPr spcFirstLastPara="1" wrap="square" lIns="91425" tIns="91425" rIns="91425" bIns="91425" anchor="t" anchorCtr="0"/>
+          <a:lstStyle>
+            <a:lvl1pPr lvl="0">
+              <a:spcBef>
+                <a:spcPts val="0"/>
+              </a:spcBef>
+              <a:spcAft>
+                <a:spcPts val="0"/>
+              </a:spcAft>
+              <a:buSzPts val="2800"/>
+              <a:buNone/>
+              <a:defRPr/>
+            </a:lvl1pPr>
+            <a:lvl2pPr lvl="1">
+              <a:spcBef>
+                <a:spcPts val="0"/>
+              </a:spcBef>
+              <a:spcAft>
+                <a:spcPts val="0"/>
+              </a:spcAft>
+              <a:buSzPts val="2800"/>
+              <a:buNone/>
+              <a:defRPr/>
+            </a:lvl2pPr>
+            <a:lvl3pPr lvl="2">
+              <a:spcBef>
+                <a:spcPts val="0"/>
+              </a:spcBef>
+              <a:spcAft>
+                <a:spcPts val="0"/>
+              </a:spcAft>
+              <a:buSzPts val="2800"/>
+              <a:buNone/>
+              <a:defRPr/>
+            </a:lvl3pPr>
+            <a:lvl4pPr lvl="3">
+              <a:spcBef>
+                <a:spcPts val="0"/>
+              </a:spcBef>
+              <a:spcAft>
+                <a:spcPts val="0"/>
+              </a:spcAft>
+              <a:buSzPts val="2800"/>
+              <a:buNone/>
+              <a:defRPr/>
+            </a:lvl4pPr>
+            <a:lvl5pPr lvl="4">
+              <a:spcBef>
+                <a:spcPts val="0"/>
+              </a:spcBef>
+              <a:spcAft>
+                <a:spcPts val="0"/>
+              </a:spcAft>
+              <a:buSzPts val="2800"/>
+              <a:buNone/>
+              <a:defRPr/>
+            </a:lvl5pPr>
+            <a:lvl6pPr lvl="5">
+              <a:spcBef>
+                <a:spcPts val="0"/>
+              </a:spcBef>
+              <a:spcAft>
+                <a:spcPts val="0"/>
+              </a:spcAft>
+              <a:buSzPts val="2800"/>
+              <a:buNone/>
+              <a:defRPr/>
+            </a:lvl6pPr>
+            <a:lvl7pPr lvl="6">
+              <a:spcBef>
+                <a:spcPts val="0"/>
+              </a:spcBef>
+              <a:spcAft>
+                <a:spcPts val="0"/>
+              </a:spcAft>
+              <a:buSzPts val="2800"/>
+              <a:buNone/>
+              <a:defRPr/>
+            </a:lvl7pPr>
+            <a:lvl8pPr lvl="7">
+              <a:spcBef>
+                <a:spcPts val="0"/>
+              </a:spcBef>
+              <a:spcAft>
+                <a:spcPts val="0"/>
+              </a:spcAft>
+              <a:buSzPts val="2800"/>
+              <a:buNone/>
+              <a:defRPr/>
+            </a:lvl8pPr>
+            <a:lvl9pPr lvl="8">
+              <a:spcBef>
+                <a:spcPts val="0"/>
+              </a:spcBef>
+              <a:spcAft>
+                <a:spcPts val="0"/>
+              </a:spcAft>
+              <a:buSzPts val="2800"/>
+              <a:buNone/>
+              <a:defRPr/>
+            </a:lvl9pPr>
+          </a:lstStyle>
+          <a:p>
+            <a:endParaRPr/>
+          </a:p>
+        </p:txBody>
+      </p:sp>
+      <p:sp>
+        <p:nvSpPr>
+          <p:cNvPr id="18" name="Google Shape;18;p4"/>
+          <p:cNvSpPr txBox="1">
+            <a:spLocks noGrp="1"/>
+          </p:cNvSpPr>
+          <p:nvPr>
+            <p:ph type="body" idx="1"/>
+          </p:nvPr>
+        </p:nvSpPr>
+        <p:spPr>
+          <a:xfrm>
+            <a:off x="415600" y="1536633"/>
+            <a:ext cx="11360800" cy="4555200"/>
+          </a:xfrm>
+          <a:prstGeom prst="rect">
+            <a:avLst/>
+          </a:prstGeom>
+        </p:spPr>
+        <p:txBody>
+          <a:bodyPr spcFirstLastPara="1" wrap="square" lIns="91425" tIns="91425" rIns="91425" bIns="91425" anchor="t" anchorCtr="0"/>
+          <a:lstStyle>
+            <a:lvl1pPr marL="609585" lvl="0" indent="-457189">
+              <a:spcBef>
+                <a:spcPts val="0"/>
+              </a:spcBef>
+              <a:spcAft>
+                <a:spcPts val="0"/>
+              </a:spcAft>
+              <a:buSzPts val="1800"/>
+              <a:buChar char="●"/>
+              <a:defRPr/>
+            </a:lvl1pPr>
+            <a:lvl2pPr marL="1219170" lvl="1" indent="-423323">
+              <a:spcBef>
+                <a:spcPts val="2133"/>
+              </a:spcBef>
+              <a:spcAft>
+                <a:spcPts val="0"/>
+              </a:spcAft>
+              <a:buSzPts val="1400"/>
+              <a:buChar char="○"/>
+              <a:defRPr/>
+            </a:lvl2pPr>
+            <a:lvl3pPr marL="1828754" lvl="2" indent="-423323">
+              <a:spcBef>
+                <a:spcPts val="2133"/>
+              </a:spcBef>
+              <a:spcAft>
+                <a:spcPts val="0"/>
+              </a:spcAft>
+              <a:buSzPts val="1400"/>
+              <a:buChar char="■"/>
+              <a:defRPr/>
+            </a:lvl3pPr>
+            <a:lvl4pPr marL="2438339" lvl="3" indent="-423323">
+              <a:spcBef>
+                <a:spcPts val="2133"/>
+              </a:spcBef>
+              <a:spcAft>
+                <a:spcPts val="0"/>
+              </a:spcAft>
+              <a:buSzPts val="1400"/>
+              <a:buChar char="●"/>
+              <a:defRPr/>
+            </a:lvl4pPr>
+            <a:lvl5pPr marL="3047924" lvl="4" indent="-423323">
+              <a:spcBef>
+                <a:spcPts val="2133"/>
+              </a:spcBef>
+              <a:spcAft>
+                <a:spcPts val="0"/>
+              </a:spcAft>
+              <a:buSzPts val="1400"/>
+              <a:buChar char="○"/>
+              <a:defRPr/>
+            </a:lvl5pPr>
+            <a:lvl6pPr marL="3657509" lvl="5" indent="-423323">
+              <a:spcBef>
+                <a:spcPts val="2133"/>
+              </a:spcBef>
+              <a:spcAft>
+                <a:spcPts val="0"/>
+              </a:spcAft>
+              <a:buSzPts val="1400"/>
+              <a:buChar char="■"/>
+              <a:defRPr/>
+            </a:lvl6pPr>
+            <a:lvl7pPr marL="4267093" lvl="6" indent="-423323">
+              <a:spcBef>
+                <a:spcPts val="2133"/>
+              </a:spcBef>
+              <a:spcAft>
+                <a:spcPts val="0"/>
+              </a:spcAft>
+              <a:buSzPts val="1400"/>
+              <a:buChar char="●"/>
+              <a:defRPr/>
+            </a:lvl7pPr>
+            <a:lvl8pPr marL="4876678" lvl="7" indent="-423323">
+              <a:spcBef>
+                <a:spcPts val="2133"/>
+              </a:spcBef>
+              <a:spcAft>
+                <a:spcPts val="0"/>
+              </a:spcAft>
+              <a:buSzPts val="1400"/>
+              <a:buChar char="○"/>
+              <a:defRPr/>
+            </a:lvl8pPr>
+            <a:lvl9pPr marL="5486263" lvl="8" indent="-423323">
+              <a:spcBef>
+                <a:spcPts val="2133"/>
+              </a:spcBef>
+              <a:spcAft>
+                <a:spcPts val="2133"/>
+              </a:spcAft>
+              <a:buSzPts val="1400"/>
+              <a:buChar char="■"/>
+              <a:defRPr/>
+            </a:lvl9pPr>
+          </a:lstStyle>
+          <a:p>
+            <a:endParaRPr/>
+          </a:p>
+        </p:txBody>
+      </p:sp>
+      <p:sp>
+        <p:nvSpPr>
+          <p:cNvPr id="19" name="Google Shape;19;p4"/>
+          <p:cNvSpPr txBox="1">
+            <a:spLocks noGrp="1"/>
+          </p:cNvSpPr>
+          <p:nvPr>
+            <p:ph type="sldNum" idx="12"/>
+          </p:nvPr>
+        </p:nvSpPr>
+        <p:spPr>
+          <a:xfrm>
+            <a:off x="11296611" y="6217623"/>
+            <a:ext cx="731600" cy="524800"/>
+          </a:xfrm>
+          <a:prstGeom prst="rect">
+            <a:avLst/>
+          </a:prstGeom>
+        </p:spPr>
+        <p:txBody>
+          <a:bodyPr spcFirstLastPara="1" wrap="square" lIns="91425" tIns="91425" rIns="91425" bIns="91425" anchor="ctr" anchorCtr="0">
+            <a:noAutofit/>
+          </a:bodyPr>
+          <a:lstStyle>
+            <a:lvl1pPr lvl="0">
+              <a:buNone/>
+              <a:defRPr/>
+            </a:lvl1pPr>
+            <a:lvl2pPr lvl="1">
+              <a:buNone/>
+              <a:defRPr/>
+            </a:lvl2pPr>
+            <a:lvl3pPr lvl="2">
+              <a:buNone/>
+              <a:defRPr/>
+            </a:lvl3pPr>
+            <a:lvl4pPr lvl="3">
+              <a:buNone/>
+              <a:defRPr/>
+            </a:lvl4pPr>
+            <a:lvl5pPr lvl="4">
+              <a:buNone/>
+              <a:defRPr/>
+            </a:lvl5pPr>
+            <a:lvl6pPr lvl="5">
+              <a:buNone/>
+              <a:defRPr/>
+            </a:lvl6pPr>
+            <a:lvl7pPr lvl="6">
+              <a:buNone/>
+              <a:defRPr/>
+            </a:lvl7pPr>
+            <a:lvl8pPr lvl="7">
+              <a:buNone/>
+              <a:defRPr/>
+            </a:lvl8pPr>
+            <a:lvl9pPr lvl="8">
+              <a:buNone/>
+              <a:defRPr/>
+            </a:lvl9pPr>
+          </a:lstStyle>
+          <a:p>
+            <a:pPr algn="r"/>
+            <a:fld id="{00000000-1234-1234-1234-123412341234}" type="slidenum">
+              <a:rPr lang="ca" smtClean="0"/>
+              <a:pPr algn="r"/>
+              <a:t>‹#›</a:t>
+            </a:fld>
+            <a:endParaRPr lang="ca"/>
+          </a:p>
+        </p:txBody>
+      </p:sp>
+    </p:spTree>
+    <p:extLst>
+      <p:ext uri="{BB962C8B-B14F-4D97-AF65-F5344CB8AC3E}">
+        <p14:creationId xmlns:p14="http://schemas.microsoft.com/office/powerpoint/2010/main" val="3773849606"/>
+      </p:ext>
+    </p:extLst>
+  </p:cSld>
+  <p:clrMapOvr>
+    <a:masterClrMapping/>
+  </p:clrMapOvr>
+</p:sldLayout>
+</file>
+
 <file path=ppt/slideMasters/slideMaster1.xml><?xml version="1.0" encoding="utf-8"?>
 <p:sldMaster xmlns:a="http://schemas.openxmlformats.org/drawingml/2006/main" xmlns:r="http://schemas.openxmlformats.org/officeDocument/2006/relationships" xmlns:p="http://schemas.openxmlformats.org/presentationml/2006/main">
   <p:cSld>
@@ -2841,6 +4352,7 @@
     <p:sldLayoutId id="2147483650" r:id="rId1"/>
     <p:sldLayoutId id="2147483651" r:id="rId2"/>
     <p:sldLayoutId id="2147483649" r:id="rId3"/>
+    <p:sldLayoutId id="2147483652" r:id="rId4"/>
   </p:sldLayoutIdLst>
   <p:hf hdr="0" ftr="0" dt="0"/>
   <p:txStyles>
@@ -3225,7 +4737,28 @@
           <a:bodyPr/>
           <a:lstStyle/>
           <a:p>
-            <a:endParaRPr lang="fr-FR"/>
+            <a:r>
+              <a:rPr lang="fr-FR" dirty="0"/>
+              <a:t>Frames and </a:t>
+            </a:r>
+            <a:r>
+              <a:rPr lang="fr-FR" dirty="0" err="1"/>
+              <a:t>Requirements</a:t>
+            </a:r>
+            <a:endParaRPr lang="fr-FR" dirty="0"/>
+          </a:p>
+          <a:p>
+            <a:r>
+              <a:rPr lang="fr-FR" dirty="0"/>
+              <a:t>ADCS Architecture</a:t>
+            </a:r>
+          </a:p>
+          <a:p>
+            <a:r>
+              <a:rPr lang="fr-FR" dirty="0" err="1"/>
+              <a:t>Results</a:t>
+            </a:r>
+            <a:endParaRPr lang="fr-FR" dirty="0"/>
           </a:p>
         </p:txBody>
       </p:sp>
@@ -3282,6 +4815,5498 @@
         <p14:creationId xmlns:p14="http://schemas.microsoft.com/office/powerpoint/2010/main" val="3631804503"/>
       </p:ext>
     </p:extLst>
+  </p:cSld>
+  <p:clrMapOvr>
+    <a:masterClrMapping/>
+  </p:clrMapOvr>
+</p:sld>
+</file>
+
+<file path=ppt/slides/slide10.xml><?xml version="1.0" encoding="utf-8"?>
+<p:sld xmlns:a="http://schemas.openxmlformats.org/drawingml/2006/main" xmlns:r="http://schemas.openxmlformats.org/officeDocument/2006/relationships" xmlns:p="http://schemas.openxmlformats.org/presentationml/2006/main">
+  <p:cSld>
+    <p:spTree>
+      <p:nvGrpSpPr>
+        <p:cNvPr id="1" name="Shape 139"/>
+        <p:cNvGrpSpPr/>
+        <p:nvPr/>
+      </p:nvGrpSpPr>
+      <p:grpSpPr>
+        <a:xfrm>
+          <a:off x="0" y="0"/>
+          <a:ext cx="0" cy="0"/>
+          <a:chOff x="0" y="0"/>
+          <a:chExt cx="0" cy="0"/>
+        </a:xfrm>
+      </p:grpSpPr>
+      <p:graphicFrame>
+        <p:nvGraphicFramePr>
+          <p:cNvPr id="140" name="Google Shape;140;p22"/>
+          <p:cNvGraphicFramePr/>
+          <p:nvPr/>
+        </p:nvGraphicFramePr>
+        <p:xfrm>
+          <a:off x="615667" y="2304767"/>
+          <a:ext cx="10697667" cy="3206092"/>
+        </p:xfrm>
+        <a:graphic>
+          <a:graphicData uri="http://schemas.openxmlformats.org/drawingml/2006/table">
+            <a:tbl>
+              <a:tblPr>
+                <a:noFill/>
+              </a:tblPr>
+              <a:tblGrid>
+                <a:gridCol w="2093567">
+                  <a:extLst>
+                    <a:ext uri="{9D8B030D-6E8A-4147-A177-3AD203B41FA5}">
+                      <a16:colId xmlns:a16="http://schemas.microsoft.com/office/drawing/2014/main" val="20000"/>
+                    </a:ext>
+                  </a:extLst>
+                </a:gridCol>
+                <a:gridCol w="2195733">
+                  <a:extLst>
+                    <a:ext uri="{9D8B030D-6E8A-4147-A177-3AD203B41FA5}">
+                      <a16:colId xmlns:a16="http://schemas.microsoft.com/office/drawing/2014/main" val="20001"/>
+                    </a:ext>
+                  </a:extLst>
+                </a:gridCol>
+                <a:gridCol w="2093567">
+                  <a:extLst>
+                    <a:ext uri="{9D8B030D-6E8A-4147-A177-3AD203B41FA5}">
+                      <a16:colId xmlns:a16="http://schemas.microsoft.com/office/drawing/2014/main" val="20002"/>
+                    </a:ext>
+                  </a:extLst>
+                </a:gridCol>
+                <a:gridCol w="2093567">
+                  <a:extLst>
+                    <a:ext uri="{9D8B030D-6E8A-4147-A177-3AD203B41FA5}">
+                      <a16:colId xmlns:a16="http://schemas.microsoft.com/office/drawing/2014/main" val="20003"/>
+                    </a:ext>
+                  </a:extLst>
+                </a:gridCol>
+                <a:gridCol w="2221233">
+                  <a:extLst>
+                    <a:ext uri="{9D8B030D-6E8A-4147-A177-3AD203B41FA5}">
+                      <a16:colId xmlns:a16="http://schemas.microsoft.com/office/drawing/2014/main" val="20004"/>
+                    </a:ext>
+                  </a:extLst>
+                </a:gridCol>
+              </a:tblGrid>
+              <a:tr h="647200">
+                <a:tc>
+                  <a:txBody>
+                    <a:bodyPr/>
+                    <a:lstStyle/>
+                    <a:p>
+                      <a:pPr marL="0" lvl="0" indent="0" algn="ctr" rtl="0">
+                        <a:spcBef>
+                          <a:spcPts val="0"/>
+                        </a:spcBef>
+                        <a:spcAft>
+                          <a:spcPts val="0"/>
+                        </a:spcAft>
+                        <a:buNone/>
+                      </a:pPr>
+                      <a:r>
+                        <a:rPr lang="ca" sz="2400"/>
+                        <a:t>Altitude</a:t>
+                      </a:r>
+                      <a:endParaRPr sz="2400"/>
+                    </a:p>
+                  </a:txBody>
+                  <a:tcPr marL="121900" marR="121900" marT="121900" marB="121900"/>
+                </a:tc>
+                <a:tc>
+                  <a:txBody>
+                    <a:bodyPr/>
+                    <a:lstStyle/>
+                    <a:p>
+                      <a:pPr marL="0" lvl="0" indent="0" algn="ctr" rtl="0">
+                        <a:spcBef>
+                          <a:spcPts val="0"/>
+                        </a:spcBef>
+                        <a:spcAft>
+                          <a:spcPts val="0"/>
+                        </a:spcAft>
+                        <a:buNone/>
+                      </a:pPr>
+                      <a:r>
+                        <a:rPr lang="ca" sz="2400"/>
+                        <a:t>Aero </a:t>
+                      </a:r>
+                      <a:endParaRPr sz="2400"/>
+                    </a:p>
+                  </a:txBody>
+                  <a:tcPr marL="121900" marR="121900" marT="121900" marB="121900"/>
+                </a:tc>
+                <a:tc>
+                  <a:txBody>
+                    <a:bodyPr/>
+                    <a:lstStyle/>
+                    <a:p>
+                      <a:pPr marL="0" lvl="0" indent="0" algn="ctr" rtl="0">
+                        <a:spcBef>
+                          <a:spcPts val="0"/>
+                        </a:spcBef>
+                        <a:spcAft>
+                          <a:spcPts val="0"/>
+                        </a:spcAft>
+                        <a:buNone/>
+                      </a:pPr>
+                      <a:r>
+                        <a:rPr lang="ca" sz="2400"/>
+                        <a:t>Grav grad </a:t>
+                      </a:r>
+                      <a:endParaRPr sz="2400"/>
+                    </a:p>
+                  </a:txBody>
+                  <a:tcPr marL="121900" marR="121900" marT="121900" marB="121900"/>
+                </a:tc>
+                <a:tc>
+                  <a:txBody>
+                    <a:bodyPr/>
+                    <a:lstStyle/>
+                    <a:p>
+                      <a:pPr marL="0" lvl="0" indent="0" algn="ctr" rtl="0">
+                        <a:spcBef>
+                          <a:spcPts val="0"/>
+                        </a:spcBef>
+                        <a:spcAft>
+                          <a:spcPts val="0"/>
+                        </a:spcAft>
+                        <a:buNone/>
+                      </a:pPr>
+                      <a:r>
+                        <a:rPr lang="ca" sz="2400"/>
+                        <a:t>Sun </a:t>
+                      </a:r>
+                      <a:endParaRPr sz="2400"/>
+                    </a:p>
+                  </a:txBody>
+                  <a:tcPr marL="121900" marR="121900" marT="121900" marB="121900"/>
+                </a:tc>
+                <a:tc>
+                  <a:txBody>
+                    <a:bodyPr/>
+                    <a:lstStyle/>
+                    <a:p>
+                      <a:pPr marL="0" lvl="0" indent="0" algn="ctr" rtl="0">
+                        <a:spcBef>
+                          <a:spcPts val="0"/>
+                        </a:spcBef>
+                        <a:spcAft>
+                          <a:spcPts val="0"/>
+                        </a:spcAft>
+                        <a:buNone/>
+                      </a:pPr>
+                      <a:r>
+                        <a:rPr lang="ca" sz="2400"/>
+                        <a:t>Magn </a:t>
+                      </a:r>
+                      <a:endParaRPr sz="2400"/>
+                    </a:p>
+                  </a:txBody>
+                  <a:tcPr marL="121900" marR="121900" marT="121900" marB="121900"/>
+                </a:tc>
+                <a:extLst>
+                  <a:ext uri="{0D108BD9-81ED-4DB2-BD59-A6C34878D82A}">
+                    <a16:rowId xmlns:a16="http://schemas.microsoft.com/office/drawing/2014/main" val="10000"/>
+                  </a:ext>
+                </a:extLst>
+              </a:tr>
+              <a:tr h="639701">
+                <a:tc>
+                  <a:txBody>
+                    <a:bodyPr/>
+                    <a:lstStyle/>
+                    <a:p>
+                      <a:pPr marL="0" lvl="0" indent="0" algn="ctr" rtl="0">
+                        <a:lnSpc>
+                          <a:spcPct val="115000"/>
+                        </a:lnSpc>
+                        <a:spcBef>
+                          <a:spcPts val="0"/>
+                        </a:spcBef>
+                        <a:spcAft>
+                          <a:spcPts val="0"/>
+                        </a:spcAft>
+                        <a:buNone/>
+                      </a:pPr>
+                      <a:r>
+                        <a:rPr lang="ca" sz="2400"/>
+                        <a:t>350</a:t>
+                      </a:r>
+                      <a:endParaRPr sz="2400"/>
+                    </a:p>
+                  </a:txBody>
+                  <a:tcPr marL="121900" marR="121900" marT="121900" marB="121900"/>
+                </a:tc>
+                <a:tc>
+                  <a:txBody>
+                    <a:bodyPr/>
+                    <a:lstStyle/>
+                    <a:p>
+                      <a:pPr marL="0" lvl="0" indent="0" algn="ctr" rtl="0">
+                        <a:lnSpc>
+                          <a:spcPct val="115000"/>
+                        </a:lnSpc>
+                        <a:spcBef>
+                          <a:spcPts val="0"/>
+                        </a:spcBef>
+                        <a:spcAft>
+                          <a:spcPts val="0"/>
+                        </a:spcAft>
+                        <a:buNone/>
+                      </a:pPr>
+                      <a:r>
+                        <a:rPr lang="ca" sz="2400"/>
+                        <a:t>1.246E-05</a:t>
+                      </a:r>
+                      <a:endParaRPr sz="2400"/>
+                    </a:p>
+                  </a:txBody>
+                  <a:tcPr marL="121900" marR="121900" marT="121900" marB="121900"/>
+                </a:tc>
+                <a:tc>
+                  <a:txBody>
+                    <a:bodyPr/>
+                    <a:lstStyle/>
+                    <a:p>
+                      <a:pPr marL="0" lvl="0" indent="0" algn="ctr" rtl="0">
+                        <a:lnSpc>
+                          <a:spcPct val="115000"/>
+                        </a:lnSpc>
+                        <a:spcBef>
+                          <a:spcPts val="0"/>
+                        </a:spcBef>
+                        <a:spcAft>
+                          <a:spcPts val="0"/>
+                        </a:spcAft>
+                        <a:buNone/>
+                      </a:pPr>
+                      <a:r>
+                        <a:rPr lang="ca" sz="2400"/>
+                        <a:t>3.944E-08</a:t>
+                      </a:r>
+                      <a:endParaRPr sz="2400"/>
+                    </a:p>
+                  </a:txBody>
+                  <a:tcPr marL="121900" marR="121900" marT="121900" marB="121900"/>
+                </a:tc>
+                <a:tc>
+                  <a:txBody>
+                    <a:bodyPr/>
+                    <a:lstStyle/>
+                    <a:p>
+                      <a:pPr marL="0" lvl="0" indent="0" algn="ctr" rtl="0">
+                        <a:lnSpc>
+                          <a:spcPct val="115000"/>
+                        </a:lnSpc>
+                        <a:spcBef>
+                          <a:spcPts val="0"/>
+                        </a:spcBef>
+                        <a:spcAft>
+                          <a:spcPts val="0"/>
+                        </a:spcAft>
+                        <a:buNone/>
+                      </a:pPr>
+                      <a:r>
+                        <a:rPr lang="ca" sz="2400"/>
+                        <a:t>6.175E-09</a:t>
+                      </a:r>
+                      <a:endParaRPr sz="2400"/>
+                    </a:p>
+                  </a:txBody>
+                  <a:tcPr marL="121900" marR="121900" marT="121900" marB="121900"/>
+                </a:tc>
+                <a:tc>
+                  <a:txBody>
+                    <a:bodyPr/>
+                    <a:lstStyle/>
+                    <a:p>
+                      <a:pPr marL="0" lvl="0" indent="0" algn="ctr" rtl="0">
+                        <a:lnSpc>
+                          <a:spcPct val="115000"/>
+                        </a:lnSpc>
+                        <a:spcBef>
+                          <a:spcPts val="0"/>
+                        </a:spcBef>
+                        <a:spcAft>
+                          <a:spcPts val="0"/>
+                        </a:spcAft>
+                        <a:buNone/>
+                      </a:pPr>
+                      <a:r>
+                        <a:rPr lang="ca" sz="2400"/>
+                        <a:t>1.976E-06</a:t>
+                      </a:r>
+                      <a:endParaRPr sz="2400"/>
+                    </a:p>
+                  </a:txBody>
+                  <a:tcPr marL="121900" marR="121900" marT="121900" marB="121900"/>
+                </a:tc>
+                <a:extLst>
+                  <a:ext uri="{0D108BD9-81ED-4DB2-BD59-A6C34878D82A}">
+                    <a16:rowId xmlns:a16="http://schemas.microsoft.com/office/drawing/2014/main" val="10001"/>
+                  </a:ext>
+                </a:extLst>
+              </a:tr>
+              <a:tr h="639701">
+                <a:tc>
+                  <a:txBody>
+                    <a:bodyPr/>
+                    <a:lstStyle/>
+                    <a:p>
+                      <a:pPr marL="0" lvl="0" indent="0" algn="ctr" rtl="0">
+                        <a:lnSpc>
+                          <a:spcPct val="115000"/>
+                        </a:lnSpc>
+                        <a:spcBef>
+                          <a:spcPts val="0"/>
+                        </a:spcBef>
+                        <a:spcAft>
+                          <a:spcPts val="0"/>
+                        </a:spcAft>
+                        <a:buNone/>
+                      </a:pPr>
+                      <a:r>
+                        <a:rPr lang="ca" sz="2400"/>
+                        <a:t>400</a:t>
+                      </a:r>
+                      <a:endParaRPr sz="2400"/>
+                    </a:p>
+                  </a:txBody>
+                  <a:tcPr marL="121900" marR="121900" marT="121900" marB="121900"/>
+                </a:tc>
+                <a:tc>
+                  <a:txBody>
+                    <a:bodyPr/>
+                    <a:lstStyle/>
+                    <a:p>
+                      <a:pPr marL="0" lvl="0" indent="0" algn="ctr" rtl="0">
+                        <a:lnSpc>
+                          <a:spcPct val="115000"/>
+                        </a:lnSpc>
+                        <a:spcBef>
+                          <a:spcPts val="0"/>
+                        </a:spcBef>
+                        <a:spcAft>
+                          <a:spcPts val="0"/>
+                        </a:spcAft>
+                        <a:buNone/>
+                      </a:pPr>
+                      <a:r>
+                        <a:rPr lang="ca" sz="2400"/>
+                        <a:t>5.551E-06</a:t>
+                      </a:r>
+                      <a:endParaRPr sz="2400"/>
+                    </a:p>
+                  </a:txBody>
+                  <a:tcPr marL="121900" marR="121900" marT="121900" marB="121900"/>
+                </a:tc>
+                <a:tc>
+                  <a:txBody>
+                    <a:bodyPr/>
+                    <a:lstStyle/>
+                    <a:p>
+                      <a:pPr marL="0" lvl="0" indent="0" algn="ctr" rtl="0">
+                        <a:lnSpc>
+                          <a:spcPct val="115000"/>
+                        </a:lnSpc>
+                        <a:spcBef>
+                          <a:spcPts val="0"/>
+                        </a:spcBef>
+                        <a:spcAft>
+                          <a:spcPts val="0"/>
+                        </a:spcAft>
+                        <a:buNone/>
+                      </a:pPr>
+                      <a:r>
+                        <a:rPr lang="ca" sz="2400"/>
+                        <a:t>3.859E-08</a:t>
+                      </a:r>
+                      <a:endParaRPr sz="2400"/>
+                    </a:p>
+                  </a:txBody>
+                  <a:tcPr marL="121900" marR="121900" marT="121900" marB="121900"/>
+                </a:tc>
+                <a:tc>
+                  <a:txBody>
+                    <a:bodyPr/>
+                    <a:lstStyle/>
+                    <a:p>
+                      <a:pPr marL="0" lvl="0" indent="0" algn="ctr" rtl="0">
+                        <a:lnSpc>
+                          <a:spcPct val="115000"/>
+                        </a:lnSpc>
+                        <a:spcBef>
+                          <a:spcPts val="0"/>
+                        </a:spcBef>
+                        <a:spcAft>
+                          <a:spcPts val="0"/>
+                        </a:spcAft>
+                        <a:buNone/>
+                      </a:pPr>
+                      <a:r>
+                        <a:rPr lang="ca" sz="2400"/>
+                        <a:t>6.178E-09</a:t>
+                      </a:r>
+                      <a:endParaRPr sz="2400"/>
+                    </a:p>
+                  </a:txBody>
+                  <a:tcPr marL="121900" marR="121900" marT="121900" marB="121900"/>
+                </a:tc>
+                <a:tc>
+                  <a:txBody>
+                    <a:bodyPr/>
+                    <a:lstStyle/>
+                    <a:p>
+                      <a:pPr marL="0" lvl="0" indent="0" algn="ctr" rtl="0">
+                        <a:lnSpc>
+                          <a:spcPct val="115000"/>
+                        </a:lnSpc>
+                        <a:spcBef>
+                          <a:spcPts val="0"/>
+                        </a:spcBef>
+                        <a:spcAft>
+                          <a:spcPts val="0"/>
+                        </a:spcAft>
+                        <a:buNone/>
+                      </a:pPr>
+                      <a:r>
+                        <a:rPr lang="ca" sz="2400"/>
+                        <a:t>1.891E-06</a:t>
+                      </a:r>
+                      <a:endParaRPr sz="2400"/>
+                    </a:p>
+                  </a:txBody>
+                  <a:tcPr marL="121900" marR="121900" marT="121900" marB="121900"/>
+                </a:tc>
+                <a:extLst>
+                  <a:ext uri="{0D108BD9-81ED-4DB2-BD59-A6C34878D82A}">
+                    <a16:rowId xmlns:a16="http://schemas.microsoft.com/office/drawing/2014/main" val="10002"/>
+                  </a:ext>
+                </a:extLst>
+              </a:tr>
+              <a:tr h="639701">
+                <a:tc>
+                  <a:txBody>
+                    <a:bodyPr/>
+                    <a:lstStyle/>
+                    <a:p>
+                      <a:pPr marL="0" lvl="0" indent="0" algn="ctr" rtl="0">
+                        <a:lnSpc>
+                          <a:spcPct val="115000"/>
+                        </a:lnSpc>
+                        <a:spcBef>
+                          <a:spcPts val="0"/>
+                        </a:spcBef>
+                        <a:spcAft>
+                          <a:spcPts val="0"/>
+                        </a:spcAft>
+                        <a:buNone/>
+                      </a:pPr>
+                      <a:r>
+                        <a:rPr lang="ca" sz="2400"/>
+                        <a:t>450</a:t>
+                      </a:r>
+                      <a:endParaRPr sz="2400"/>
+                    </a:p>
+                  </a:txBody>
+                  <a:tcPr marL="121900" marR="121900" marT="121900" marB="121900"/>
+                </a:tc>
+                <a:tc>
+                  <a:txBody>
+                    <a:bodyPr/>
+                    <a:lstStyle/>
+                    <a:p>
+                      <a:pPr marL="0" lvl="0" indent="0" algn="ctr" rtl="0">
+                        <a:lnSpc>
+                          <a:spcPct val="115000"/>
+                        </a:lnSpc>
+                        <a:spcBef>
+                          <a:spcPts val="0"/>
+                        </a:spcBef>
+                        <a:spcAft>
+                          <a:spcPts val="0"/>
+                        </a:spcAft>
+                        <a:buNone/>
+                      </a:pPr>
+                      <a:r>
+                        <a:rPr lang="ca" sz="2400"/>
+                        <a:t>2.477E-06</a:t>
+                      </a:r>
+                      <a:endParaRPr sz="2400"/>
+                    </a:p>
+                  </a:txBody>
+                  <a:tcPr marL="121900" marR="121900" marT="121900" marB="121900"/>
+                </a:tc>
+                <a:tc>
+                  <a:txBody>
+                    <a:bodyPr/>
+                    <a:lstStyle/>
+                    <a:p>
+                      <a:pPr marL="0" lvl="0" indent="0" algn="ctr" rtl="0">
+                        <a:lnSpc>
+                          <a:spcPct val="115000"/>
+                        </a:lnSpc>
+                        <a:spcBef>
+                          <a:spcPts val="0"/>
+                        </a:spcBef>
+                        <a:spcAft>
+                          <a:spcPts val="0"/>
+                        </a:spcAft>
+                        <a:buNone/>
+                      </a:pPr>
+                      <a:r>
+                        <a:rPr lang="ca" sz="2400"/>
+                        <a:t>3.775E-08</a:t>
+                      </a:r>
+                      <a:endParaRPr sz="2400"/>
+                    </a:p>
+                  </a:txBody>
+                  <a:tcPr marL="121900" marR="121900" marT="121900" marB="121900"/>
+                </a:tc>
+                <a:tc>
+                  <a:txBody>
+                    <a:bodyPr/>
+                    <a:lstStyle/>
+                    <a:p>
+                      <a:pPr marL="0" lvl="0" indent="0" algn="ctr" rtl="0">
+                        <a:lnSpc>
+                          <a:spcPct val="115000"/>
+                        </a:lnSpc>
+                        <a:spcBef>
+                          <a:spcPts val="0"/>
+                        </a:spcBef>
+                        <a:spcAft>
+                          <a:spcPts val="0"/>
+                        </a:spcAft>
+                        <a:buNone/>
+                      </a:pPr>
+                      <a:r>
+                        <a:rPr lang="ca" sz="2400"/>
+                        <a:t>6.18E-09</a:t>
+                      </a:r>
+                      <a:endParaRPr sz="2400"/>
+                    </a:p>
+                  </a:txBody>
+                  <a:tcPr marL="121900" marR="121900" marT="121900" marB="121900"/>
+                </a:tc>
+                <a:tc>
+                  <a:txBody>
+                    <a:bodyPr/>
+                    <a:lstStyle/>
+                    <a:p>
+                      <a:pPr marL="0" lvl="0" indent="0" algn="ctr" rtl="0">
+                        <a:lnSpc>
+                          <a:spcPct val="115000"/>
+                        </a:lnSpc>
+                        <a:spcBef>
+                          <a:spcPts val="0"/>
+                        </a:spcBef>
+                        <a:spcAft>
+                          <a:spcPts val="0"/>
+                        </a:spcAft>
+                        <a:buNone/>
+                      </a:pPr>
+                      <a:r>
+                        <a:rPr lang="ca" sz="2400"/>
+                        <a:t>1.853E-06</a:t>
+                      </a:r>
+                      <a:endParaRPr sz="2400"/>
+                    </a:p>
+                  </a:txBody>
+                  <a:tcPr marL="121900" marR="121900" marT="121900" marB="121900"/>
+                </a:tc>
+                <a:extLst>
+                  <a:ext uri="{0D108BD9-81ED-4DB2-BD59-A6C34878D82A}">
+                    <a16:rowId xmlns:a16="http://schemas.microsoft.com/office/drawing/2014/main" val="10003"/>
+                  </a:ext>
+                </a:extLst>
+              </a:tr>
+              <a:tr h="639701">
+                <a:tc>
+                  <a:txBody>
+                    <a:bodyPr/>
+                    <a:lstStyle/>
+                    <a:p>
+                      <a:pPr marL="0" lvl="0" indent="0" algn="ctr" rtl="0">
+                        <a:lnSpc>
+                          <a:spcPct val="115000"/>
+                        </a:lnSpc>
+                        <a:spcBef>
+                          <a:spcPts val="0"/>
+                        </a:spcBef>
+                        <a:spcAft>
+                          <a:spcPts val="0"/>
+                        </a:spcAft>
+                        <a:buNone/>
+                      </a:pPr>
+                      <a:r>
+                        <a:rPr lang="ca" sz="2400"/>
+                        <a:t>500</a:t>
+                      </a:r>
+                      <a:endParaRPr sz="2400"/>
+                    </a:p>
+                  </a:txBody>
+                  <a:tcPr marL="121900" marR="121900" marT="121900" marB="121900"/>
+                </a:tc>
+                <a:tc>
+                  <a:txBody>
+                    <a:bodyPr/>
+                    <a:lstStyle/>
+                    <a:p>
+                      <a:pPr marL="0" lvl="0" indent="0" algn="ctr" rtl="0">
+                        <a:lnSpc>
+                          <a:spcPct val="115000"/>
+                        </a:lnSpc>
+                        <a:spcBef>
+                          <a:spcPts val="0"/>
+                        </a:spcBef>
+                        <a:spcAft>
+                          <a:spcPts val="0"/>
+                        </a:spcAft>
+                        <a:buNone/>
+                      </a:pPr>
+                      <a:r>
+                        <a:rPr lang="ca" sz="2400"/>
+                        <a:t>  1.104E-06</a:t>
+                      </a:r>
+                      <a:endParaRPr sz="2400"/>
+                    </a:p>
+                  </a:txBody>
+                  <a:tcPr marL="121900" marR="121900" marT="121900" marB="121900"/>
+                </a:tc>
+                <a:tc>
+                  <a:txBody>
+                    <a:bodyPr/>
+                    <a:lstStyle/>
+                    <a:p>
+                      <a:pPr marL="0" lvl="0" indent="0" algn="ctr" rtl="0">
+                        <a:lnSpc>
+                          <a:spcPct val="115000"/>
+                        </a:lnSpc>
+                        <a:spcBef>
+                          <a:spcPts val="0"/>
+                        </a:spcBef>
+                        <a:spcAft>
+                          <a:spcPts val="0"/>
+                        </a:spcAft>
+                        <a:buNone/>
+                      </a:pPr>
+                      <a:r>
+                        <a:rPr lang="ca" sz="2400"/>
+                        <a:t>3.693E-08</a:t>
+                      </a:r>
+                      <a:endParaRPr sz="2400"/>
+                    </a:p>
+                  </a:txBody>
+                  <a:tcPr marL="121900" marR="121900" marT="121900" marB="121900"/>
+                </a:tc>
+                <a:tc>
+                  <a:txBody>
+                    <a:bodyPr/>
+                    <a:lstStyle/>
+                    <a:p>
+                      <a:pPr marL="0" lvl="0" indent="0" algn="ctr" rtl="0">
+                        <a:lnSpc>
+                          <a:spcPct val="115000"/>
+                        </a:lnSpc>
+                        <a:spcBef>
+                          <a:spcPts val="0"/>
+                        </a:spcBef>
+                        <a:spcAft>
+                          <a:spcPts val="0"/>
+                        </a:spcAft>
+                        <a:buNone/>
+                      </a:pPr>
+                      <a:r>
+                        <a:rPr lang="ca" sz="2400"/>
+                        <a:t>6.179E-09</a:t>
+                      </a:r>
+                      <a:endParaRPr sz="2400"/>
+                    </a:p>
+                  </a:txBody>
+                  <a:tcPr marL="121900" marR="121900" marT="121900" marB="121900"/>
+                </a:tc>
+                <a:tc>
+                  <a:txBody>
+                    <a:bodyPr/>
+                    <a:lstStyle/>
+                    <a:p>
+                      <a:pPr marL="0" lvl="0" indent="0" algn="ctr" rtl="0">
+                        <a:lnSpc>
+                          <a:spcPct val="115000"/>
+                        </a:lnSpc>
+                        <a:spcBef>
+                          <a:spcPts val="0"/>
+                        </a:spcBef>
+                        <a:spcAft>
+                          <a:spcPts val="0"/>
+                        </a:spcAft>
+                        <a:buNone/>
+                      </a:pPr>
+                      <a:r>
+                        <a:rPr lang="ca" sz="2400"/>
+                        <a:t>1.843E-06</a:t>
+                      </a:r>
+                      <a:endParaRPr sz="2400"/>
+                    </a:p>
+                  </a:txBody>
+                  <a:tcPr marL="121900" marR="121900" marT="121900" marB="121900"/>
+                </a:tc>
+                <a:extLst>
+                  <a:ext uri="{0D108BD9-81ED-4DB2-BD59-A6C34878D82A}">
+                    <a16:rowId xmlns:a16="http://schemas.microsoft.com/office/drawing/2014/main" val="10004"/>
+                  </a:ext>
+                </a:extLst>
+              </a:tr>
+            </a:tbl>
+          </a:graphicData>
+        </a:graphic>
+      </p:graphicFrame>
+      <p:sp>
+        <p:nvSpPr>
+          <p:cNvPr id="141" name="Google Shape;141;p22"/>
+          <p:cNvSpPr txBox="1">
+            <a:spLocks noGrp="1"/>
+          </p:cNvSpPr>
+          <p:nvPr>
+            <p:ph type="ctrTitle"/>
+          </p:nvPr>
+        </p:nvSpPr>
+        <p:spPr>
+          <a:prstGeom prst="rect">
+            <a:avLst/>
+          </a:prstGeom>
+        </p:spPr>
+        <p:txBody>
+          <a:bodyPr spcFirstLastPara="1" wrap="square" lIns="121900" tIns="121900" rIns="121900" bIns="121900" anchor="t" anchorCtr="0">
+            <a:noAutofit/>
+          </a:bodyPr>
+          <a:lstStyle/>
+          <a:p>
+            <a:pPr algn="ctr"/>
+            <a:r>
+              <a:rPr lang="ca"/>
+              <a:t>BACK-UP SLIDES</a:t>
+            </a:r>
+            <a:endParaRPr/>
+          </a:p>
+        </p:txBody>
+      </p:sp>
+      <p:sp>
+        <p:nvSpPr>
+          <p:cNvPr id="2" name="Subtitle 1">
+            <a:extLst>
+              <a:ext uri="{FF2B5EF4-FFF2-40B4-BE49-F238E27FC236}">
+                <a16:creationId xmlns:a16="http://schemas.microsoft.com/office/drawing/2014/main" id="{8A713AC9-2FE5-4A8D-B935-9640BCBF6975}"/>
+              </a:ext>
+            </a:extLst>
+          </p:cNvPr>
+          <p:cNvSpPr>
+            <a:spLocks noGrp="1"/>
+          </p:cNvSpPr>
+          <p:nvPr>
+            <p:ph type="subTitle" idx="1"/>
+          </p:nvPr>
+        </p:nvSpPr>
+        <p:spPr/>
+        <p:txBody>
+          <a:bodyPr/>
+          <a:lstStyle/>
+          <a:p>
+            <a:endParaRPr lang="fr-FR"/>
+          </a:p>
+        </p:txBody>
+      </p:sp>
+      <p:sp>
+        <p:nvSpPr>
+          <p:cNvPr id="142" name="Google Shape;142;p22"/>
+          <p:cNvSpPr txBox="1">
+            <a:spLocks noGrp="1"/>
+          </p:cNvSpPr>
+          <p:nvPr>
+            <p:ph type="body" sz="quarter" idx="13"/>
+          </p:nvPr>
+        </p:nvSpPr>
+        <p:spPr>
+          <a:prstGeom prst="rect">
+            <a:avLst/>
+          </a:prstGeom>
+        </p:spPr>
+        <p:txBody>
+          <a:bodyPr spcFirstLastPara="1" wrap="square" lIns="121900" tIns="121900" rIns="121900" bIns="121900" anchor="t" anchorCtr="0">
+            <a:noAutofit/>
+          </a:bodyPr>
+          <a:lstStyle/>
+          <a:p>
+            <a:pPr marL="0" indent="0" algn="ctr">
+              <a:spcAft>
+                <a:spcPts val="2133"/>
+              </a:spcAft>
+              <a:buNone/>
+            </a:pPr>
+            <a:r>
+              <a:rPr lang="ca"/>
+              <a:t>Exterior torques as a function of altitude (Bdot active)</a:t>
+            </a:r>
+            <a:endParaRPr/>
+          </a:p>
+        </p:txBody>
+      </p:sp>
+    </p:spTree>
+  </p:cSld>
+  <p:clrMapOvr>
+    <a:masterClrMapping/>
+  </p:clrMapOvr>
+</p:sld>
+</file>
+
+<file path=ppt/slides/slide11.xml><?xml version="1.0" encoding="utf-8"?>
+<p:sld xmlns:a="http://schemas.openxmlformats.org/drawingml/2006/main" xmlns:r="http://schemas.openxmlformats.org/officeDocument/2006/relationships" xmlns:p="http://schemas.openxmlformats.org/presentationml/2006/main">
+  <p:cSld>
+    <p:spTree>
+      <p:nvGrpSpPr>
+        <p:cNvPr id="1" name="Shape 146"/>
+        <p:cNvGrpSpPr/>
+        <p:nvPr/>
+      </p:nvGrpSpPr>
+      <p:grpSpPr>
+        <a:xfrm>
+          <a:off x="0" y="0"/>
+          <a:ext cx="0" cy="0"/>
+          <a:chOff x="0" y="0"/>
+          <a:chExt cx="0" cy="0"/>
+        </a:xfrm>
+      </p:grpSpPr>
+      <p:sp>
+        <p:nvSpPr>
+          <p:cNvPr id="147" name="Google Shape;147;p23"/>
+          <p:cNvSpPr txBox="1">
+            <a:spLocks noGrp="1"/>
+          </p:cNvSpPr>
+          <p:nvPr>
+            <p:ph type="ctrTitle"/>
+          </p:nvPr>
+        </p:nvSpPr>
+        <p:spPr>
+          <a:prstGeom prst="rect">
+            <a:avLst/>
+          </a:prstGeom>
+        </p:spPr>
+        <p:txBody>
+          <a:bodyPr spcFirstLastPara="1" wrap="square" lIns="121900" tIns="121900" rIns="121900" bIns="121900" anchor="t" anchorCtr="0">
+            <a:noAutofit/>
+          </a:bodyPr>
+          <a:lstStyle/>
+          <a:p>
+            <a:pPr algn="ctr"/>
+            <a:r>
+              <a:rPr lang="ca"/>
+              <a:t>BACK-UP SLIDES</a:t>
+            </a:r>
+            <a:endParaRPr/>
+          </a:p>
+        </p:txBody>
+      </p:sp>
+      <p:sp>
+        <p:nvSpPr>
+          <p:cNvPr id="2" name="Subtitle 1">
+            <a:extLst>
+              <a:ext uri="{FF2B5EF4-FFF2-40B4-BE49-F238E27FC236}">
+                <a16:creationId xmlns:a16="http://schemas.microsoft.com/office/drawing/2014/main" id="{BB987606-D778-42F3-AEC9-3B21365E34F0}"/>
+              </a:ext>
+            </a:extLst>
+          </p:cNvPr>
+          <p:cNvSpPr>
+            <a:spLocks noGrp="1"/>
+          </p:cNvSpPr>
+          <p:nvPr>
+            <p:ph type="subTitle" idx="1"/>
+          </p:nvPr>
+        </p:nvSpPr>
+        <p:spPr/>
+        <p:txBody>
+          <a:bodyPr/>
+          <a:lstStyle/>
+          <a:p>
+            <a:endParaRPr lang="fr-FR"/>
+          </a:p>
+        </p:txBody>
+      </p:sp>
+      <p:sp>
+        <p:nvSpPr>
+          <p:cNvPr id="3" name="Text Placeholder 2">
+            <a:extLst>
+              <a:ext uri="{FF2B5EF4-FFF2-40B4-BE49-F238E27FC236}">
+                <a16:creationId xmlns:a16="http://schemas.microsoft.com/office/drawing/2014/main" id="{E76C71F7-4DDE-4453-B77A-0D1A566E89F0}"/>
+              </a:ext>
+            </a:extLst>
+          </p:cNvPr>
+          <p:cNvSpPr>
+            <a:spLocks noGrp="1"/>
+          </p:cNvSpPr>
+          <p:nvPr>
+            <p:ph type="body" sz="quarter" idx="13"/>
+          </p:nvPr>
+        </p:nvSpPr>
+        <p:spPr/>
+        <p:txBody>
+          <a:bodyPr/>
+          <a:lstStyle/>
+          <a:p>
+            <a:endParaRPr lang="fr-FR"/>
+          </a:p>
+        </p:txBody>
+      </p:sp>
+      <p:pic>
+        <p:nvPicPr>
+          <p:cNvPr id="148" name="Google Shape;148;p23"/>
+          <p:cNvPicPr preferRelativeResize="0"/>
+          <p:nvPr/>
+        </p:nvPicPr>
+        <p:blipFill rotWithShape="1">
+          <a:blip r:embed="rId3">
+            <a:alphaModFix/>
+          </a:blip>
+          <a:srcRect t="4196"/>
+          <a:stretch/>
+        </p:blipFill>
+        <p:spPr>
+          <a:xfrm>
+            <a:off x="1823752" y="1091567"/>
+            <a:ext cx="8546097" cy="3621335"/>
+          </a:xfrm>
+          <a:prstGeom prst="rect">
+            <a:avLst/>
+          </a:prstGeom>
+          <a:noFill/>
+          <a:ln>
+            <a:noFill/>
+          </a:ln>
+        </p:spPr>
+      </p:pic>
+      <p:pic>
+        <p:nvPicPr>
+          <p:cNvPr id="149" name="Google Shape;149;p23"/>
+          <p:cNvPicPr preferRelativeResize="0"/>
+          <p:nvPr/>
+        </p:nvPicPr>
+        <p:blipFill>
+          <a:blip r:embed="rId4">
+            <a:alphaModFix/>
+          </a:blip>
+          <a:stretch>
+            <a:fillRect/>
+          </a:stretch>
+        </p:blipFill>
+        <p:spPr>
+          <a:xfrm>
+            <a:off x="1178407" y="3927877"/>
+            <a:ext cx="3926253" cy="2276167"/>
+          </a:xfrm>
+          <a:prstGeom prst="rect">
+            <a:avLst/>
+          </a:prstGeom>
+          <a:noFill/>
+          <a:ln>
+            <a:noFill/>
+          </a:ln>
+        </p:spPr>
+      </p:pic>
+      <p:sp>
+        <p:nvSpPr>
+          <p:cNvPr id="150" name="Google Shape;150;p23"/>
+          <p:cNvSpPr txBox="1"/>
+          <p:nvPr/>
+        </p:nvSpPr>
+        <p:spPr>
+          <a:xfrm>
+            <a:off x="6348500" y="5346000"/>
+            <a:ext cx="5059306" cy="614800"/>
+          </a:xfrm>
+          <a:prstGeom prst="rect">
+            <a:avLst/>
+          </a:prstGeom>
+          <a:noFill/>
+          <a:ln w="9525" cap="flat" cmpd="sng">
+            <a:solidFill>
+              <a:srgbClr val="000000"/>
+            </a:solidFill>
+            <a:prstDash val="solid"/>
+            <a:round/>
+            <a:headEnd type="none" w="sm" len="sm"/>
+            <a:tailEnd type="none" w="sm" len="sm"/>
+          </a:ln>
+        </p:spPr>
+        <p:txBody>
+          <a:bodyPr spcFirstLastPara="1" wrap="square" lIns="121900" tIns="121900" rIns="121900" bIns="121900" anchor="t" anchorCtr="0">
+            <a:noAutofit/>
+          </a:bodyPr>
+          <a:lstStyle/>
+          <a:p>
+            <a:r>
+              <a:rPr lang="ca" sz="2400" dirty="0"/>
+              <a:t>Nominal power consumption: </a:t>
+            </a:r>
+            <a:r>
+              <a:rPr lang="ca" sz="2400" b="1" dirty="0">
+                <a:solidFill>
+                  <a:srgbClr val="FF0000"/>
+                </a:solidFill>
+              </a:rPr>
+              <a:t>0.85 W </a:t>
+            </a:r>
+            <a:endParaRPr sz="2400" b="1" dirty="0">
+              <a:solidFill>
+                <a:srgbClr val="FF0000"/>
+              </a:solidFill>
+            </a:endParaRPr>
+          </a:p>
+        </p:txBody>
+      </p:sp>
+    </p:spTree>
+  </p:cSld>
+  <p:clrMapOvr>
+    <a:masterClrMapping/>
+  </p:clrMapOvr>
+</p:sld>
+</file>
+
+<file path=ppt/slides/slide12.xml><?xml version="1.0" encoding="utf-8"?>
+<p:sld xmlns:a="http://schemas.openxmlformats.org/drawingml/2006/main" xmlns:r="http://schemas.openxmlformats.org/officeDocument/2006/relationships" xmlns:p="http://schemas.openxmlformats.org/presentationml/2006/main">
+  <p:cSld>
+    <p:spTree>
+      <p:nvGrpSpPr>
+        <p:cNvPr id="1" name="Shape 154"/>
+        <p:cNvGrpSpPr/>
+        <p:nvPr/>
+      </p:nvGrpSpPr>
+      <p:grpSpPr>
+        <a:xfrm>
+          <a:off x="0" y="0"/>
+          <a:ext cx="0" cy="0"/>
+          <a:chOff x="0" y="0"/>
+          <a:chExt cx="0" cy="0"/>
+        </a:xfrm>
+      </p:grpSpPr>
+      <p:sp>
+        <p:nvSpPr>
+          <p:cNvPr id="155" name="Google Shape;155;p24"/>
+          <p:cNvSpPr txBox="1">
+            <a:spLocks noGrp="1"/>
+          </p:cNvSpPr>
+          <p:nvPr>
+            <p:ph type="ctrTitle"/>
+          </p:nvPr>
+        </p:nvSpPr>
+        <p:spPr>
+          <a:prstGeom prst="rect">
+            <a:avLst/>
+          </a:prstGeom>
+        </p:spPr>
+        <p:txBody>
+          <a:bodyPr spcFirstLastPara="1" wrap="square" lIns="121900" tIns="121900" rIns="121900" bIns="121900" anchor="t" anchorCtr="0">
+            <a:noAutofit/>
+          </a:bodyPr>
+          <a:lstStyle/>
+          <a:p>
+            <a:pPr algn="ctr"/>
+            <a:r>
+              <a:rPr lang="fr-FR" dirty="0"/>
+              <a:t>BACK-UP SLIDES</a:t>
+            </a:r>
+            <a:endParaRPr dirty="0"/>
+          </a:p>
+        </p:txBody>
+      </p:sp>
+      <p:sp>
+        <p:nvSpPr>
+          <p:cNvPr id="156" name="Google Shape;156;p24"/>
+          <p:cNvSpPr txBox="1">
+            <a:spLocks noGrp="1"/>
+          </p:cNvSpPr>
+          <p:nvPr>
+            <p:ph type="body" sz="quarter" idx="13"/>
+          </p:nvPr>
+        </p:nvSpPr>
+        <p:spPr>
+          <a:xfrm>
+            <a:off x="1906552" y="1066443"/>
+            <a:ext cx="6953363" cy="602559"/>
+          </a:xfrm>
+          <a:prstGeom prst="rect">
+            <a:avLst/>
+          </a:prstGeom>
+        </p:spPr>
+        <p:txBody>
+          <a:bodyPr spcFirstLastPara="1" wrap="square" lIns="121900" tIns="121900" rIns="121900" bIns="121900" anchor="t" anchorCtr="0">
+            <a:noAutofit/>
+          </a:bodyPr>
+          <a:lstStyle/>
+          <a:p>
+            <a:pPr marL="0" indent="0" algn="ctr">
+              <a:spcAft>
+                <a:spcPts val="2133"/>
+              </a:spcAft>
+              <a:buNone/>
+            </a:pPr>
+            <a:r>
+              <a:rPr lang="ca" dirty="0"/>
+              <a:t>Visibility windows: 14.9% coverage for ~ 100 orbits without MTB</a:t>
+            </a:r>
+            <a:endParaRPr dirty="0"/>
+          </a:p>
+        </p:txBody>
+      </p:sp>
+      <p:pic>
+        <p:nvPicPr>
+          <p:cNvPr id="157" name="Google Shape;157;p24"/>
+          <p:cNvPicPr preferRelativeResize="0"/>
+          <p:nvPr/>
+        </p:nvPicPr>
+        <p:blipFill>
+          <a:blip r:embed="rId3">
+            <a:alphaModFix/>
+          </a:blip>
+          <a:stretch>
+            <a:fillRect/>
+          </a:stretch>
+        </p:blipFill>
+        <p:spPr>
+          <a:xfrm>
+            <a:off x="187728" y="1596134"/>
+            <a:ext cx="11785599" cy="4596041"/>
+          </a:xfrm>
+          <a:prstGeom prst="rect">
+            <a:avLst/>
+          </a:prstGeom>
+          <a:noFill/>
+          <a:ln>
+            <a:noFill/>
+          </a:ln>
+        </p:spPr>
+      </p:pic>
+    </p:spTree>
+  </p:cSld>
+  <p:clrMapOvr>
+    <a:masterClrMapping/>
+  </p:clrMapOvr>
+</p:sld>
+</file>
+
+<file path=ppt/slides/slide2.xml><?xml version="1.0" encoding="utf-8"?>
+<p:sld xmlns:a="http://schemas.openxmlformats.org/drawingml/2006/main" xmlns:r="http://schemas.openxmlformats.org/officeDocument/2006/relationships" xmlns:p="http://schemas.openxmlformats.org/presentationml/2006/main">
+  <p:cSld>
+    <p:spTree>
+      <p:nvGrpSpPr>
+        <p:cNvPr id="1" name="Shape 53"/>
+        <p:cNvGrpSpPr/>
+        <p:nvPr/>
+      </p:nvGrpSpPr>
+      <p:grpSpPr>
+        <a:xfrm>
+          <a:off x="0" y="0"/>
+          <a:ext cx="0" cy="0"/>
+          <a:chOff x="0" y="0"/>
+          <a:chExt cx="0" cy="0"/>
+        </a:xfrm>
+      </p:grpSpPr>
+      <p:sp>
+        <p:nvSpPr>
+          <p:cNvPr id="54" name="Google Shape;54;p13"/>
+          <p:cNvSpPr/>
+          <p:nvPr/>
+        </p:nvSpPr>
+        <p:spPr>
+          <a:xfrm>
+            <a:off x="2344236" y="1019533"/>
+            <a:ext cx="6338000" cy="2872400"/>
+          </a:xfrm>
+          <a:prstGeom prst="roundRect">
+            <a:avLst>
+              <a:gd name="adj" fmla="val 16667"/>
+            </a:avLst>
+          </a:prstGeom>
+          <a:noFill/>
+          <a:ln w="9525" cap="flat" cmpd="sng">
+            <a:solidFill>
+              <a:srgbClr val="0000FF"/>
+            </a:solidFill>
+            <a:prstDash val="solid"/>
+            <a:round/>
+            <a:headEnd type="none" w="sm" len="sm"/>
+            <a:tailEnd type="none" w="sm" len="sm"/>
+          </a:ln>
+          <a:effectLst>
+            <a:outerShdw blurRad="57150" dist="19050" dir="5400000" algn="bl" rotWithShape="0">
+              <a:srgbClr val="000000">
+                <a:alpha val="50000"/>
+              </a:srgbClr>
+            </a:outerShdw>
+          </a:effectLst>
+        </p:spPr>
+        <p:txBody>
+          <a:bodyPr spcFirstLastPara="1" wrap="square" lIns="121900" tIns="121900" rIns="121900" bIns="121900" anchor="ctr" anchorCtr="0">
+            <a:noAutofit/>
+          </a:bodyPr>
+          <a:lstStyle/>
+          <a:p>
+            <a:endParaRPr sz="2400"/>
+          </a:p>
+        </p:txBody>
+      </p:sp>
+      <p:sp>
+        <p:nvSpPr>
+          <p:cNvPr id="55" name="Google Shape;55;p13"/>
+          <p:cNvSpPr txBox="1">
+            <a:spLocks noGrp="1"/>
+          </p:cNvSpPr>
+          <p:nvPr>
+            <p:ph type="ctrTitle"/>
+          </p:nvPr>
+        </p:nvSpPr>
+        <p:spPr>
+          <a:prstGeom prst="rect">
+            <a:avLst/>
+          </a:prstGeom>
+        </p:spPr>
+        <p:txBody>
+          <a:bodyPr spcFirstLastPara="1" wrap="square" lIns="121900" tIns="121900" rIns="121900" bIns="121900" anchor="t" anchorCtr="0">
+            <a:noAutofit/>
+          </a:bodyPr>
+          <a:lstStyle/>
+          <a:p>
+            <a:pPr algn="ctr"/>
+            <a:r>
+              <a:rPr lang="ca"/>
+              <a:t>Frames and requirements</a:t>
+            </a:r>
+            <a:endParaRPr/>
+          </a:p>
+        </p:txBody>
+      </p:sp>
+      <p:sp>
+        <p:nvSpPr>
+          <p:cNvPr id="3" name="Text Placeholder 2">
+            <a:extLst>
+              <a:ext uri="{FF2B5EF4-FFF2-40B4-BE49-F238E27FC236}">
+                <a16:creationId xmlns:a16="http://schemas.microsoft.com/office/drawing/2014/main" id="{09C3AD9E-114F-4331-B146-C16490A27B92}"/>
+              </a:ext>
+            </a:extLst>
+          </p:cNvPr>
+          <p:cNvSpPr>
+            <a:spLocks noGrp="1"/>
+          </p:cNvSpPr>
+          <p:nvPr>
+            <p:ph type="body" sz="quarter" idx="13"/>
+          </p:nvPr>
+        </p:nvSpPr>
+        <p:spPr/>
+        <p:txBody>
+          <a:bodyPr/>
+          <a:lstStyle/>
+          <a:p>
+            <a:r>
+              <a:rPr lang="fr-FR" dirty="0"/>
+              <a:t>I. Frames and </a:t>
+            </a:r>
+            <a:r>
+              <a:rPr lang="fr-FR" dirty="0" err="1"/>
+              <a:t>requirements</a:t>
+            </a:r>
+            <a:endParaRPr lang="fr-FR" dirty="0"/>
+          </a:p>
+        </p:txBody>
+      </p:sp>
+      <p:pic>
+        <p:nvPicPr>
+          <p:cNvPr id="56" name="Google Shape;56;p13"/>
+          <p:cNvPicPr preferRelativeResize="0"/>
+          <p:nvPr/>
+        </p:nvPicPr>
+        <p:blipFill>
+          <a:blip r:embed="rId3">
+            <a:alphaModFix/>
+          </a:blip>
+          <a:stretch>
+            <a:fillRect/>
+          </a:stretch>
+        </p:blipFill>
+        <p:spPr>
+          <a:xfrm>
+            <a:off x="2424203" y="1302834"/>
+            <a:ext cx="3020567" cy="1717833"/>
+          </a:xfrm>
+          <a:prstGeom prst="rect">
+            <a:avLst/>
+          </a:prstGeom>
+          <a:noFill/>
+          <a:ln>
+            <a:noFill/>
+          </a:ln>
+        </p:spPr>
+      </p:pic>
+      <p:pic>
+        <p:nvPicPr>
+          <p:cNvPr id="57" name="Google Shape;57;p13"/>
+          <p:cNvPicPr preferRelativeResize="0"/>
+          <p:nvPr/>
+        </p:nvPicPr>
+        <p:blipFill>
+          <a:blip r:embed="rId4">
+            <a:alphaModFix/>
+          </a:blip>
+          <a:stretch>
+            <a:fillRect/>
+          </a:stretch>
+        </p:blipFill>
+        <p:spPr>
+          <a:xfrm>
+            <a:off x="5611404" y="1100049"/>
+            <a:ext cx="2823833" cy="2123400"/>
+          </a:xfrm>
+          <a:prstGeom prst="rect">
+            <a:avLst/>
+          </a:prstGeom>
+          <a:noFill/>
+          <a:ln>
+            <a:noFill/>
+          </a:ln>
+        </p:spPr>
+      </p:pic>
+      <p:sp>
+        <p:nvSpPr>
+          <p:cNvPr id="58" name="Google Shape;58;p13"/>
+          <p:cNvSpPr txBox="1"/>
+          <p:nvPr/>
+        </p:nvSpPr>
+        <p:spPr>
+          <a:xfrm>
+            <a:off x="4101235" y="3347266"/>
+            <a:ext cx="3460081" cy="589200"/>
+          </a:xfrm>
+          <a:prstGeom prst="rect">
+            <a:avLst/>
+          </a:prstGeom>
+          <a:noFill/>
+          <a:ln>
+            <a:noFill/>
+          </a:ln>
+        </p:spPr>
+        <p:txBody>
+          <a:bodyPr spcFirstLastPara="1" wrap="square" lIns="121900" tIns="121900" rIns="121900" bIns="121900" anchor="t" anchorCtr="0">
+            <a:noAutofit/>
+          </a:bodyPr>
+          <a:lstStyle/>
+          <a:p>
+            <a:r>
+              <a:rPr lang="ca" sz="2400" dirty="0"/>
+              <a:t>RSW and J2000 frames</a:t>
+            </a:r>
+            <a:endParaRPr sz="2400" dirty="0"/>
+          </a:p>
+        </p:txBody>
+      </p:sp>
+      <p:sp>
+        <p:nvSpPr>
+          <p:cNvPr id="59" name="Google Shape;59;p13"/>
+          <p:cNvSpPr txBox="1"/>
+          <p:nvPr/>
+        </p:nvSpPr>
+        <p:spPr>
+          <a:xfrm>
+            <a:off x="1417320" y="3784270"/>
+            <a:ext cx="5732800" cy="1876000"/>
+          </a:xfrm>
+          <a:prstGeom prst="rect">
+            <a:avLst/>
+          </a:prstGeom>
+          <a:noFill/>
+          <a:ln>
+            <a:noFill/>
+          </a:ln>
+        </p:spPr>
+        <p:txBody>
+          <a:bodyPr spcFirstLastPara="1" wrap="square" lIns="121900" tIns="121900" rIns="121900" bIns="121900" anchor="t" anchorCtr="0">
+            <a:noAutofit/>
+          </a:bodyPr>
+          <a:lstStyle/>
+          <a:p>
+            <a:pPr>
+              <a:lnSpc>
+                <a:spcPct val="150000"/>
+              </a:lnSpc>
+            </a:pPr>
+            <a:r>
+              <a:rPr lang="ca" sz="2000" b="1" dirty="0"/>
+              <a:t>Requirements for payload:</a:t>
+            </a:r>
+            <a:endParaRPr sz="2000" b="1" dirty="0"/>
+          </a:p>
+          <a:p>
+            <a:pPr marL="609585" indent="-423323">
+              <a:lnSpc>
+                <a:spcPct val="150000"/>
+              </a:lnSpc>
+              <a:buSzPts val="1400"/>
+              <a:buChar char="●"/>
+            </a:pPr>
+            <a:r>
+              <a:rPr lang="ca" sz="2000" dirty="0"/>
+              <a:t>GNSS:</a:t>
+            </a:r>
+            <a:r>
+              <a:rPr lang="ca" sz="2000" b="1" dirty="0"/>
+              <a:t> 54º</a:t>
+            </a:r>
+            <a:r>
+              <a:rPr lang="ca" sz="2000" dirty="0"/>
+              <a:t> field of view with respect to zenith</a:t>
+            </a:r>
+            <a:endParaRPr sz="2000" dirty="0"/>
+          </a:p>
+          <a:p>
+            <a:pPr>
+              <a:lnSpc>
+                <a:spcPct val="150000"/>
+              </a:lnSpc>
+            </a:pPr>
+            <a:r>
+              <a:rPr lang="ca" sz="2000" dirty="0"/>
+              <a:t>No requirements for Iridium and platform</a:t>
+            </a:r>
+            <a:endParaRPr sz="2000" dirty="0"/>
+          </a:p>
+        </p:txBody>
+      </p:sp>
+      <p:sp>
+        <p:nvSpPr>
+          <p:cNvPr id="60" name="Google Shape;60;p13"/>
+          <p:cNvSpPr txBox="1"/>
+          <p:nvPr/>
+        </p:nvSpPr>
+        <p:spPr>
+          <a:xfrm>
+            <a:off x="2922987" y="5345464"/>
+            <a:ext cx="8928754" cy="589200"/>
+          </a:xfrm>
+          <a:prstGeom prst="rect">
+            <a:avLst/>
+          </a:prstGeom>
+          <a:noFill/>
+          <a:ln>
+            <a:noFill/>
+          </a:ln>
+        </p:spPr>
+        <p:txBody>
+          <a:bodyPr spcFirstLastPara="1" wrap="square" lIns="121900" tIns="121900" rIns="121900" bIns="121900" anchor="t" anchorCtr="0">
+            <a:noAutofit/>
+          </a:bodyPr>
+          <a:lstStyle/>
+          <a:p>
+            <a:r>
+              <a:rPr lang="ca" sz="2400" b="1" dirty="0"/>
+              <a:t>Key input data for simulations: </a:t>
+            </a:r>
+            <a:r>
+              <a:rPr lang="ca" sz="2400" dirty="0"/>
+              <a:t>altitude and inertia</a:t>
+            </a:r>
+            <a:endParaRPr sz="2400" dirty="0"/>
+          </a:p>
+        </p:txBody>
+      </p:sp>
+      <p:sp>
+        <p:nvSpPr>
+          <p:cNvPr id="61" name="Google Shape;61;p13"/>
+          <p:cNvSpPr/>
+          <p:nvPr/>
+        </p:nvSpPr>
+        <p:spPr>
+          <a:xfrm>
+            <a:off x="7387364" y="4752496"/>
+            <a:ext cx="910800" cy="348400"/>
+          </a:xfrm>
+          <a:prstGeom prst="rightArrow">
+            <a:avLst>
+              <a:gd name="adj1" fmla="val 50000"/>
+              <a:gd name="adj2" fmla="val 50000"/>
+            </a:avLst>
+          </a:prstGeom>
+          <a:solidFill>
+            <a:schemeClr val="lt2"/>
+          </a:solidFill>
+          <a:ln w="9525" cap="flat" cmpd="sng">
+            <a:solidFill>
+              <a:schemeClr val="dk2"/>
+            </a:solidFill>
+            <a:prstDash val="solid"/>
+            <a:round/>
+            <a:headEnd type="none" w="sm" len="sm"/>
+            <a:tailEnd type="none" w="sm" len="sm"/>
+          </a:ln>
+        </p:spPr>
+        <p:txBody>
+          <a:bodyPr spcFirstLastPara="1" wrap="square" lIns="121900" tIns="121900" rIns="121900" bIns="121900" anchor="ctr" anchorCtr="0">
+            <a:noAutofit/>
+          </a:bodyPr>
+          <a:lstStyle/>
+          <a:p>
+            <a:endParaRPr sz="2400"/>
+          </a:p>
+        </p:txBody>
+      </p:sp>
+      <p:sp>
+        <p:nvSpPr>
+          <p:cNvPr id="62" name="Google Shape;62;p13"/>
+          <p:cNvSpPr txBox="1"/>
+          <p:nvPr/>
+        </p:nvSpPr>
+        <p:spPr>
+          <a:xfrm>
+            <a:off x="8298164" y="3891933"/>
+            <a:ext cx="3334827" cy="2071520"/>
+          </a:xfrm>
+          <a:prstGeom prst="rect">
+            <a:avLst/>
+          </a:prstGeom>
+          <a:noFill/>
+          <a:ln>
+            <a:noFill/>
+          </a:ln>
+        </p:spPr>
+        <p:txBody>
+          <a:bodyPr spcFirstLastPara="1" wrap="square" lIns="121900" tIns="121900" rIns="121900" bIns="121900" anchor="t" anchorCtr="0">
+            <a:noAutofit/>
+          </a:bodyPr>
+          <a:lstStyle/>
+          <a:p>
+            <a:r>
+              <a:rPr lang="ca" sz="2000" b="1" dirty="0"/>
+              <a:t>Phases:</a:t>
+            </a:r>
+            <a:endParaRPr sz="2000" b="1" dirty="0"/>
+          </a:p>
+          <a:p>
+            <a:pPr marL="609585" indent="-423323">
+              <a:buSzPts val="1400"/>
+              <a:buChar char="●"/>
+            </a:pPr>
+            <a:r>
+              <a:rPr lang="ca" sz="2000" dirty="0"/>
+              <a:t>Detumbling</a:t>
+            </a:r>
+            <a:endParaRPr sz="2000" dirty="0"/>
+          </a:p>
+          <a:p>
+            <a:pPr marL="609585" indent="-423323">
+              <a:buSzPts val="1400"/>
+              <a:buChar char="●"/>
+            </a:pPr>
+            <a:r>
+              <a:rPr lang="ca" sz="2000" dirty="0"/>
+              <a:t>Mission</a:t>
+            </a:r>
+            <a:endParaRPr sz="2000" dirty="0"/>
+          </a:p>
+          <a:p>
+            <a:pPr marL="609585" indent="-423323">
+              <a:buSzPts val="1400"/>
+              <a:buChar char="●"/>
+            </a:pPr>
+            <a:r>
+              <a:rPr lang="ca" sz="2000" dirty="0"/>
+              <a:t>Power collection</a:t>
+            </a:r>
+            <a:endParaRPr sz="2000" dirty="0"/>
+          </a:p>
+        </p:txBody>
+      </p:sp>
+    </p:spTree>
+  </p:cSld>
+  <p:clrMapOvr>
+    <a:masterClrMapping/>
+  </p:clrMapOvr>
+</p:sld>
+</file>
+
+<file path=ppt/slides/slide3.xml><?xml version="1.0" encoding="utf-8"?>
+<p:sld xmlns:a="http://schemas.openxmlformats.org/drawingml/2006/main" xmlns:r="http://schemas.openxmlformats.org/officeDocument/2006/relationships" xmlns:p="http://schemas.openxmlformats.org/presentationml/2006/main">
+  <p:cSld>
+    <p:spTree>
+      <p:nvGrpSpPr>
+        <p:cNvPr id="1" name="Shape 66"/>
+        <p:cNvGrpSpPr/>
+        <p:nvPr/>
+      </p:nvGrpSpPr>
+      <p:grpSpPr>
+        <a:xfrm>
+          <a:off x="0" y="0"/>
+          <a:ext cx="0" cy="0"/>
+          <a:chOff x="0" y="0"/>
+          <a:chExt cx="0" cy="0"/>
+        </a:xfrm>
+      </p:grpSpPr>
+      <p:sp>
+        <p:nvSpPr>
+          <p:cNvPr id="67" name="Google Shape;67;p14"/>
+          <p:cNvSpPr/>
+          <p:nvPr/>
+        </p:nvSpPr>
+        <p:spPr>
+          <a:xfrm>
+            <a:off x="523800" y="1515467"/>
+            <a:ext cx="4324800" cy="2935600"/>
+          </a:xfrm>
+          <a:prstGeom prst="roundRect">
+            <a:avLst>
+              <a:gd name="adj" fmla="val 16667"/>
+            </a:avLst>
+          </a:prstGeom>
+          <a:noFill/>
+          <a:ln w="9525" cap="flat" cmpd="sng">
+            <a:solidFill>
+              <a:srgbClr val="0000FF"/>
+            </a:solidFill>
+            <a:prstDash val="solid"/>
+            <a:round/>
+            <a:headEnd type="none" w="sm" len="sm"/>
+            <a:tailEnd type="none" w="sm" len="sm"/>
+          </a:ln>
+          <a:effectLst>
+            <a:outerShdw blurRad="57150" dist="19050" dir="5400000" algn="bl" rotWithShape="0">
+              <a:srgbClr val="000000">
+                <a:alpha val="50000"/>
+              </a:srgbClr>
+            </a:outerShdw>
+          </a:effectLst>
+        </p:spPr>
+        <p:txBody>
+          <a:bodyPr spcFirstLastPara="1" wrap="square" lIns="121900" tIns="121900" rIns="121900" bIns="121900" anchor="ctr" anchorCtr="0">
+            <a:noAutofit/>
+          </a:bodyPr>
+          <a:lstStyle/>
+          <a:p>
+            <a:endParaRPr sz="2400"/>
+          </a:p>
+        </p:txBody>
+      </p:sp>
+      <p:sp>
+        <p:nvSpPr>
+          <p:cNvPr id="68" name="Google Shape;68;p14"/>
+          <p:cNvSpPr txBox="1">
+            <a:spLocks noGrp="1"/>
+          </p:cNvSpPr>
+          <p:nvPr>
+            <p:ph type="ctrTitle"/>
+          </p:nvPr>
+        </p:nvSpPr>
+        <p:spPr>
+          <a:prstGeom prst="rect">
+            <a:avLst/>
+          </a:prstGeom>
+        </p:spPr>
+        <p:txBody>
+          <a:bodyPr spcFirstLastPara="1" wrap="square" lIns="121900" tIns="121900" rIns="121900" bIns="121900" anchor="t" anchorCtr="0">
+            <a:noAutofit/>
+          </a:bodyPr>
+          <a:lstStyle/>
+          <a:p>
+            <a:pPr algn="ctr"/>
+            <a:r>
+              <a:rPr lang="ca" dirty="0"/>
+              <a:t>A</a:t>
+            </a:r>
+            <a:r>
+              <a:rPr lang="fr-FR" dirty="0"/>
+              <a:t>D</a:t>
+            </a:r>
+            <a:r>
+              <a:rPr lang="ca" dirty="0"/>
+              <a:t>CS architecture</a:t>
+            </a:r>
+            <a:endParaRPr dirty="0"/>
+          </a:p>
+        </p:txBody>
+      </p:sp>
+      <p:sp>
+        <p:nvSpPr>
+          <p:cNvPr id="70" name="Google Shape;70;p14"/>
+          <p:cNvSpPr txBox="1">
+            <a:spLocks noGrp="1"/>
+          </p:cNvSpPr>
+          <p:nvPr>
+            <p:ph type="subTitle" idx="1"/>
+          </p:nvPr>
+        </p:nvSpPr>
+        <p:spPr>
+          <a:xfrm>
+            <a:off x="790847" y="1712622"/>
+            <a:ext cx="3790705" cy="830234"/>
+          </a:xfrm>
+          <a:prstGeom prst="rect">
+            <a:avLst/>
+          </a:prstGeom>
+        </p:spPr>
+        <p:txBody>
+          <a:bodyPr spcFirstLastPara="1" wrap="square" lIns="121900" tIns="121900" rIns="121900" bIns="121900" anchor="t" anchorCtr="0">
+            <a:noAutofit/>
+          </a:bodyPr>
+          <a:lstStyle/>
+          <a:p>
+            <a:pPr marL="0" indent="0" algn="ctr">
+              <a:spcAft>
+                <a:spcPts val="2133"/>
+              </a:spcAft>
+              <a:buNone/>
+            </a:pPr>
+            <a:r>
+              <a:rPr lang="ca" dirty="0"/>
+              <a:t>3-axis MEMS Gyroscope </a:t>
+            </a:r>
+            <a:r>
+              <a:rPr lang="ca" sz="1867" b="1" dirty="0"/>
+              <a:t>(high freq)</a:t>
+            </a:r>
+            <a:endParaRPr sz="1867" b="1" dirty="0"/>
+          </a:p>
+        </p:txBody>
+      </p:sp>
+      <p:sp>
+        <p:nvSpPr>
+          <p:cNvPr id="69" name="Google Shape;69;p14"/>
+          <p:cNvSpPr txBox="1">
+            <a:spLocks noGrp="1"/>
+          </p:cNvSpPr>
+          <p:nvPr>
+            <p:ph type="body" sz="quarter" idx="13"/>
+          </p:nvPr>
+        </p:nvSpPr>
+        <p:spPr>
+          <a:xfrm>
+            <a:off x="-92049" y="802256"/>
+            <a:ext cx="5451475" cy="325701"/>
+          </a:xfrm>
+          <a:prstGeom prst="rect">
+            <a:avLst/>
+          </a:prstGeom>
+        </p:spPr>
+        <p:txBody>
+          <a:bodyPr spcFirstLastPara="1" wrap="square" lIns="121900" tIns="121900" rIns="121900" bIns="121900" anchor="t" anchorCtr="0">
+            <a:noAutofit/>
+          </a:bodyPr>
+          <a:lstStyle/>
+          <a:p>
+            <a:pPr marL="0" indent="0" algn="ctr">
+              <a:spcAft>
+                <a:spcPts val="2133"/>
+              </a:spcAft>
+              <a:buNone/>
+            </a:pPr>
+            <a:r>
+              <a:rPr lang="ca" sz="3200" u="sng" dirty="0">
+                <a:solidFill>
+                  <a:srgbClr val="0000FF"/>
+                </a:solidFill>
+              </a:rPr>
+              <a:t>Sensors</a:t>
+            </a:r>
+            <a:endParaRPr sz="3200" u="sng" dirty="0">
+              <a:solidFill>
+                <a:srgbClr val="0000FF"/>
+              </a:solidFill>
+            </a:endParaRPr>
+          </a:p>
+        </p:txBody>
+      </p:sp>
+      <p:sp>
+        <p:nvSpPr>
+          <p:cNvPr id="71" name="Google Shape;71;p14"/>
+          <p:cNvSpPr txBox="1">
+            <a:spLocks noGrp="1"/>
+          </p:cNvSpPr>
+          <p:nvPr>
+            <p:ph type="body" idx="4294967295"/>
+          </p:nvPr>
+        </p:nvSpPr>
+        <p:spPr>
+          <a:xfrm>
+            <a:off x="715970" y="3317875"/>
+            <a:ext cx="3895725" cy="963613"/>
+          </a:xfrm>
+          <a:prstGeom prst="rect">
+            <a:avLst/>
+          </a:prstGeom>
+        </p:spPr>
+        <p:txBody>
+          <a:bodyPr spcFirstLastPara="1" wrap="square" lIns="121900" tIns="121900" rIns="121900" bIns="121900" anchor="t" anchorCtr="0">
+            <a:noAutofit/>
+          </a:bodyPr>
+          <a:lstStyle/>
+          <a:p>
+            <a:pPr marL="0" indent="0" algn="ctr">
+              <a:spcAft>
+                <a:spcPts val="2133"/>
+              </a:spcAft>
+              <a:buNone/>
+            </a:pPr>
+            <a:r>
+              <a:rPr lang="ca" dirty="0"/>
+              <a:t>3-axis Magnetometer    </a:t>
+            </a:r>
+            <a:r>
+              <a:rPr lang="ca" sz="1867" b="1" dirty="0"/>
+              <a:t>(low freq)</a:t>
+            </a:r>
+            <a:endParaRPr sz="1867" b="1" dirty="0"/>
+          </a:p>
+        </p:txBody>
+      </p:sp>
+      <p:sp>
+        <p:nvSpPr>
+          <p:cNvPr id="74" name="Google Shape;74;p14"/>
+          <p:cNvSpPr txBox="1">
+            <a:spLocks noGrp="1"/>
+          </p:cNvSpPr>
+          <p:nvPr>
+            <p:ph type="body" idx="4294967295"/>
+          </p:nvPr>
+        </p:nvSpPr>
+        <p:spPr>
+          <a:xfrm>
+            <a:off x="7281863" y="1990725"/>
+            <a:ext cx="4910137" cy="1022350"/>
+          </a:xfrm>
+          <a:prstGeom prst="rect">
+            <a:avLst/>
+          </a:prstGeom>
+        </p:spPr>
+        <p:txBody>
+          <a:bodyPr spcFirstLastPara="1" wrap="square" lIns="121900" tIns="121900" rIns="121900" bIns="121900" anchor="t" anchorCtr="0">
+            <a:noAutofit/>
+          </a:bodyPr>
+          <a:lstStyle/>
+          <a:p>
+            <a:pPr>
+              <a:lnSpc>
+                <a:spcPct val="115000"/>
+              </a:lnSpc>
+            </a:pPr>
+            <a:r>
+              <a:rPr lang="ca"/>
+              <a:t>Accuracy: medium-low</a:t>
+            </a:r>
+            <a:endParaRPr/>
+          </a:p>
+          <a:p>
+            <a:pPr>
+              <a:lnSpc>
+                <a:spcPct val="115000"/>
+              </a:lnSpc>
+            </a:pPr>
+            <a:r>
+              <a:rPr lang="ca"/>
+              <a:t>Mass and power: low</a:t>
+            </a:r>
+            <a:endParaRPr/>
+          </a:p>
+        </p:txBody>
+      </p:sp>
+      <p:sp>
+        <p:nvSpPr>
+          <p:cNvPr id="76" name="Google Shape;76;p14"/>
+          <p:cNvSpPr txBox="1">
+            <a:spLocks noGrp="1"/>
+          </p:cNvSpPr>
+          <p:nvPr>
+            <p:ph type="body" idx="4294967295"/>
+          </p:nvPr>
+        </p:nvSpPr>
+        <p:spPr>
+          <a:xfrm>
+            <a:off x="685827" y="5056507"/>
+            <a:ext cx="3895725" cy="1022350"/>
+          </a:xfrm>
+          <a:prstGeom prst="rect">
+            <a:avLst/>
+          </a:prstGeom>
+        </p:spPr>
+        <p:txBody>
+          <a:bodyPr spcFirstLastPara="1" wrap="square" lIns="121900" tIns="121900" rIns="121900" bIns="121900" anchor="t" anchorCtr="0">
+            <a:noAutofit/>
+          </a:bodyPr>
+          <a:lstStyle/>
+          <a:p>
+            <a:pPr marL="0" indent="0" algn="ctr">
+              <a:spcAft>
+                <a:spcPts val="2133"/>
+              </a:spcAft>
+              <a:buNone/>
+            </a:pPr>
+            <a:r>
+              <a:rPr lang="ca" sz="2400" b="1" dirty="0">
+                <a:solidFill>
+                  <a:srgbClr val="000000"/>
+                </a:solidFill>
+              </a:rPr>
+              <a:t>Extended Kalman Filter </a:t>
+            </a:r>
+            <a:r>
+              <a:rPr lang="ca" sz="1800" b="1" dirty="0">
+                <a:solidFill>
+                  <a:srgbClr val="FF0000"/>
+                </a:solidFill>
+              </a:rPr>
+              <a:t>(Sensor fusion)</a:t>
+            </a:r>
+            <a:endParaRPr sz="1800" b="1" dirty="0">
+              <a:solidFill>
+                <a:srgbClr val="FF0000"/>
+              </a:solidFill>
+            </a:endParaRPr>
+          </a:p>
+        </p:txBody>
+      </p:sp>
+      <p:sp>
+        <p:nvSpPr>
+          <p:cNvPr id="72" name="Google Shape;72;p14"/>
+          <p:cNvSpPr/>
+          <p:nvPr/>
+        </p:nvSpPr>
+        <p:spPr>
+          <a:xfrm>
+            <a:off x="2376033" y="2712633"/>
+            <a:ext cx="575600" cy="582400"/>
+          </a:xfrm>
+          <a:prstGeom prst="mathPlus">
+            <a:avLst>
+              <a:gd name="adj1" fmla="val 23520"/>
+            </a:avLst>
+          </a:prstGeom>
+          <a:solidFill>
+            <a:srgbClr val="6D9EEB"/>
+          </a:solidFill>
+          <a:ln w="9525" cap="flat" cmpd="sng">
+            <a:solidFill>
+              <a:srgbClr val="0000FF"/>
+            </a:solidFill>
+            <a:prstDash val="solid"/>
+            <a:round/>
+            <a:headEnd type="none" w="sm" len="sm"/>
+            <a:tailEnd type="none" w="sm" len="sm"/>
+          </a:ln>
+        </p:spPr>
+        <p:txBody>
+          <a:bodyPr spcFirstLastPara="1" wrap="square" lIns="121900" tIns="121900" rIns="121900" bIns="121900" anchor="ctr" anchorCtr="0">
+            <a:noAutofit/>
+          </a:bodyPr>
+          <a:lstStyle/>
+          <a:p>
+            <a:endParaRPr sz="2400">
+              <a:solidFill>
+                <a:srgbClr val="FF0000"/>
+              </a:solidFill>
+              <a:highlight>
+                <a:srgbClr val="FF9900"/>
+              </a:highlight>
+            </a:endParaRPr>
+          </a:p>
+        </p:txBody>
+      </p:sp>
+      <p:graphicFrame>
+        <p:nvGraphicFramePr>
+          <p:cNvPr id="73" name="Google Shape;73;p14"/>
+          <p:cNvGraphicFramePr/>
+          <p:nvPr>
+            <p:extLst>
+              <p:ext uri="{D42A27DB-BD31-4B8C-83A1-F6EECF244321}">
+                <p14:modId xmlns:p14="http://schemas.microsoft.com/office/powerpoint/2010/main" val="500987624"/>
+              </p:ext>
+            </p:extLst>
+          </p:nvPr>
+        </p:nvGraphicFramePr>
+        <p:xfrm>
+          <a:off x="5707384" y="3429000"/>
+          <a:ext cx="5283567" cy="2804000"/>
+        </p:xfrm>
+        <a:graphic>
+          <a:graphicData uri="http://schemas.openxmlformats.org/drawingml/2006/table">
+            <a:tbl>
+              <a:tblPr>
+                <a:noFill/>
+              </a:tblPr>
+              <a:tblGrid>
+                <a:gridCol w="3070967">
+                  <a:extLst>
+                    <a:ext uri="{9D8B030D-6E8A-4147-A177-3AD203B41FA5}">
+                      <a16:colId xmlns:a16="http://schemas.microsoft.com/office/drawing/2014/main" val="20000"/>
+                    </a:ext>
+                  </a:extLst>
+                </a:gridCol>
+                <a:gridCol w="2212600">
+                  <a:extLst>
+                    <a:ext uri="{9D8B030D-6E8A-4147-A177-3AD203B41FA5}">
+                      <a16:colId xmlns:a16="http://schemas.microsoft.com/office/drawing/2014/main" val="20001"/>
+                    </a:ext>
+                  </a:extLst>
+                </a:gridCol>
+              </a:tblGrid>
+              <a:tr h="609560">
+                <a:tc gridSpan="2">
+                  <a:txBody>
+                    <a:bodyPr/>
+                    <a:lstStyle/>
+                    <a:p>
+                      <a:pPr marL="0" lvl="0" indent="0" algn="ctr" rtl="0">
+                        <a:spcBef>
+                          <a:spcPts val="0"/>
+                        </a:spcBef>
+                        <a:spcAft>
+                          <a:spcPts val="0"/>
+                        </a:spcAft>
+                        <a:buNone/>
+                      </a:pPr>
+                      <a:r>
+                        <a:rPr lang="ca" sz="2400"/>
+                        <a:t>MEMS Gyro specs</a:t>
+                      </a:r>
+                      <a:endParaRPr sz="2400"/>
+                    </a:p>
+                  </a:txBody>
+                  <a:tcPr marL="121900" marR="121900" marT="121900" marB="121900"/>
+                </a:tc>
+                <a:tc hMerge="1">
+                  <a:txBody>
+                    <a:bodyPr/>
+                    <a:lstStyle/>
+                    <a:p>
+                      <a:endParaRPr lang="fr-FR"/>
+                    </a:p>
+                  </a:txBody>
+                  <a:tcPr/>
+                </a:tc>
+                <a:extLst>
+                  <a:ext uri="{0D108BD9-81ED-4DB2-BD59-A6C34878D82A}">
+                    <a16:rowId xmlns:a16="http://schemas.microsoft.com/office/drawing/2014/main" val="10000"/>
+                  </a:ext>
+                </a:extLst>
+              </a:tr>
+              <a:tr h="975320">
+                <a:tc>
+                  <a:txBody>
+                    <a:bodyPr/>
+                    <a:lstStyle/>
+                    <a:p>
+                      <a:pPr marL="0" lvl="0" indent="0" algn="l" rtl="0">
+                        <a:spcBef>
+                          <a:spcPts val="0"/>
+                        </a:spcBef>
+                        <a:spcAft>
+                          <a:spcPts val="0"/>
+                        </a:spcAft>
+                        <a:buNone/>
+                      </a:pPr>
+                      <a:r>
+                        <a:rPr lang="ca" sz="2400"/>
+                        <a:t>Bias stability (3𝛔) over 24h</a:t>
+                      </a:r>
+                      <a:endParaRPr sz="2400"/>
+                    </a:p>
+                  </a:txBody>
+                  <a:tcPr marL="121900" marR="121900" marT="121900" marB="121900"/>
+                </a:tc>
+                <a:tc>
+                  <a:txBody>
+                    <a:bodyPr/>
+                    <a:lstStyle/>
+                    <a:p>
+                      <a:pPr marL="0" lvl="0" indent="0" algn="l" rtl="0">
+                        <a:spcBef>
+                          <a:spcPts val="0"/>
+                        </a:spcBef>
+                        <a:spcAft>
+                          <a:spcPts val="0"/>
+                        </a:spcAft>
+                        <a:buNone/>
+                      </a:pPr>
+                      <a:r>
+                        <a:rPr lang="ca" sz="2400" dirty="0"/>
+                        <a:t>&lt;5 deg/h</a:t>
+                      </a:r>
+                      <a:endParaRPr sz="2400" dirty="0"/>
+                    </a:p>
+                  </a:txBody>
+                  <a:tcPr marL="121900" marR="121900" marT="121900" marB="121900"/>
+                </a:tc>
+                <a:extLst>
+                  <a:ext uri="{0D108BD9-81ED-4DB2-BD59-A6C34878D82A}">
+                    <a16:rowId xmlns:a16="http://schemas.microsoft.com/office/drawing/2014/main" val="10001"/>
+                  </a:ext>
+                </a:extLst>
+              </a:tr>
+              <a:tr h="609560">
+                <a:tc>
+                  <a:txBody>
+                    <a:bodyPr/>
+                    <a:lstStyle/>
+                    <a:p>
+                      <a:pPr marL="0" lvl="0" indent="0" algn="l" rtl="0">
+                        <a:spcBef>
+                          <a:spcPts val="0"/>
+                        </a:spcBef>
+                        <a:spcAft>
+                          <a:spcPts val="0"/>
+                        </a:spcAft>
+                        <a:buNone/>
+                      </a:pPr>
+                      <a:r>
+                        <a:rPr lang="ca" sz="2400"/>
+                        <a:t>Angular random walk</a:t>
+                      </a:r>
+                      <a:endParaRPr sz="2400"/>
+                    </a:p>
+                  </a:txBody>
+                  <a:tcPr marL="121900" marR="121900" marT="121900" marB="121900"/>
+                </a:tc>
+                <a:tc>
+                  <a:txBody>
+                    <a:bodyPr/>
+                    <a:lstStyle/>
+                    <a:p>
+                      <a:pPr marL="0" lvl="0" indent="0" algn="l" rtl="0">
+                        <a:spcBef>
+                          <a:spcPts val="0"/>
+                        </a:spcBef>
+                        <a:spcAft>
+                          <a:spcPts val="0"/>
+                        </a:spcAft>
+                        <a:buNone/>
+                      </a:pPr>
+                      <a:r>
+                        <a:rPr lang="ca" sz="2400"/>
+                        <a:t>&lt;0.2 deg/√h</a:t>
+                      </a:r>
+                      <a:endParaRPr sz="2400"/>
+                    </a:p>
+                  </a:txBody>
+                  <a:tcPr marL="121900" marR="121900" marT="121900" marB="121900"/>
+                </a:tc>
+                <a:extLst>
+                  <a:ext uri="{0D108BD9-81ED-4DB2-BD59-A6C34878D82A}">
+                    <a16:rowId xmlns:a16="http://schemas.microsoft.com/office/drawing/2014/main" val="10002"/>
+                  </a:ext>
+                </a:extLst>
+              </a:tr>
+              <a:tr h="609560">
+                <a:tc>
+                  <a:txBody>
+                    <a:bodyPr/>
+                    <a:lstStyle/>
+                    <a:p>
+                      <a:pPr marL="0" lvl="0" indent="0" algn="l" rtl="0">
+                        <a:spcBef>
+                          <a:spcPts val="0"/>
+                        </a:spcBef>
+                        <a:spcAft>
+                          <a:spcPts val="0"/>
+                        </a:spcAft>
+                        <a:buNone/>
+                      </a:pPr>
+                      <a:r>
+                        <a:rPr lang="ca" sz="2400"/>
+                        <a:t>Range</a:t>
+                      </a:r>
+                      <a:endParaRPr sz="2400"/>
+                    </a:p>
+                  </a:txBody>
+                  <a:tcPr marL="121900" marR="121900" marT="121900" marB="121900"/>
+                </a:tc>
+                <a:tc>
+                  <a:txBody>
+                    <a:bodyPr/>
+                    <a:lstStyle/>
+                    <a:p>
+                      <a:pPr marL="0" lvl="0" indent="0" algn="l" rtl="0">
+                        <a:spcBef>
+                          <a:spcPts val="0"/>
+                        </a:spcBef>
+                        <a:spcAft>
+                          <a:spcPts val="0"/>
+                        </a:spcAft>
+                        <a:buNone/>
+                      </a:pPr>
+                      <a:r>
+                        <a:rPr lang="ca" sz="2400" dirty="0"/>
+                        <a:t>Up to 20 deg/s</a:t>
+                      </a:r>
+                      <a:endParaRPr sz="2400" dirty="0"/>
+                    </a:p>
+                  </a:txBody>
+                  <a:tcPr marL="121900" marR="121900" marT="121900" marB="121900"/>
+                </a:tc>
+                <a:extLst>
+                  <a:ext uri="{0D108BD9-81ED-4DB2-BD59-A6C34878D82A}">
+                    <a16:rowId xmlns:a16="http://schemas.microsoft.com/office/drawing/2014/main" val="10003"/>
+                  </a:ext>
+                </a:extLst>
+              </a:tr>
+            </a:tbl>
+          </a:graphicData>
+        </a:graphic>
+      </p:graphicFrame>
+      <p:sp>
+        <p:nvSpPr>
+          <p:cNvPr id="75" name="Google Shape;75;p14"/>
+          <p:cNvSpPr/>
+          <p:nvPr/>
+        </p:nvSpPr>
+        <p:spPr>
+          <a:xfrm>
+            <a:off x="2457833" y="4628667"/>
+            <a:ext cx="412000" cy="582400"/>
+          </a:xfrm>
+          <a:prstGeom prst="downArrow">
+            <a:avLst>
+              <a:gd name="adj1" fmla="val 50000"/>
+              <a:gd name="adj2" fmla="val 50000"/>
+            </a:avLst>
+          </a:prstGeom>
+          <a:solidFill>
+            <a:srgbClr val="C9DAF8"/>
+          </a:solidFill>
+          <a:ln w="9525" cap="flat" cmpd="sng">
+            <a:solidFill>
+              <a:srgbClr val="0000FF"/>
+            </a:solidFill>
+            <a:prstDash val="solid"/>
+            <a:round/>
+            <a:headEnd type="none" w="sm" len="sm"/>
+            <a:tailEnd type="none" w="sm" len="sm"/>
+          </a:ln>
+        </p:spPr>
+        <p:txBody>
+          <a:bodyPr spcFirstLastPara="1" wrap="square" lIns="121900" tIns="121900" rIns="121900" bIns="121900" anchor="ctr" anchorCtr="0">
+            <a:noAutofit/>
+          </a:bodyPr>
+          <a:lstStyle/>
+          <a:p>
+            <a:endParaRPr sz="2400"/>
+          </a:p>
+        </p:txBody>
+      </p:sp>
+      <p:sp>
+        <p:nvSpPr>
+          <p:cNvPr id="12" name="Text Placeholder 2">
+            <a:extLst>
+              <a:ext uri="{FF2B5EF4-FFF2-40B4-BE49-F238E27FC236}">
+                <a16:creationId xmlns:a16="http://schemas.microsoft.com/office/drawing/2014/main" id="{0253C5EB-F31A-4FA2-88CD-5F2796537A34}"/>
+              </a:ext>
+            </a:extLst>
+          </p:cNvPr>
+          <p:cNvSpPr txBox="1">
+            <a:spLocks/>
+          </p:cNvSpPr>
+          <p:nvPr/>
+        </p:nvSpPr>
+        <p:spPr>
+          <a:xfrm>
+            <a:off x="166529" y="5963453"/>
+            <a:ext cx="5451475" cy="325701"/>
+          </a:xfrm>
+          <a:prstGeom prst="rect">
+            <a:avLst/>
+          </a:prstGeom>
+        </p:spPr>
+        <p:txBody>
+          <a:bodyPr/>
+          <a:lstStyle>
+            <a:lvl1pPr marL="0" indent="0" algn="l" defTabSz="914400" rtl="0" eaLnBrk="1" latinLnBrk="0" hangingPunct="1">
+              <a:lnSpc>
+                <a:spcPct val="90000"/>
+              </a:lnSpc>
+              <a:spcBef>
+                <a:spcPts val="1000"/>
+              </a:spcBef>
+              <a:buFont typeface="Arial" panose="020B0604020202020204" pitchFamily="34" charset="0"/>
+              <a:buNone/>
+              <a:defRPr sz="1600" kern="1200">
+                <a:solidFill>
+                  <a:schemeClr val="tx1"/>
+                </a:solidFill>
+                <a:latin typeface="+mn-lt"/>
+                <a:ea typeface="+mn-ea"/>
+                <a:cs typeface="+mn-cs"/>
+              </a:defRPr>
+            </a:lvl1pPr>
+            <a:lvl2pPr marL="685800" indent="-228600" algn="l" defTabSz="914400" rtl="0" eaLnBrk="1" latinLnBrk="0" hangingPunct="1">
+              <a:lnSpc>
+                <a:spcPct val="90000"/>
+              </a:lnSpc>
+              <a:spcBef>
+                <a:spcPts val="500"/>
+              </a:spcBef>
+              <a:buFont typeface="Arial" panose="020B0604020202020204" pitchFamily="34" charset="0"/>
+              <a:buChar char="•"/>
+              <a:defRPr sz="2400" kern="1200">
+                <a:solidFill>
+                  <a:schemeClr val="tx1"/>
+                </a:solidFill>
+                <a:latin typeface="+mn-lt"/>
+                <a:ea typeface="+mn-ea"/>
+                <a:cs typeface="+mn-cs"/>
+              </a:defRPr>
+            </a:lvl2pPr>
+            <a:lvl3pPr marL="1143000" indent="-228600" algn="l" defTabSz="914400" rtl="0" eaLnBrk="1" latinLnBrk="0" hangingPunct="1">
+              <a:lnSpc>
+                <a:spcPct val="90000"/>
+              </a:lnSpc>
+              <a:spcBef>
+                <a:spcPts val="500"/>
+              </a:spcBef>
+              <a:buFont typeface="Arial" panose="020B0604020202020204" pitchFamily="34" charset="0"/>
+              <a:buChar char="•"/>
+              <a:defRPr sz="2000" kern="1200">
+                <a:solidFill>
+                  <a:schemeClr val="tx1"/>
+                </a:solidFill>
+                <a:latin typeface="+mn-lt"/>
+                <a:ea typeface="+mn-ea"/>
+                <a:cs typeface="+mn-cs"/>
+              </a:defRPr>
+            </a:lvl3pPr>
+            <a:lvl4pPr marL="1600200" indent="-228600" algn="l" defTabSz="914400" rtl="0" eaLnBrk="1" latinLnBrk="0" hangingPunct="1">
+              <a:lnSpc>
+                <a:spcPct val="90000"/>
+              </a:lnSpc>
+              <a:spcBef>
+                <a:spcPts val="500"/>
+              </a:spcBef>
+              <a:buFont typeface="Arial" panose="020B0604020202020204" pitchFamily="34" charset="0"/>
+              <a:buChar char="•"/>
+              <a:defRPr sz="1800" kern="1200">
+                <a:solidFill>
+                  <a:schemeClr val="tx1"/>
+                </a:solidFill>
+                <a:latin typeface="+mn-lt"/>
+                <a:ea typeface="+mn-ea"/>
+                <a:cs typeface="+mn-cs"/>
+              </a:defRPr>
+            </a:lvl4pPr>
+            <a:lvl5pPr marL="2057400" indent="-228600" algn="l" defTabSz="914400" rtl="0" eaLnBrk="1" latinLnBrk="0" hangingPunct="1">
+              <a:lnSpc>
+                <a:spcPct val="90000"/>
+              </a:lnSpc>
+              <a:spcBef>
+                <a:spcPts val="500"/>
+              </a:spcBef>
+              <a:buFont typeface="Arial" panose="020B0604020202020204" pitchFamily="34" charset="0"/>
+              <a:buChar char="•"/>
+              <a:defRPr sz="1800" kern="1200">
+                <a:solidFill>
+                  <a:schemeClr val="tx1"/>
+                </a:solidFill>
+                <a:latin typeface="+mn-lt"/>
+                <a:ea typeface="+mn-ea"/>
+                <a:cs typeface="+mn-cs"/>
+              </a:defRPr>
+            </a:lvl5pPr>
+            <a:lvl6pPr marL="2514600" indent="-228600" algn="l" defTabSz="914400" rtl="0" eaLnBrk="1" latinLnBrk="0" hangingPunct="1">
+              <a:lnSpc>
+                <a:spcPct val="90000"/>
+              </a:lnSpc>
+              <a:spcBef>
+                <a:spcPts val="500"/>
+              </a:spcBef>
+              <a:buFont typeface="Arial" panose="020B0604020202020204" pitchFamily="34" charset="0"/>
+              <a:buChar char="•"/>
+              <a:defRPr sz="1800" kern="1200">
+                <a:solidFill>
+                  <a:schemeClr val="tx1"/>
+                </a:solidFill>
+                <a:latin typeface="+mn-lt"/>
+                <a:ea typeface="+mn-ea"/>
+                <a:cs typeface="+mn-cs"/>
+              </a:defRPr>
+            </a:lvl6pPr>
+            <a:lvl7pPr marL="2971800" indent="-228600" algn="l" defTabSz="914400" rtl="0" eaLnBrk="1" latinLnBrk="0" hangingPunct="1">
+              <a:lnSpc>
+                <a:spcPct val="90000"/>
+              </a:lnSpc>
+              <a:spcBef>
+                <a:spcPts val="500"/>
+              </a:spcBef>
+              <a:buFont typeface="Arial" panose="020B0604020202020204" pitchFamily="34" charset="0"/>
+              <a:buChar char="•"/>
+              <a:defRPr sz="1800" kern="1200">
+                <a:solidFill>
+                  <a:schemeClr val="tx1"/>
+                </a:solidFill>
+                <a:latin typeface="+mn-lt"/>
+                <a:ea typeface="+mn-ea"/>
+                <a:cs typeface="+mn-cs"/>
+              </a:defRPr>
+            </a:lvl7pPr>
+            <a:lvl8pPr marL="3429000" indent="-228600" algn="l" defTabSz="914400" rtl="0" eaLnBrk="1" latinLnBrk="0" hangingPunct="1">
+              <a:lnSpc>
+                <a:spcPct val="90000"/>
+              </a:lnSpc>
+              <a:spcBef>
+                <a:spcPts val="500"/>
+              </a:spcBef>
+              <a:buFont typeface="Arial" panose="020B0604020202020204" pitchFamily="34" charset="0"/>
+              <a:buChar char="•"/>
+              <a:defRPr sz="1800" kern="1200">
+                <a:solidFill>
+                  <a:schemeClr val="tx1"/>
+                </a:solidFill>
+                <a:latin typeface="+mn-lt"/>
+                <a:ea typeface="+mn-ea"/>
+                <a:cs typeface="+mn-cs"/>
+              </a:defRPr>
+            </a:lvl8pPr>
+            <a:lvl9pPr marL="3886200" indent="-228600" algn="l" defTabSz="914400" rtl="0" eaLnBrk="1" latinLnBrk="0" hangingPunct="1">
+              <a:lnSpc>
+                <a:spcPct val="90000"/>
+              </a:lnSpc>
+              <a:spcBef>
+                <a:spcPts val="500"/>
+              </a:spcBef>
+              <a:buFont typeface="Arial" panose="020B0604020202020204" pitchFamily="34" charset="0"/>
+              <a:buChar char="•"/>
+              <a:defRPr sz="1800" kern="1200">
+                <a:solidFill>
+                  <a:schemeClr val="tx1"/>
+                </a:solidFill>
+                <a:latin typeface="+mn-lt"/>
+                <a:ea typeface="+mn-ea"/>
+                <a:cs typeface="+mn-cs"/>
+              </a:defRPr>
+            </a:lvl9pPr>
+          </a:lstStyle>
+          <a:p>
+            <a:r>
+              <a:rPr lang="fr-FR" dirty="0"/>
+              <a:t>II. ADCS Architecture</a:t>
+            </a:r>
+          </a:p>
+        </p:txBody>
+      </p:sp>
+    </p:spTree>
+  </p:cSld>
+  <p:clrMapOvr>
+    <a:masterClrMapping/>
+  </p:clrMapOvr>
+</p:sld>
+</file>
+
+<file path=ppt/slides/slide4.xml><?xml version="1.0" encoding="utf-8"?>
+<p:sld xmlns:a="http://schemas.openxmlformats.org/drawingml/2006/main" xmlns:r="http://schemas.openxmlformats.org/officeDocument/2006/relationships" xmlns:p="http://schemas.openxmlformats.org/presentationml/2006/main">
+  <p:cSld>
+    <p:spTree>
+      <p:nvGrpSpPr>
+        <p:cNvPr id="1" name="Shape 80"/>
+        <p:cNvGrpSpPr/>
+        <p:nvPr/>
+      </p:nvGrpSpPr>
+      <p:grpSpPr>
+        <a:xfrm>
+          <a:off x="0" y="0"/>
+          <a:ext cx="0" cy="0"/>
+          <a:chOff x="0" y="0"/>
+          <a:chExt cx="0" cy="0"/>
+        </a:xfrm>
+      </p:grpSpPr>
+      <p:sp>
+        <p:nvSpPr>
+          <p:cNvPr id="81" name="Google Shape;81;p15"/>
+          <p:cNvSpPr/>
+          <p:nvPr/>
+        </p:nvSpPr>
+        <p:spPr>
+          <a:xfrm>
+            <a:off x="631200" y="1634933"/>
+            <a:ext cx="4809200" cy="2010000"/>
+          </a:xfrm>
+          <a:prstGeom prst="roundRect">
+            <a:avLst>
+              <a:gd name="adj" fmla="val 16667"/>
+            </a:avLst>
+          </a:prstGeom>
+          <a:noFill/>
+          <a:ln w="9525" cap="flat" cmpd="sng">
+            <a:solidFill>
+              <a:srgbClr val="274E13"/>
+            </a:solidFill>
+            <a:prstDash val="solid"/>
+            <a:round/>
+            <a:headEnd type="none" w="sm" len="sm"/>
+            <a:tailEnd type="none" w="sm" len="sm"/>
+          </a:ln>
+          <a:effectLst>
+            <a:outerShdw blurRad="57150" dist="19050" dir="5400000" algn="bl" rotWithShape="0">
+              <a:srgbClr val="000000">
+                <a:alpha val="50000"/>
+              </a:srgbClr>
+            </a:outerShdw>
+          </a:effectLst>
+        </p:spPr>
+        <p:txBody>
+          <a:bodyPr spcFirstLastPara="1" wrap="square" lIns="121900" tIns="121900" rIns="121900" bIns="121900" anchor="ctr" anchorCtr="0">
+            <a:noAutofit/>
+          </a:bodyPr>
+          <a:lstStyle/>
+          <a:p>
+            <a:endParaRPr sz="2400"/>
+          </a:p>
+        </p:txBody>
+      </p:sp>
+      <p:sp>
+        <p:nvSpPr>
+          <p:cNvPr id="82" name="Google Shape;82;p15"/>
+          <p:cNvSpPr txBox="1">
+            <a:spLocks noGrp="1"/>
+          </p:cNvSpPr>
+          <p:nvPr>
+            <p:ph type="ctrTitle"/>
+          </p:nvPr>
+        </p:nvSpPr>
+        <p:spPr>
+          <a:prstGeom prst="rect">
+            <a:avLst/>
+          </a:prstGeom>
+        </p:spPr>
+        <p:txBody>
+          <a:bodyPr spcFirstLastPara="1" wrap="square" lIns="121900" tIns="121900" rIns="121900" bIns="121900" anchor="t" anchorCtr="0">
+            <a:noAutofit/>
+          </a:bodyPr>
+          <a:lstStyle/>
+          <a:p>
+            <a:pPr algn="ctr"/>
+            <a:r>
+              <a:rPr lang="ca" dirty="0"/>
+              <a:t>A</a:t>
+            </a:r>
+            <a:r>
+              <a:rPr lang="fr-FR" dirty="0"/>
+              <a:t>D</a:t>
+            </a:r>
+            <a:r>
+              <a:rPr lang="ca" dirty="0"/>
+              <a:t>CS architecture</a:t>
+            </a:r>
+            <a:endParaRPr dirty="0"/>
+          </a:p>
+        </p:txBody>
+      </p:sp>
+      <p:sp>
+        <p:nvSpPr>
+          <p:cNvPr id="84" name="Google Shape;84;p15"/>
+          <p:cNvSpPr txBox="1">
+            <a:spLocks noGrp="1"/>
+          </p:cNvSpPr>
+          <p:nvPr>
+            <p:ph type="subTitle" idx="1"/>
+          </p:nvPr>
+        </p:nvSpPr>
+        <p:spPr>
+          <a:xfrm>
+            <a:off x="358664" y="1676208"/>
+            <a:ext cx="5252672" cy="669925"/>
+          </a:xfrm>
+          <a:prstGeom prst="rect">
+            <a:avLst/>
+          </a:prstGeom>
+        </p:spPr>
+        <p:txBody>
+          <a:bodyPr spcFirstLastPara="1" wrap="square" lIns="121900" tIns="121900" rIns="121900" bIns="121900" anchor="t" anchorCtr="0">
+            <a:noAutofit/>
+          </a:bodyPr>
+          <a:lstStyle/>
+          <a:p>
+            <a:pPr marL="0" indent="0" algn="ctr">
+              <a:spcAft>
+                <a:spcPts val="2133"/>
+              </a:spcAft>
+              <a:buNone/>
+            </a:pPr>
+            <a:r>
+              <a:rPr lang="ca" dirty="0"/>
+              <a:t>3-axis Magnetorquer</a:t>
+            </a:r>
+            <a:endParaRPr sz="1867" b="1" dirty="0"/>
+          </a:p>
+        </p:txBody>
+      </p:sp>
+      <p:sp>
+        <p:nvSpPr>
+          <p:cNvPr id="83" name="Google Shape;83;p15"/>
+          <p:cNvSpPr txBox="1">
+            <a:spLocks noGrp="1"/>
+          </p:cNvSpPr>
+          <p:nvPr>
+            <p:ph type="body" sz="quarter" idx="13"/>
+          </p:nvPr>
+        </p:nvSpPr>
+        <p:spPr>
+          <a:xfrm>
+            <a:off x="187728" y="944323"/>
+            <a:ext cx="5451475" cy="690610"/>
+          </a:xfrm>
+          <a:prstGeom prst="rect">
+            <a:avLst/>
+          </a:prstGeom>
+        </p:spPr>
+        <p:txBody>
+          <a:bodyPr spcFirstLastPara="1" wrap="square" lIns="121900" tIns="121900" rIns="121900" bIns="121900" anchor="t" anchorCtr="0">
+            <a:noAutofit/>
+          </a:bodyPr>
+          <a:lstStyle/>
+          <a:p>
+            <a:pPr marL="0" indent="0" algn="ctr">
+              <a:spcAft>
+                <a:spcPts val="2133"/>
+              </a:spcAft>
+              <a:buNone/>
+            </a:pPr>
+            <a:r>
+              <a:rPr lang="ca" sz="3200" u="sng" dirty="0">
+                <a:solidFill>
+                  <a:srgbClr val="38761D"/>
+                </a:solidFill>
+              </a:rPr>
+              <a:t>Actuators</a:t>
+            </a:r>
+            <a:endParaRPr sz="3200" u="sng" dirty="0">
+              <a:solidFill>
+                <a:srgbClr val="38761D"/>
+              </a:solidFill>
+            </a:endParaRPr>
+          </a:p>
+        </p:txBody>
+      </p:sp>
+      <p:sp>
+        <p:nvSpPr>
+          <p:cNvPr id="85" name="Google Shape;85;p15"/>
+          <p:cNvSpPr txBox="1">
+            <a:spLocks noGrp="1"/>
+          </p:cNvSpPr>
+          <p:nvPr>
+            <p:ph type="body" idx="4294967295"/>
+          </p:nvPr>
+        </p:nvSpPr>
+        <p:spPr>
+          <a:xfrm>
+            <a:off x="529931" y="2873892"/>
+            <a:ext cx="4910138" cy="669925"/>
+          </a:xfrm>
+          <a:prstGeom prst="rect">
+            <a:avLst/>
+          </a:prstGeom>
+        </p:spPr>
+        <p:txBody>
+          <a:bodyPr spcFirstLastPara="1" wrap="square" lIns="121900" tIns="121900" rIns="121900" bIns="121900" anchor="t" anchorCtr="0">
+            <a:noAutofit/>
+          </a:bodyPr>
+          <a:lstStyle/>
+          <a:p>
+            <a:pPr marL="0" indent="0" algn="ctr">
+              <a:spcAft>
+                <a:spcPts val="2133"/>
+              </a:spcAft>
+              <a:buNone/>
+            </a:pPr>
+            <a:r>
+              <a:rPr lang="ca" dirty="0"/>
+              <a:t>1 Momentum wheel  </a:t>
+            </a:r>
+            <a:endParaRPr sz="1867" b="1" dirty="0"/>
+          </a:p>
+        </p:txBody>
+      </p:sp>
+      <p:sp>
+        <p:nvSpPr>
+          <p:cNvPr id="87" name="Google Shape;87;p15"/>
+          <p:cNvSpPr txBox="1">
+            <a:spLocks noGrp="1"/>
+          </p:cNvSpPr>
+          <p:nvPr>
+            <p:ph type="body" idx="4294967295"/>
+          </p:nvPr>
+        </p:nvSpPr>
+        <p:spPr>
+          <a:xfrm>
+            <a:off x="6056879" y="689847"/>
+            <a:ext cx="6382404" cy="6268640"/>
+          </a:xfrm>
+          <a:prstGeom prst="rect">
+            <a:avLst/>
+          </a:prstGeom>
+        </p:spPr>
+        <p:txBody>
+          <a:bodyPr spcFirstLastPara="1" wrap="square" lIns="121900" tIns="121900" rIns="121900" bIns="121900" anchor="t" anchorCtr="0">
+            <a:noAutofit/>
+          </a:bodyPr>
+          <a:lstStyle/>
+          <a:p>
+            <a:pPr>
+              <a:lnSpc>
+                <a:spcPct val="150000"/>
+              </a:lnSpc>
+            </a:pPr>
+            <a:r>
+              <a:rPr lang="ca" dirty="0"/>
+              <a:t>MTB: </a:t>
+            </a:r>
+            <a:endParaRPr dirty="0"/>
+          </a:p>
+          <a:p>
+            <a:pPr lvl="1">
+              <a:lnSpc>
+                <a:spcPct val="150000"/>
+              </a:lnSpc>
+              <a:spcBef>
+                <a:spcPts val="0"/>
+              </a:spcBef>
+            </a:pPr>
+            <a:r>
+              <a:rPr lang="ca" dirty="0"/>
+              <a:t>Detumbling (Bdot) and wheel dampening</a:t>
+            </a:r>
+            <a:endParaRPr dirty="0"/>
+          </a:p>
+          <a:p>
+            <a:pPr marL="0" indent="0">
+              <a:lnSpc>
+                <a:spcPct val="150000"/>
+              </a:lnSpc>
+              <a:spcBef>
+                <a:spcPts val="2133"/>
+              </a:spcBef>
+              <a:buNone/>
+            </a:pPr>
+            <a:endParaRPr dirty="0"/>
+          </a:p>
+          <a:p>
+            <a:pPr marL="0" indent="0">
+              <a:lnSpc>
+                <a:spcPct val="150000"/>
+              </a:lnSpc>
+              <a:spcBef>
+                <a:spcPts val="2133"/>
+              </a:spcBef>
+              <a:buNone/>
+            </a:pPr>
+            <a:endParaRPr sz="800" dirty="0"/>
+          </a:p>
+          <a:p>
+            <a:pPr>
+              <a:lnSpc>
+                <a:spcPct val="150000"/>
+              </a:lnSpc>
+              <a:spcBef>
+                <a:spcPts val="2133"/>
+              </a:spcBef>
+            </a:pPr>
+            <a:r>
+              <a:rPr lang="ca" dirty="0"/>
+              <a:t>Momentum wheel:</a:t>
+            </a:r>
+            <a:endParaRPr dirty="0"/>
+          </a:p>
+          <a:p>
+            <a:pPr lvl="1">
+              <a:lnSpc>
+                <a:spcPct val="150000"/>
+              </a:lnSpc>
+              <a:spcBef>
+                <a:spcPts val="0"/>
+              </a:spcBef>
+            </a:pPr>
+            <a:r>
+              <a:rPr lang="ca" dirty="0"/>
+              <a:t>Spin stabilization around pitch axis</a:t>
+            </a:r>
+            <a:endParaRPr dirty="0"/>
+          </a:p>
+          <a:p>
+            <a:pPr>
+              <a:lnSpc>
+                <a:spcPct val="150000"/>
+              </a:lnSpc>
+            </a:pPr>
+            <a:r>
+              <a:rPr lang="ca" dirty="0"/>
+              <a:t>Gravity gradient torque:</a:t>
+            </a:r>
+            <a:endParaRPr dirty="0"/>
+          </a:p>
+          <a:p>
+            <a:pPr lvl="1">
+              <a:lnSpc>
+                <a:spcPct val="150000"/>
+              </a:lnSpc>
+              <a:spcBef>
+                <a:spcPts val="0"/>
+              </a:spcBef>
+            </a:pPr>
+            <a:r>
+              <a:rPr lang="ca" dirty="0"/>
+              <a:t>I</a:t>
+            </a:r>
+            <a:r>
+              <a:rPr lang="ca" sz="1333" dirty="0"/>
+              <a:t>yy</a:t>
+            </a:r>
+            <a:r>
+              <a:rPr lang="ca" dirty="0"/>
+              <a:t> (pitch) &gt; I</a:t>
+            </a:r>
+            <a:r>
+              <a:rPr lang="ca" sz="1333" dirty="0"/>
+              <a:t>xx</a:t>
+            </a:r>
+            <a:r>
+              <a:rPr lang="ca" dirty="0"/>
+              <a:t> (roll)  &gt; I</a:t>
+            </a:r>
+            <a:r>
+              <a:rPr lang="ca" sz="1333" dirty="0"/>
+              <a:t>zz</a:t>
+            </a:r>
+            <a:r>
+              <a:rPr lang="ca" dirty="0"/>
+              <a:t> (yaw)</a:t>
+            </a:r>
+            <a:endParaRPr dirty="0"/>
+          </a:p>
+        </p:txBody>
+      </p:sp>
+      <p:sp>
+        <p:nvSpPr>
+          <p:cNvPr id="86" name="Google Shape;86;p15"/>
+          <p:cNvSpPr/>
+          <p:nvPr/>
+        </p:nvSpPr>
+        <p:spPr>
+          <a:xfrm>
+            <a:off x="2697200" y="2448967"/>
+            <a:ext cx="575600" cy="582400"/>
+          </a:xfrm>
+          <a:prstGeom prst="mathPlus">
+            <a:avLst>
+              <a:gd name="adj1" fmla="val 23520"/>
+            </a:avLst>
+          </a:prstGeom>
+          <a:solidFill>
+            <a:srgbClr val="93C47D"/>
+          </a:solidFill>
+          <a:ln w="9525" cap="flat" cmpd="sng">
+            <a:solidFill>
+              <a:srgbClr val="38761D"/>
+            </a:solidFill>
+            <a:prstDash val="solid"/>
+            <a:round/>
+            <a:headEnd type="none" w="sm" len="sm"/>
+            <a:tailEnd type="none" w="sm" len="sm"/>
+          </a:ln>
+        </p:spPr>
+        <p:txBody>
+          <a:bodyPr spcFirstLastPara="1" wrap="square" lIns="121900" tIns="121900" rIns="121900" bIns="121900" anchor="ctr" anchorCtr="0">
+            <a:noAutofit/>
+          </a:bodyPr>
+          <a:lstStyle/>
+          <a:p>
+            <a:endParaRPr sz="2400">
+              <a:solidFill>
+                <a:srgbClr val="FF0000"/>
+              </a:solidFill>
+              <a:highlight>
+                <a:srgbClr val="FF9900"/>
+              </a:highlight>
+            </a:endParaRPr>
+          </a:p>
+        </p:txBody>
+      </p:sp>
+      <p:pic>
+        <p:nvPicPr>
+          <p:cNvPr id="88" name="Google Shape;88;p15"/>
+          <p:cNvPicPr preferRelativeResize="0"/>
+          <p:nvPr/>
+        </p:nvPicPr>
+        <p:blipFill rotWithShape="1">
+          <a:blip r:embed="rId3">
+            <a:alphaModFix/>
+          </a:blip>
+          <a:srcRect t="5986" b="7132"/>
+          <a:stretch/>
+        </p:blipFill>
+        <p:spPr>
+          <a:xfrm>
+            <a:off x="7859994" y="2346133"/>
+            <a:ext cx="2776175" cy="1082867"/>
+          </a:xfrm>
+          <a:prstGeom prst="rect">
+            <a:avLst/>
+          </a:prstGeom>
+          <a:noFill/>
+          <a:ln>
+            <a:noFill/>
+          </a:ln>
+        </p:spPr>
+      </p:pic>
+      <p:pic>
+        <p:nvPicPr>
+          <p:cNvPr id="89" name="Google Shape;89;p15"/>
+          <p:cNvPicPr preferRelativeResize="0"/>
+          <p:nvPr/>
+        </p:nvPicPr>
+        <p:blipFill>
+          <a:blip r:embed="rId4">
+            <a:alphaModFix/>
+          </a:blip>
+          <a:stretch>
+            <a:fillRect/>
+          </a:stretch>
+        </p:blipFill>
+        <p:spPr>
+          <a:xfrm>
+            <a:off x="2115004" y="3747767"/>
+            <a:ext cx="2816754" cy="2466700"/>
+          </a:xfrm>
+          <a:prstGeom prst="rect">
+            <a:avLst/>
+          </a:prstGeom>
+          <a:noFill/>
+          <a:ln>
+            <a:noFill/>
+          </a:ln>
+        </p:spPr>
+      </p:pic>
+      <p:sp>
+        <p:nvSpPr>
+          <p:cNvPr id="13" name="Text Placeholder 2">
+            <a:extLst>
+              <a:ext uri="{FF2B5EF4-FFF2-40B4-BE49-F238E27FC236}">
+                <a16:creationId xmlns:a16="http://schemas.microsoft.com/office/drawing/2014/main" id="{582BE651-5161-4F24-BAC1-CF507F4B3247}"/>
+              </a:ext>
+            </a:extLst>
+          </p:cNvPr>
+          <p:cNvSpPr txBox="1">
+            <a:spLocks/>
+          </p:cNvSpPr>
+          <p:nvPr/>
+        </p:nvSpPr>
+        <p:spPr>
+          <a:xfrm>
+            <a:off x="166529" y="5963453"/>
+            <a:ext cx="5451475" cy="325701"/>
+          </a:xfrm>
+          <a:prstGeom prst="rect">
+            <a:avLst/>
+          </a:prstGeom>
+        </p:spPr>
+        <p:txBody>
+          <a:bodyPr/>
+          <a:lstStyle>
+            <a:lvl1pPr marL="0" indent="0" algn="l" defTabSz="914400" rtl="0" eaLnBrk="1" latinLnBrk="0" hangingPunct="1">
+              <a:lnSpc>
+                <a:spcPct val="90000"/>
+              </a:lnSpc>
+              <a:spcBef>
+                <a:spcPts val="1000"/>
+              </a:spcBef>
+              <a:buFont typeface="Arial" panose="020B0604020202020204" pitchFamily="34" charset="0"/>
+              <a:buNone/>
+              <a:defRPr sz="1600" kern="1200">
+                <a:solidFill>
+                  <a:schemeClr val="tx1"/>
+                </a:solidFill>
+                <a:latin typeface="+mn-lt"/>
+                <a:ea typeface="+mn-ea"/>
+                <a:cs typeface="+mn-cs"/>
+              </a:defRPr>
+            </a:lvl1pPr>
+            <a:lvl2pPr marL="685800" indent="-228600" algn="l" defTabSz="914400" rtl="0" eaLnBrk="1" latinLnBrk="0" hangingPunct="1">
+              <a:lnSpc>
+                <a:spcPct val="90000"/>
+              </a:lnSpc>
+              <a:spcBef>
+                <a:spcPts val="500"/>
+              </a:spcBef>
+              <a:buFont typeface="Arial" panose="020B0604020202020204" pitchFamily="34" charset="0"/>
+              <a:buChar char="•"/>
+              <a:defRPr sz="2400" kern="1200">
+                <a:solidFill>
+                  <a:schemeClr val="tx1"/>
+                </a:solidFill>
+                <a:latin typeface="+mn-lt"/>
+                <a:ea typeface="+mn-ea"/>
+                <a:cs typeface="+mn-cs"/>
+              </a:defRPr>
+            </a:lvl2pPr>
+            <a:lvl3pPr marL="1143000" indent="-228600" algn="l" defTabSz="914400" rtl="0" eaLnBrk="1" latinLnBrk="0" hangingPunct="1">
+              <a:lnSpc>
+                <a:spcPct val="90000"/>
+              </a:lnSpc>
+              <a:spcBef>
+                <a:spcPts val="500"/>
+              </a:spcBef>
+              <a:buFont typeface="Arial" panose="020B0604020202020204" pitchFamily="34" charset="0"/>
+              <a:buChar char="•"/>
+              <a:defRPr sz="2000" kern="1200">
+                <a:solidFill>
+                  <a:schemeClr val="tx1"/>
+                </a:solidFill>
+                <a:latin typeface="+mn-lt"/>
+                <a:ea typeface="+mn-ea"/>
+                <a:cs typeface="+mn-cs"/>
+              </a:defRPr>
+            </a:lvl3pPr>
+            <a:lvl4pPr marL="1600200" indent="-228600" algn="l" defTabSz="914400" rtl="0" eaLnBrk="1" latinLnBrk="0" hangingPunct="1">
+              <a:lnSpc>
+                <a:spcPct val="90000"/>
+              </a:lnSpc>
+              <a:spcBef>
+                <a:spcPts val="500"/>
+              </a:spcBef>
+              <a:buFont typeface="Arial" panose="020B0604020202020204" pitchFamily="34" charset="0"/>
+              <a:buChar char="•"/>
+              <a:defRPr sz="1800" kern="1200">
+                <a:solidFill>
+                  <a:schemeClr val="tx1"/>
+                </a:solidFill>
+                <a:latin typeface="+mn-lt"/>
+                <a:ea typeface="+mn-ea"/>
+                <a:cs typeface="+mn-cs"/>
+              </a:defRPr>
+            </a:lvl4pPr>
+            <a:lvl5pPr marL="2057400" indent="-228600" algn="l" defTabSz="914400" rtl="0" eaLnBrk="1" latinLnBrk="0" hangingPunct="1">
+              <a:lnSpc>
+                <a:spcPct val="90000"/>
+              </a:lnSpc>
+              <a:spcBef>
+                <a:spcPts val="500"/>
+              </a:spcBef>
+              <a:buFont typeface="Arial" panose="020B0604020202020204" pitchFamily="34" charset="0"/>
+              <a:buChar char="•"/>
+              <a:defRPr sz="1800" kern="1200">
+                <a:solidFill>
+                  <a:schemeClr val="tx1"/>
+                </a:solidFill>
+                <a:latin typeface="+mn-lt"/>
+                <a:ea typeface="+mn-ea"/>
+                <a:cs typeface="+mn-cs"/>
+              </a:defRPr>
+            </a:lvl5pPr>
+            <a:lvl6pPr marL="2514600" indent="-228600" algn="l" defTabSz="914400" rtl="0" eaLnBrk="1" latinLnBrk="0" hangingPunct="1">
+              <a:lnSpc>
+                <a:spcPct val="90000"/>
+              </a:lnSpc>
+              <a:spcBef>
+                <a:spcPts val="500"/>
+              </a:spcBef>
+              <a:buFont typeface="Arial" panose="020B0604020202020204" pitchFamily="34" charset="0"/>
+              <a:buChar char="•"/>
+              <a:defRPr sz="1800" kern="1200">
+                <a:solidFill>
+                  <a:schemeClr val="tx1"/>
+                </a:solidFill>
+                <a:latin typeface="+mn-lt"/>
+                <a:ea typeface="+mn-ea"/>
+                <a:cs typeface="+mn-cs"/>
+              </a:defRPr>
+            </a:lvl6pPr>
+            <a:lvl7pPr marL="2971800" indent="-228600" algn="l" defTabSz="914400" rtl="0" eaLnBrk="1" latinLnBrk="0" hangingPunct="1">
+              <a:lnSpc>
+                <a:spcPct val="90000"/>
+              </a:lnSpc>
+              <a:spcBef>
+                <a:spcPts val="500"/>
+              </a:spcBef>
+              <a:buFont typeface="Arial" panose="020B0604020202020204" pitchFamily="34" charset="0"/>
+              <a:buChar char="•"/>
+              <a:defRPr sz="1800" kern="1200">
+                <a:solidFill>
+                  <a:schemeClr val="tx1"/>
+                </a:solidFill>
+                <a:latin typeface="+mn-lt"/>
+                <a:ea typeface="+mn-ea"/>
+                <a:cs typeface="+mn-cs"/>
+              </a:defRPr>
+            </a:lvl7pPr>
+            <a:lvl8pPr marL="3429000" indent="-228600" algn="l" defTabSz="914400" rtl="0" eaLnBrk="1" latinLnBrk="0" hangingPunct="1">
+              <a:lnSpc>
+                <a:spcPct val="90000"/>
+              </a:lnSpc>
+              <a:spcBef>
+                <a:spcPts val="500"/>
+              </a:spcBef>
+              <a:buFont typeface="Arial" panose="020B0604020202020204" pitchFamily="34" charset="0"/>
+              <a:buChar char="•"/>
+              <a:defRPr sz="1800" kern="1200">
+                <a:solidFill>
+                  <a:schemeClr val="tx1"/>
+                </a:solidFill>
+                <a:latin typeface="+mn-lt"/>
+                <a:ea typeface="+mn-ea"/>
+                <a:cs typeface="+mn-cs"/>
+              </a:defRPr>
+            </a:lvl8pPr>
+            <a:lvl9pPr marL="3886200" indent="-228600" algn="l" defTabSz="914400" rtl="0" eaLnBrk="1" latinLnBrk="0" hangingPunct="1">
+              <a:lnSpc>
+                <a:spcPct val="90000"/>
+              </a:lnSpc>
+              <a:spcBef>
+                <a:spcPts val="500"/>
+              </a:spcBef>
+              <a:buFont typeface="Arial" panose="020B0604020202020204" pitchFamily="34" charset="0"/>
+              <a:buChar char="•"/>
+              <a:defRPr sz="1800" kern="1200">
+                <a:solidFill>
+                  <a:schemeClr val="tx1"/>
+                </a:solidFill>
+                <a:latin typeface="+mn-lt"/>
+                <a:ea typeface="+mn-ea"/>
+                <a:cs typeface="+mn-cs"/>
+              </a:defRPr>
+            </a:lvl9pPr>
+          </a:lstStyle>
+          <a:p>
+            <a:r>
+              <a:rPr lang="fr-FR" dirty="0"/>
+              <a:t>II. ADCS Architecture</a:t>
+            </a:r>
+          </a:p>
+        </p:txBody>
+      </p:sp>
+    </p:spTree>
+  </p:cSld>
+  <p:clrMapOvr>
+    <a:masterClrMapping/>
+  </p:clrMapOvr>
+</p:sld>
+</file>
+
+<file path=ppt/slides/slide5.xml><?xml version="1.0" encoding="utf-8"?>
+<p:sld xmlns:a="http://schemas.openxmlformats.org/drawingml/2006/main" xmlns:r="http://schemas.openxmlformats.org/officeDocument/2006/relationships" xmlns:p="http://schemas.openxmlformats.org/presentationml/2006/main">
+  <p:cSld>
+    <p:spTree>
+      <p:nvGrpSpPr>
+        <p:cNvPr id="1" name="Shape 99"/>
+        <p:cNvGrpSpPr/>
+        <p:nvPr/>
+      </p:nvGrpSpPr>
+      <p:grpSpPr>
+        <a:xfrm>
+          <a:off x="0" y="0"/>
+          <a:ext cx="0" cy="0"/>
+          <a:chOff x="0" y="0"/>
+          <a:chExt cx="0" cy="0"/>
+        </a:xfrm>
+      </p:grpSpPr>
+      <p:pic>
+        <p:nvPicPr>
+          <p:cNvPr id="100" name="Google Shape;100;p17"/>
+          <p:cNvPicPr preferRelativeResize="0"/>
+          <p:nvPr/>
+        </p:nvPicPr>
+        <p:blipFill>
+          <a:blip r:embed="rId3">
+            <a:alphaModFix/>
+          </a:blip>
+          <a:stretch>
+            <a:fillRect/>
+          </a:stretch>
+        </p:blipFill>
+        <p:spPr>
+          <a:xfrm>
+            <a:off x="5838800" y="2874334"/>
+            <a:ext cx="5712533" cy="1771833"/>
+          </a:xfrm>
+          <a:prstGeom prst="rect">
+            <a:avLst/>
+          </a:prstGeom>
+          <a:noFill/>
+          <a:ln>
+            <a:noFill/>
+          </a:ln>
+        </p:spPr>
+      </p:pic>
+      <p:sp>
+        <p:nvSpPr>
+          <p:cNvPr id="101" name="Google Shape;101;p17"/>
+          <p:cNvSpPr txBox="1">
+            <a:spLocks noGrp="1"/>
+          </p:cNvSpPr>
+          <p:nvPr>
+            <p:ph type="ctrTitle"/>
+          </p:nvPr>
+        </p:nvSpPr>
+        <p:spPr>
+          <a:prstGeom prst="rect">
+            <a:avLst/>
+          </a:prstGeom>
+        </p:spPr>
+        <p:txBody>
+          <a:bodyPr spcFirstLastPara="1" wrap="square" lIns="121900" tIns="121900" rIns="121900" bIns="121900" anchor="t" anchorCtr="0">
+            <a:noAutofit/>
+          </a:bodyPr>
+          <a:lstStyle/>
+          <a:p>
+            <a:pPr algn="ctr"/>
+            <a:r>
+              <a:rPr lang="ca"/>
+              <a:t>Results</a:t>
+            </a:r>
+            <a:endParaRPr/>
+          </a:p>
+        </p:txBody>
+      </p:sp>
+      <p:sp>
+        <p:nvSpPr>
+          <p:cNvPr id="104" name="Google Shape;104;p17"/>
+          <p:cNvSpPr txBox="1">
+            <a:spLocks noGrp="1"/>
+          </p:cNvSpPr>
+          <p:nvPr>
+            <p:ph type="subTitle" idx="1"/>
+          </p:nvPr>
+        </p:nvSpPr>
+        <p:spPr>
+          <a:xfrm>
+            <a:off x="2797763" y="5252036"/>
+            <a:ext cx="6408381" cy="580358"/>
+          </a:xfrm>
+          <a:prstGeom prst="rect">
+            <a:avLst/>
+          </a:prstGeom>
+        </p:spPr>
+        <p:txBody>
+          <a:bodyPr spcFirstLastPara="1" wrap="square" lIns="121900" tIns="121900" rIns="121900" bIns="121900" anchor="t" anchorCtr="0">
+            <a:noAutofit/>
+          </a:bodyPr>
+          <a:lstStyle/>
+          <a:p>
+            <a:pPr marL="0" indent="0" algn="ctr">
+              <a:spcAft>
+                <a:spcPts val="2133"/>
+              </a:spcAft>
+              <a:buNone/>
+            </a:pPr>
+            <a:r>
+              <a:rPr lang="ca" sz="1867" i="1" dirty="0"/>
+              <a:t>Calculation of aerodynamic and gravity gradient torques</a:t>
+            </a:r>
+            <a:endParaRPr sz="1867" i="1" dirty="0"/>
+          </a:p>
+        </p:txBody>
+      </p:sp>
+      <p:sp>
+        <p:nvSpPr>
+          <p:cNvPr id="102" name="Google Shape;102;p17"/>
+          <p:cNvSpPr txBox="1">
+            <a:spLocks noGrp="1"/>
+          </p:cNvSpPr>
+          <p:nvPr>
+            <p:ph type="body" sz="quarter" idx="13"/>
+          </p:nvPr>
+        </p:nvSpPr>
+        <p:spPr>
+          <a:xfrm>
+            <a:off x="2590132" y="939115"/>
+            <a:ext cx="5451475" cy="580358"/>
+          </a:xfrm>
+          <a:prstGeom prst="rect">
+            <a:avLst/>
+          </a:prstGeom>
+        </p:spPr>
+        <p:txBody>
+          <a:bodyPr spcFirstLastPara="1" wrap="square" lIns="121900" tIns="121900" rIns="121900" bIns="121900" anchor="t" anchorCtr="0">
+            <a:noAutofit/>
+          </a:bodyPr>
+          <a:lstStyle/>
+          <a:p>
+            <a:pPr marL="0" indent="0" algn="ctr">
+              <a:spcAft>
+                <a:spcPts val="2133"/>
+              </a:spcAft>
+              <a:buNone/>
+            </a:pPr>
+            <a:r>
+              <a:rPr lang="ca" sz="2400" dirty="0"/>
+              <a:t>Exterior torques</a:t>
+            </a:r>
+            <a:endParaRPr sz="2400" dirty="0"/>
+          </a:p>
+        </p:txBody>
+      </p:sp>
+      <p:pic>
+        <p:nvPicPr>
+          <p:cNvPr id="103" name="Google Shape;103;p17"/>
+          <p:cNvPicPr preferRelativeResize="0"/>
+          <p:nvPr/>
+        </p:nvPicPr>
+        <p:blipFill>
+          <a:blip r:embed="rId4">
+            <a:alphaModFix/>
+          </a:blip>
+          <a:stretch>
+            <a:fillRect/>
+          </a:stretch>
+        </p:blipFill>
+        <p:spPr>
+          <a:xfrm>
+            <a:off x="534568" y="2419151"/>
+            <a:ext cx="5081001" cy="2682200"/>
+          </a:xfrm>
+          <a:prstGeom prst="rect">
+            <a:avLst/>
+          </a:prstGeom>
+          <a:noFill/>
+          <a:ln>
+            <a:noFill/>
+          </a:ln>
+        </p:spPr>
+      </p:pic>
+      <p:sp>
+        <p:nvSpPr>
+          <p:cNvPr id="7" name="Text Placeholder 2">
+            <a:extLst>
+              <a:ext uri="{FF2B5EF4-FFF2-40B4-BE49-F238E27FC236}">
+                <a16:creationId xmlns:a16="http://schemas.microsoft.com/office/drawing/2014/main" id="{3D45884F-C728-4559-884B-DE1735950893}"/>
+              </a:ext>
+            </a:extLst>
+          </p:cNvPr>
+          <p:cNvSpPr txBox="1">
+            <a:spLocks/>
+          </p:cNvSpPr>
+          <p:nvPr/>
+        </p:nvSpPr>
+        <p:spPr>
+          <a:xfrm>
+            <a:off x="166529" y="5963453"/>
+            <a:ext cx="5451475" cy="325701"/>
+          </a:xfrm>
+          <a:prstGeom prst="rect">
+            <a:avLst/>
+          </a:prstGeom>
+        </p:spPr>
+        <p:txBody>
+          <a:bodyPr/>
+          <a:lstStyle>
+            <a:lvl1pPr marL="0" indent="0" algn="l" defTabSz="914400" rtl="0" eaLnBrk="1" latinLnBrk="0" hangingPunct="1">
+              <a:lnSpc>
+                <a:spcPct val="90000"/>
+              </a:lnSpc>
+              <a:spcBef>
+                <a:spcPts val="1000"/>
+              </a:spcBef>
+              <a:buFont typeface="Arial" panose="020B0604020202020204" pitchFamily="34" charset="0"/>
+              <a:buNone/>
+              <a:defRPr sz="1600" kern="1200">
+                <a:solidFill>
+                  <a:schemeClr val="tx1"/>
+                </a:solidFill>
+                <a:latin typeface="+mn-lt"/>
+                <a:ea typeface="+mn-ea"/>
+                <a:cs typeface="+mn-cs"/>
+              </a:defRPr>
+            </a:lvl1pPr>
+            <a:lvl2pPr marL="685800" indent="-228600" algn="l" defTabSz="914400" rtl="0" eaLnBrk="1" latinLnBrk="0" hangingPunct="1">
+              <a:lnSpc>
+                <a:spcPct val="90000"/>
+              </a:lnSpc>
+              <a:spcBef>
+                <a:spcPts val="500"/>
+              </a:spcBef>
+              <a:buFont typeface="Arial" panose="020B0604020202020204" pitchFamily="34" charset="0"/>
+              <a:buChar char="•"/>
+              <a:defRPr sz="2400" kern="1200">
+                <a:solidFill>
+                  <a:schemeClr val="tx1"/>
+                </a:solidFill>
+                <a:latin typeface="+mn-lt"/>
+                <a:ea typeface="+mn-ea"/>
+                <a:cs typeface="+mn-cs"/>
+              </a:defRPr>
+            </a:lvl2pPr>
+            <a:lvl3pPr marL="1143000" indent="-228600" algn="l" defTabSz="914400" rtl="0" eaLnBrk="1" latinLnBrk="0" hangingPunct="1">
+              <a:lnSpc>
+                <a:spcPct val="90000"/>
+              </a:lnSpc>
+              <a:spcBef>
+                <a:spcPts val="500"/>
+              </a:spcBef>
+              <a:buFont typeface="Arial" panose="020B0604020202020204" pitchFamily="34" charset="0"/>
+              <a:buChar char="•"/>
+              <a:defRPr sz="2000" kern="1200">
+                <a:solidFill>
+                  <a:schemeClr val="tx1"/>
+                </a:solidFill>
+                <a:latin typeface="+mn-lt"/>
+                <a:ea typeface="+mn-ea"/>
+                <a:cs typeface="+mn-cs"/>
+              </a:defRPr>
+            </a:lvl3pPr>
+            <a:lvl4pPr marL="1600200" indent="-228600" algn="l" defTabSz="914400" rtl="0" eaLnBrk="1" latinLnBrk="0" hangingPunct="1">
+              <a:lnSpc>
+                <a:spcPct val="90000"/>
+              </a:lnSpc>
+              <a:spcBef>
+                <a:spcPts val="500"/>
+              </a:spcBef>
+              <a:buFont typeface="Arial" panose="020B0604020202020204" pitchFamily="34" charset="0"/>
+              <a:buChar char="•"/>
+              <a:defRPr sz="1800" kern="1200">
+                <a:solidFill>
+                  <a:schemeClr val="tx1"/>
+                </a:solidFill>
+                <a:latin typeface="+mn-lt"/>
+                <a:ea typeface="+mn-ea"/>
+                <a:cs typeface="+mn-cs"/>
+              </a:defRPr>
+            </a:lvl4pPr>
+            <a:lvl5pPr marL="2057400" indent="-228600" algn="l" defTabSz="914400" rtl="0" eaLnBrk="1" latinLnBrk="0" hangingPunct="1">
+              <a:lnSpc>
+                <a:spcPct val="90000"/>
+              </a:lnSpc>
+              <a:spcBef>
+                <a:spcPts val="500"/>
+              </a:spcBef>
+              <a:buFont typeface="Arial" panose="020B0604020202020204" pitchFamily="34" charset="0"/>
+              <a:buChar char="•"/>
+              <a:defRPr sz="1800" kern="1200">
+                <a:solidFill>
+                  <a:schemeClr val="tx1"/>
+                </a:solidFill>
+                <a:latin typeface="+mn-lt"/>
+                <a:ea typeface="+mn-ea"/>
+                <a:cs typeface="+mn-cs"/>
+              </a:defRPr>
+            </a:lvl5pPr>
+            <a:lvl6pPr marL="2514600" indent="-228600" algn="l" defTabSz="914400" rtl="0" eaLnBrk="1" latinLnBrk="0" hangingPunct="1">
+              <a:lnSpc>
+                <a:spcPct val="90000"/>
+              </a:lnSpc>
+              <a:spcBef>
+                <a:spcPts val="500"/>
+              </a:spcBef>
+              <a:buFont typeface="Arial" panose="020B0604020202020204" pitchFamily="34" charset="0"/>
+              <a:buChar char="•"/>
+              <a:defRPr sz="1800" kern="1200">
+                <a:solidFill>
+                  <a:schemeClr val="tx1"/>
+                </a:solidFill>
+                <a:latin typeface="+mn-lt"/>
+                <a:ea typeface="+mn-ea"/>
+                <a:cs typeface="+mn-cs"/>
+              </a:defRPr>
+            </a:lvl6pPr>
+            <a:lvl7pPr marL="2971800" indent="-228600" algn="l" defTabSz="914400" rtl="0" eaLnBrk="1" latinLnBrk="0" hangingPunct="1">
+              <a:lnSpc>
+                <a:spcPct val="90000"/>
+              </a:lnSpc>
+              <a:spcBef>
+                <a:spcPts val="500"/>
+              </a:spcBef>
+              <a:buFont typeface="Arial" panose="020B0604020202020204" pitchFamily="34" charset="0"/>
+              <a:buChar char="•"/>
+              <a:defRPr sz="1800" kern="1200">
+                <a:solidFill>
+                  <a:schemeClr val="tx1"/>
+                </a:solidFill>
+                <a:latin typeface="+mn-lt"/>
+                <a:ea typeface="+mn-ea"/>
+                <a:cs typeface="+mn-cs"/>
+              </a:defRPr>
+            </a:lvl7pPr>
+            <a:lvl8pPr marL="3429000" indent="-228600" algn="l" defTabSz="914400" rtl="0" eaLnBrk="1" latinLnBrk="0" hangingPunct="1">
+              <a:lnSpc>
+                <a:spcPct val="90000"/>
+              </a:lnSpc>
+              <a:spcBef>
+                <a:spcPts val="500"/>
+              </a:spcBef>
+              <a:buFont typeface="Arial" panose="020B0604020202020204" pitchFamily="34" charset="0"/>
+              <a:buChar char="•"/>
+              <a:defRPr sz="1800" kern="1200">
+                <a:solidFill>
+                  <a:schemeClr val="tx1"/>
+                </a:solidFill>
+                <a:latin typeface="+mn-lt"/>
+                <a:ea typeface="+mn-ea"/>
+                <a:cs typeface="+mn-cs"/>
+              </a:defRPr>
+            </a:lvl8pPr>
+            <a:lvl9pPr marL="3886200" indent="-228600" algn="l" defTabSz="914400" rtl="0" eaLnBrk="1" latinLnBrk="0" hangingPunct="1">
+              <a:lnSpc>
+                <a:spcPct val="90000"/>
+              </a:lnSpc>
+              <a:spcBef>
+                <a:spcPts val="500"/>
+              </a:spcBef>
+              <a:buFont typeface="Arial" panose="020B0604020202020204" pitchFamily="34" charset="0"/>
+              <a:buChar char="•"/>
+              <a:defRPr sz="1800" kern="1200">
+                <a:solidFill>
+                  <a:schemeClr val="tx1"/>
+                </a:solidFill>
+                <a:latin typeface="+mn-lt"/>
+                <a:ea typeface="+mn-ea"/>
+                <a:cs typeface="+mn-cs"/>
+              </a:defRPr>
+            </a:lvl9pPr>
+          </a:lstStyle>
+          <a:p>
+            <a:r>
+              <a:rPr lang="fr-FR" dirty="0"/>
+              <a:t>III. </a:t>
+            </a:r>
+            <a:r>
+              <a:rPr lang="fr-FR" dirty="0" err="1"/>
+              <a:t>Results</a:t>
+            </a:r>
+            <a:endParaRPr lang="fr-FR" dirty="0"/>
+          </a:p>
+        </p:txBody>
+      </p:sp>
+    </p:spTree>
+  </p:cSld>
+  <p:clrMapOvr>
+    <a:masterClrMapping/>
+  </p:clrMapOvr>
+</p:sld>
+</file>
+
+<file path=ppt/slides/slide6.xml><?xml version="1.0" encoding="utf-8"?>
+<p:sld xmlns:a="http://schemas.openxmlformats.org/drawingml/2006/main" xmlns:r="http://schemas.openxmlformats.org/officeDocument/2006/relationships" xmlns:p="http://schemas.openxmlformats.org/presentationml/2006/main">
+  <p:cSld>
+    <p:spTree>
+      <p:nvGrpSpPr>
+        <p:cNvPr id="1" name="Shape 126"/>
+        <p:cNvGrpSpPr/>
+        <p:nvPr/>
+      </p:nvGrpSpPr>
+      <p:grpSpPr>
+        <a:xfrm>
+          <a:off x="0" y="0"/>
+          <a:ext cx="0" cy="0"/>
+          <a:chOff x="0" y="0"/>
+          <a:chExt cx="0" cy="0"/>
+        </a:xfrm>
+      </p:grpSpPr>
+      <p:sp>
+        <p:nvSpPr>
+          <p:cNvPr id="128" name="Google Shape;128;p20"/>
+          <p:cNvSpPr txBox="1">
+            <a:spLocks noGrp="1"/>
+          </p:cNvSpPr>
+          <p:nvPr>
+            <p:ph type="ctrTitle"/>
+          </p:nvPr>
+        </p:nvSpPr>
+        <p:spPr>
+          <a:prstGeom prst="rect">
+            <a:avLst/>
+          </a:prstGeom>
+        </p:spPr>
+        <p:txBody>
+          <a:bodyPr spcFirstLastPara="1" wrap="square" lIns="121900" tIns="121900" rIns="121900" bIns="121900" anchor="t" anchorCtr="0">
+            <a:noAutofit/>
+          </a:bodyPr>
+          <a:lstStyle/>
+          <a:p>
+            <a:pPr algn="ctr"/>
+            <a:r>
+              <a:rPr lang="ca"/>
+              <a:t>Results</a:t>
+            </a:r>
+            <a:endParaRPr/>
+          </a:p>
+        </p:txBody>
+      </p:sp>
+      <p:sp>
+        <p:nvSpPr>
+          <p:cNvPr id="129" name="Google Shape;129;p20"/>
+          <p:cNvSpPr txBox="1">
+            <a:spLocks noGrp="1"/>
+          </p:cNvSpPr>
+          <p:nvPr>
+            <p:ph type="body" sz="quarter" idx="13"/>
+          </p:nvPr>
+        </p:nvSpPr>
+        <p:spPr>
+          <a:xfrm>
+            <a:off x="683581" y="769033"/>
+            <a:ext cx="7918881" cy="516842"/>
+          </a:xfrm>
+          <a:prstGeom prst="rect">
+            <a:avLst/>
+          </a:prstGeom>
+        </p:spPr>
+        <p:txBody>
+          <a:bodyPr spcFirstLastPara="1" wrap="square" lIns="121900" tIns="121900" rIns="121900" bIns="121900" anchor="t" anchorCtr="0">
+            <a:noAutofit/>
+          </a:bodyPr>
+          <a:lstStyle/>
+          <a:p>
+            <a:pPr marL="0" indent="0" algn="ctr">
+              <a:spcAft>
+                <a:spcPts val="2133"/>
+              </a:spcAft>
+              <a:buNone/>
+            </a:pPr>
+            <a:r>
+              <a:rPr lang="ca" dirty="0"/>
+              <a:t>Exterior torques with MTB Bdot: aerodynamic </a:t>
+            </a:r>
+            <a:r>
+              <a:rPr lang="fr-FR" dirty="0"/>
+              <a:t>torque </a:t>
+            </a:r>
+            <a:r>
+              <a:rPr lang="fr-FR" dirty="0" err="1"/>
+              <a:t>is</a:t>
+            </a:r>
+            <a:r>
+              <a:rPr lang="fr-FR" dirty="0"/>
+              <a:t> comparable to </a:t>
+            </a:r>
+            <a:r>
+              <a:rPr lang="ca" dirty="0"/>
+              <a:t>magnetic</a:t>
+            </a:r>
+            <a:r>
+              <a:rPr lang="fr-FR" dirty="0"/>
+              <a:t> torque</a:t>
+            </a:r>
+            <a:endParaRPr dirty="0"/>
+          </a:p>
+        </p:txBody>
+      </p:sp>
+      <p:pic>
+        <p:nvPicPr>
+          <p:cNvPr id="6" name="Picture 5">
+            <a:extLst>
+              <a:ext uri="{FF2B5EF4-FFF2-40B4-BE49-F238E27FC236}">
+                <a16:creationId xmlns:a16="http://schemas.microsoft.com/office/drawing/2014/main" id="{394AC175-CA66-4973-9DEC-06349940A949}"/>
+              </a:ext>
+            </a:extLst>
+          </p:cNvPr>
+          <p:cNvPicPr>
+            <a:picLocks noChangeAspect="1"/>
+          </p:cNvPicPr>
+          <p:nvPr/>
+        </p:nvPicPr>
+        <p:blipFill>
+          <a:blip r:embed="rId3"/>
+          <a:stretch>
+            <a:fillRect/>
+          </a:stretch>
+        </p:blipFill>
+        <p:spPr>
+          <a:xfrm>
+            <a:off x="1540275" y="1507816"/>
+            <a:ext cx="9111449" cy="4270992"/>
+          </a:xfrm>
+          <a:prstGeom prst="rect">
+            <a:avLst/>
+          </a:prstGeom>
+        </p:spPr>
+      </p:pic>
+      <p:sp>
+        <p:nvSpPr>
+          <p:cNvPr id="3" name="TextBox 2">
+            <a:extLst>
+              <a:ext uri="{FF2B5EF4-FFF2-40B4-BE49-F238E27FC236}">
+                <a16:creationId xmlns:a16="http://schemas.microsoft.com/office/drawing/2014/main" id="{B45ED853-E492-4B7A-B02F-8B66B39ADE10}"/>
+              </a:ext>
+            </a:extLst>
+          </p:cNvPr>
+          <p:cNvSpPr txBox="1"/>
+          <p:nvPr/>
+        </p:nvSpPr>
+        <p:spPr>
+          <a:xfrm>
+            <a:off x="2466455" y="5841654"/>
+            <a:ext cx="6986726" cy="369332"/>
+          </a:xfrm>
+          <a:prstGeom prst="rect">
+            <a:avLst/>
+          </a:prstGeom>
+          <a:noFill/>
+        </p:spPr>
+        <p:txBody>
+          <a:bodyPr wrap="square" rtlCol="0">
+            <a:spAutoFit/>
+          </a:bodyPr>
+          <a:lstStyle/>
+          <a:p>
+            <a:pPr algn="ctr"/>
+            <a:r>
+              <a:rPr lang="fr-FR" dirty="0" err="1"/>
+              <a:t>Bdot</a:t>
+            </a:r>
+            <a:r>
+              <a:rPr lang="fr-FR" dirty="0"/>
+              <a:t> control </a:t>
+            </a:r>
+            <a:r>
+              <a:rPr lang="fr-FR" dirty="0" err="1"/>
+              <a:t>with</a:t>
+            </a:r>
+            <a:r>
+              <a:rPr lang="fr-FR" dirty="0"/>
+              <a:t> </a:t>
+            </a:r>
+            <a:r>
+              <a:rPr lang="fr-FR" dirty="0" err="1"/>
+              <a:t>very</a:t>
+            </a:r>
+            <a:r>
+              <a:rPr lang="fr-FR" dirty="0"/>
+              <a:t> </a:t>
+            </a:r>
+            <a:r>
+              <a:rPr lang="fr-FR" dirty="0" err="1"/>
+              <a:t>low</a:t>
+            </a:r>
+            <a:r>
+              <a:rPr lang="fr-FR" dirty="0"/>
+              <a:t> initial </a:t>
+            </a:r>
+            <a:r>
+              <a:rPr lang="fr-FR" dirty="0" err="1"/>
+              <a:t>angular</a:t>
+            </a:r>
+            <a:r>
+              <a:rPr lang="fr-FR" dirty="0"/>
+              <a:t> speed (0.03°/s)</a:t>
+            </a:r>
+          </a:p>
+        </p:txBody>
+      </p:sp>
+      <p:sp>
+        <p:nvSpPr>
+          <p:cNvPr id="7" name="Rectangle 6">
+            <a:extLst>
+              <a:ext uri="{FF2B5EF4-FFF2-40B4-BE49-F238E27FC236}">
+                <a16:creationId xmlns:a16="http://schemas.microsoft.com/office/drawing/2014/main" id="{121BE163-879E-483D-BEB4-047C48AC9503}"/>
+              </a:ext>
+            </a:extLst>
+          </p:cNvPr>
+          <p:cNvSpPr/>
+          <p:nvPr/>
+        </p:nvSpPr>
+        <p:spPr>
+          <a:xfrm>
+            <a:off x="8858437" y="1628947"/>
+            <a:ext cx="1651247" cy="1047565"/>
+          </a:xfrm>
+          <a:prstGeom prst="rect">
+            <a:avLst/>
+          </a:prstGeom>
+        </p:spPr>
+        <p:style>
+          <a:lnRef idx="2">
+            <a:schemeClr val="dk1">
+              <a:shade val="50000"/>
+            </a:schemeClr>
+          </a:lnRef>
+          <a:fillRef idx="1">
+            <a:schemeClr val="dk1"/>
+          </a:fillRef>
+          <a:effectRef idx="0">
+            <a:schemeClr val="dk1"/>
+          </a:effectRef>
+          <a:fontRef idx="minor">
+            <a:schemeClr val="lt1"/>
+          </a:fontRef>
+        </p:style>
+        <p:txBody>
+          <a:bodyPr rtlCol="0" anchor="ctr"/>
+          <a:lstStyle/>
+          <a:p>
+            <a:pPr algn="ctr"/>
+            <a:endParaRPr lang="fr-FR"/>
+          </a:p>
+        </p:txBody>
+      </p:sp>
+      <p:grpSp>
+        <p:nvGrpSpPr>
+          <p:cNvPr id="9" name="Group 8">
+            <a:extLst>
+              <a:ext uri="{FF2B5EF4-FFF2-40B4-BE49-F238E27FC236}">
+                <a16:creationId xmlns:a16="http://schemas.microsoft.com/office/drawing/2014/main" id="{64D1AB6B-A130-465C-86C8-A25CAC452941}"/>
+              </a:ext>
+            </a:extLst>
+          </p:cNvPr>
+          <p:cNvGrpSpPr/>
+          <p:nvPr/>
+        </p:nvGrpSpPr>
+        <p:grpSpPr>
+          <a:xfrm>
+            <a:off x="9015273" y="1680155"/>
+            <a:ext cx="1636451" cy="744627"/>
+            <a:chOff x="11316415" y="1636996"/>
+            <a:chExt cx="998873" cy="744627"/>
+          </a:xfrm>
+        </p:grpSpPr>
+        <p:cxnSp>
+          <p:nvCxnSpPr>
+            <p:cNvPr id="5" name="Straight Connector 4">
+              <a:extLst>
+                <a:ext uri="{FF2B5EF4-FFF2-40B4-BE49-F238E27FC236}">
+                  <a16:creationId xmlns:a16="http://schemas.microsoft.com/office/drawing/2014/main" id="{BE8ED13B-1CE5-4C10-ABE9-EB92D42488CD}"/>
+                </a:ext>
+              </a:extLst>
+            </p:cNvPr>
+            <p:cNvCxnSpPr>
+              <a:cxnSpLocks/>
+            </p:cNvCxnSpPr>
+            <p:nvPr/>
+          </p:nvCxnSpPr>
+          <p:spPr>
+            <a:xfrm>
+              <a:off x="11316415" y="1784412"/>
+              <a:ext cx="189045" cy="0"/>
+            </a:xfrm>
+            <a:prstGeom prst="line">
+              <a:avLst/>
+            </a:prstGeom>
+            <a:ln w="28575"/>
+          </p:spPr>
+          <p:style>
+            <a:lnRef idx="1">
+              <a:schemeClr val="accent1"/>
+            </a:lnRef>
+            <a:fillRef idx="0">
+              <a:schemeClr val="accent1"/>
+            </a:fillRef>
+            <a:effectRef idx="0">
+              <a:schemeClr val="accent1"/>
+            </a:effectRef>
+            <a:fontRef idx="minor">
+              <a:schemeClr val="tx1"/>
+            </a:fontRef>
+          </p:style>
+        </p:cxnSp>
+        <p:cxnSp>
+          <p:nvCxnSpPr>
+            <p:cNvPr id="10" name="Straight Connector 9">
+              <a:extLst>
+                <a:ext uri="{FF2B5EF4-FFF2-40B4-BE49-F238E27FC236}">
+                  <a16:creationId xmlns:a16="http://schemas.microsoft.com/office/drawing/2014/main" id="{03E7FC74-D11A-481F-9395-94D4E2E8153B}"/>
+                </a:ext>
+              </a:extLst>
+            </p:cNvPr>
+            <p:cNvCxnSpPr>
+              <a:cxnSpLocks/>
+            </p:cNvCxnSpPr>
+            <p:nvPr/>
+          </p:nvCxnSpPr>
+          <p:spPr>
+            <a:xfrm>
+              <a:off x="11316415" y="1936812"/>
+              <a:ext cx="189045" cy="0"/>
+            </a:xfrm>
+            <a:prstGeom prst="line">
+              <a:avLst/>
+            </a:prstGeom>
+            <a:ln w="28575">
+              <a:solidFill>
+                <a:srgbClr val="FF0000"/>
+              </a:solidFill>
+            </a:ln>
+          </p:spPr>
+          <p:style>
+            <a:lnRef idx="1">
+              <a:schemeClr val="accent1"/>
+            </a:lnRef>
+            <a:fillRef idx="0">
+              <a:schemeClr val="accent1"/>
+            </a:fillRef>
+            <a:effectRef idx="0">
+              <a:schemeClr val="accent1"/>
+            </a:effectRef>
+            <a:fontRef idx="minor">
+              <a:schemeClr val="tx1"/>
+            </a:fontRef>
+          </p:style>
+        </p:cxnSp>
+        <p:cxnSp>
+          <p:nvCxnSpPr>
+            <p:cNvPr id="11" name="Straight Connector 10">
+              <a:extLst>
+                <a:ext uri="{FF2B5EF4-FFF2-40B4-BE49-F238E27FC236}">
+                  <a16:creationId xmlns:a16="http://schemas.microsoft.com/office/drawing/2014/main" id="{BAEDED9E-1728-4DEE-9C50-329590E6181A}"/>
+                </a:ext>
+              </a:extLst>
+            </p:cNvPr>
+            <p:cNvCxnSpPr>
+              <a:cxnSpLocks/>
+            </p:cNvCxnSpPr>
+            <p:nvPr/>
+          </p:nvCxnSpPr>
+          <p:spPr>
+            <a:xfrm>
+              <a:off x="11316415" y="2089212"/>
+              <a:ext cx="189044" cy="0"/>
+            </a:xfrm>
+            <a:prstGeom prst="line">
+              <a:avLst/>
+            </a:prstGeom>
+            <a:ln w="28575">
+              <a:solidFill>
+                <a:srgbClr val="FFFF00"/>
+              </a:solidFill>
+            </a:ln>
+          </p:spPr>
+          <p:style>
+            <a:lnRef idx="1">
+              <a:schemeClr val="accent1"/>
+            </a:lnRef>
+            <a:fillRef idx="0">
+              <a:schemeClr val="accent1"/>
+            </a:fillRef>
+            <a:effectRef idx="0">
+              <a:schemeClr val="accent1"/>
+            </a:effectRef>
+            <a:fontRef idx="minor">
+              <a:schemeClr val="tx1"/>
+            </a:fontRef>
+          </p:style>
+        </p:cxnSp>
+        <p:cxnSp>
+          <p:nvCxnSpPr>
+            <p:cNvPr id="12" name="Straight Connector 11">
+              <a:extLst>
+                <a:ext uri="{FF2B5EF4-FFF2-40B4-BE49-F238E27FC236}">
+                  <a16:creationId xmlns:a16="http://schemas.microsoft.com/office/drawing/2014/main" id="{7B3127ED-2660-473A-93ED-B19B3EF1BD86}"/>
+                </a:ext>
+              </a:extLst>
+            </p:cNvPr>
+            <p:cNvCxnSpPr>
+              <a:cxnSpLocks/>
+            </p:cNvCxnSpPr>
+            <p:nvPr/>
+          </p:nvCxnSpPr>
+          <p:spPr>
+            <a:xfrm>
+              <a:off x="11316415" y="2241612"/>
+              <a:ext cx="189044" cy="0"/>
+            </a:xfrm>
+            <a:prstGeom prst="line">
+              <a:avLst/>
+            </a:prstGeom>
+            <a:ln w="28575">
+              <a:solidFill>
+                <a:srgbClr val="92D050"/>
+              </a:solidFill>
+            </a:ln>
+          </p:spPr>
+          <p:style>
+            <a:lnRef idx="1">
+              <a:schemeClr val="accent1"/>
+            </a:lnRef>
+            <a:fillRef idx="0">
+              <a:schemeClr val="accent1"/>
+            </a:fillRef>
+            <a:effectRef idx="0">
+              <a:schemeClr val="accent1"/>
+            </a:effectRef>
+            <a:fontRef idx="minor">
+              <a:schemeClr val="tx1"/>
+            </a:fontRef>
+          </p:style>
+        </p:cxnSp>
+        <p:sp>
+          <p:nvSpPr>
+            <p:cNvPr id="8" name="TextBox 7">
+              <a:extLst>
+                <a:ext uri="{FF2B5EF4-FFF2-40B4-BE49-F238E27FC236}">
+                  <a16:creationId xmlns:a16="http://schemas.microsoft.com/office/drawing/2014/main" id="{9C53BF25-9B06-4842-8C05-2EB471FE0FD9}"/>
+                </a:ext>
+              </a:extLst>
+            </p:cNvPr>
+            <p:cNvSpPr txBox="1"/>
+            <p:nvPr/>
+          </p:nvSpPr>
+          <p:spPr>
+            <a:xfrm>
+              <a:off x="11516297" y="1636996"/>
+              <a:ext cx="798991" cy="744627"/>
+            </a:xfrm>
+            <a:prstGeom prst="rect">
+              <a:avLst/>
+            </a:prstGeom>
+            <a:noFill/>
+          </p:spPr>
+          <p:txBody>
+            <a:bodyPr wrap="square" rtlCol="0">
+              <a:spAutoFit/>
+            </a:bodyPr>
+            <a:lstStyle/>
+            <a:p>
+              <a:pPr>
+                <a:lnSpc>
+                  <a:spcPts val="1200"/>
+                </a:lnSpc>
+              </a:pPr>
+              <a:r>
+                <a:rPr lang="fr-FR" sz="800" dirty="0">
+                  <a:solidFill>
+                    <a:schemeClr val="accent1">
+                      <a:lumMod val="60000"/>
+                      <a:lumOff val="40000"/>
+                    </a:schemeClr>
+                  </a:solidFill>
+                </a:rPr>
+                <a:t>Sun Torque</a:t>
+              </a:r>
+            </a:p>
+            <a:p>
+              <a:pPr>
+                <a:lnSpc>
+                  <a:spcPts val="1300"/>
+                </a:lnSpc>
+              </a:pPr>
+              <a:r>
+                <a:rPr lang="fr-FR" sz="800" dirty="0">
+                  <a:solidFill>
+                    <a:srgbClr val="FF0000"/>
+                  </a:solidFill>
+                </a:rPr>
+                <a:t>Gravity Gradient Torque</a:t>
+              </a:r>
+            </a:p>
+            <a:p>
+              <a:pPr>
+                <a:lnSpc>
+                  <a:spcPts val="1300"/>
+                </a:lnSpc>
+              </a:pPr>
+              <a:r>
+                <a:rPr lang="fr-FR" sz="800" dirty="0" err="1">
+                  <a:solidFill>
+                    <a:srgbClr val="FFFF00"/>
+                  </a:solidFill>
+                </a:rPr>
+                <a:t>Aerodynamic</a:t>
+              </a:r>
+              <a:r>
+                <a:rPr lang="fr-FR" sz="800" dirty="0">
+                  <a:solidFill>
+                    <a:srgbClr val="FFFF00"/>
+                  </a:solidFill>
+                </a:rPr>
+                <a:t> Torque</a:t>
+              </a:r>
+            </a:p>
+            <a:p>
+              <a:pPr>
+                <a:lnSpc>
+                  <a:spcPts val="1300"/>
+                </a:lnSpc>
+              </a:pPr>
+              <a:r>
+                <a:rPr lang="fr-FR" sz="800" dirty="0">
+                  <a:solidFill>
+                    <a:srgbClr val="92D050"/>
+                  </a:solidFill>
+                </a:rPr>
+                <a:t>Magnetic Torque</a:t>
+              </a:r>
+            </a:p>
+          </p:txBody>
+        </p:sp>
+      </p:grpSp>
+      <p:sp>
+        <p:nvSpPr>
+          <p:cNvPr id="13" name="Text Placeholder 2">
+            <a:extLst>
+              <a:ext uri="{FF2B5EF4-FFF2-40B4-BE49-F238E27FC236}">
+                <a16:creationId xmlns:a16="http://schemas.microsoft.com/office/drawing/2014/main" id="{94E60C5D-0988-4868-950F-E5FBD397863F}"/>
+              </a:ext>
+            </a:extLst>
+          </p:cNvPr>
+          <p:cNvSpPr txBox="1">
+            <a:spLocks/>
+          </p:cNvSpPr>
+          <p:nvPr/>
+        </p:nvSpPr>
+        <p:spPr>
+          <a:xfrm>
+            <a:off x="166529" y="5963453"/>
+            <a:ext cx="5451475" cy="325701"/>
+          </a:xfrm>
+          <a:prstGeom prst="rect">
+            <a:avLst/>
+          </a:prstGeom>
+        </p:spPr>
+        <p:txBody>
+          <a:bodyPr/>
+          <a:lstStyle>
+            <a:lvl1pPr marL="0" indent="0" algn="l" defTabSz="914400" rtl="0" eaLnBrk="1" latinLnBrk="0" hangingPunct="1">
+              <a:lnSpc>
+                <a:spcPct val="90000"/>
+              </a:lnSpc>
+              <a:spcBef>
+                <a:spcPts val="1000"/>
+              </a:spcBef>
+              <a:buFont typeface="Arial" panose="020B0604020202020204" pitchFamily="34" charset="0"/>
+              <a:buNone/>
+              <a:defRPr sz="1600" kern="1200">
+                <a:solidFill>
+                  <a:schemeClr val="tx1"/>
+                </a:solidFill>
+                <a:latin typeface="+mn-lt"/>
+                <a:ea typeface="+mn-ea"/>
+                <a:cs typeface="+mn-cs"/>
+              </a:defRPr>
+            </a:lvl1pPr>
+            <a:lvl2pPr marL="685800" indent="-228600" algn="l" defTabSz="914400" rtl="0" eaLnBrk="1" latinLnBrk="0" hangingPunct="1">
+              <a:lnSpc>
+                <a:spcPct val="90000"/>
+              </a:lnSpc>
+              <a:spcBef>
+                <a:spcPts val="500"/>
+              </a:spcBef>
+              <a:buFont typeface="Arial" panose="020B0604020202020204" pitchFamily="34" charset="0"/>
+              <a:buChar char="•"/>
+              <a:defRPr sz="2400" kern="1200">
+                <a:solidFill>
+                  <a:schemeClr val="tx1"/>
+                </a:solidFill>
+                <a:latin typeface="+mn-lt"/>
+                <a:ea typeface="+mn-ea"/>
+                <a:cs typeface="+mn-cs"/>
+              </a:defRPr>
+            </a:lvl2pPr>
+            <a:lvl3pPr marL="1143000" indent="-228600" algn="l" defTabSz="914400" rtl="0" eaLnBrk="1" latinLnBrk="0" hangingPunct="1">
+              <a:lnSpc>
+                <a:spcPct val="90000"/>
+              </a:lnSpc>
+              <a:spcBef>
+                <a:spcPts val="500"/>
+              </a:spcBef>
+              <a:buFont typeface="Arial" panose="020B0604020202020204" pitchFamily="34" charset="0"/>
+              <a:buChar char="•"/>
+              <a:defRPr sz="2000" kern="1200">
+                <a:solidFill>
+                  <a:schemeClr val="tx1"/>
+                </a:solidFill>
+                <a:latin typeface="+mn-lt"/>
+                <a:ea typeface="+mn-ea"/>
+                <a:cs typeface="+mn-cs"/>
+              </a:defRPr>
+            </a:lvl3pPr>
+            <a:lvl4pPr marL="1600200" indent="-228600" algn="l" defTabSz="914400" rtl="0" eaLnBrk="1" latinLnBrk="0" hangingPunct="1">
+              <a:lnSpc>
+                <a:spcPct val="90000"/>
+              </a:lnSpc>
+              <a:spcBef>
+                <a:spcPts val="500"/>
+              </a:spcBef>
+              <a:buFont typeface="Arial" panose="020B0604020202020204" pitchFamily="34" charset="0"/>
+              <a:buChar char="•"/>
+              <a:defRPr sz="1800" kern="1200">
+                <a:solidFill>
+                  <a:schemeClr val="tx1"/>
+                </a:solidFill>
+                <a:latin typeface="+mn-lt"/>
+                <a:ea typeface="+mn-ea"/>
+                <a:cs typeface="+mn-cs"/>
+              </a:defRPr>
+            </a:lvl4pPr>
+            <a:lvl5pPr marL="2057400" indent="-228600" algn="l" defTabSz="914400" rtl="0" eaLnBrk="1" latinLnBrk="0" hangingPunct="1">
+              <a:lnSpc>
+                <a:spcPct val="90000"/>
+              </a:lnSpc>
+              <a:spcBef>
+                <a:spcPts val="500"/>
+              </a:spcBef>
+              <a:buFont typeface="Arial" panose="020B0604020202020204" pitchFamily="34" charset="0"/>
+              <a:buChar char="•"/>
+              <a:defRPr sz="1800" kern="1200">
+                <a:solidFill>
+                  <a:schemeClr val="tx1"/>
+                </a:solidFill>
+                <a:latin typeface="+mn-lt"/>
+                <a:ea typeface="+mn-ea"/>
+                <a:cs typeface="+mn-cs"/>
+              </a:defRPr>
+            </a:lvl5pPr>
+            <a:lvl6pPr marL="2514600" indent="-228600" algn="l" defTabSz="914400" rtl="0" eaLnBrk="1" latinLnBrk="0" hangingPunct="1">
+              <a:lnSpc>
+                <a:spcPct val="90000"/>
+              </a:lnSpc>
+              <a:spcBef>
+                <a:spcPts val="500"/>
+              </a:spcBef>
+              <a:buFont typeface="Arial" panose="020B0604020202020204" pitchFamily="34" charset="0"/>
+              <a:buChar char="•"/>
+              <a:defRPr sz="1800" kern="1200">
+                <a:solidFill>
+                  <a:schemeClr val="tx1"/>
+                </a:solidFill>
+                <a:latin typeface="+mn-lt"/>
+                <a:ea typeface="+mn-ea"/>
+                <a:cs typeface="+mn-cs"/>
+              </a:defRPr>
+            </a:lvl6pPr>
+            <a:lvl7pPr marL="2971800" indent="-228600" algn="l" defTabSz="914400" rtl="0" eaLnBrk="1" latinLnBrk="0" hangingPunct="1">
+              <a:lnSpc>
+                <a:spcPct val="90000"/>
+              </a:lnSpc>
+              <a:spcBef>
+                <a:spcPts val="500"/>
+              </a:spcBef>
+              <a:buFont typeface="Arial" panose="020B0604020202020204" pitchFamily="34" charset="0"/>
+              <a:buChar char="•"/>
+              <a:defRPr sz="1800" kern="1200">
+                <a:solidFill>
+                  <a:schemeClr val="tx1"/>
+                </a:solidFill>
+                <a:latin typeface="+mn-lt"/>
+                <a:ea typeface="+mn-ea"/>
+                <a:cs typeface="+mn-cs"/>
+              </a:defRPr>
+            </a:lvl7pPr>
+            <a:lvl8pPr marL="3429000" indent="-228600" algn="l" defTabSz="914400" rtl="0" eaLnBrk="1" latinLnBrk="0" hangingPunct="1">
+              <a:lnSpc>
+                <a:spcPct val="90000"/>
+              </a:lnSpc>
+              <a:spcBef>
+                <a:spcPts val="500"/>
+              </a:spcBef>
+              <a:buFont typeface="Arial" panose="020B0604020202020204" pitchFamily="34" charset="0"/>
+              <a:buChar char="•"/>
+              <a:defRPr sz="1800" kern="1200">
+                <a:solidFill>
+                  <a:schemeClr val="tx1"/>
+                </a:solidFill>
+                <a:latin typeface="+mn-lt"/>
+                <a:ea typeface="+mn-ea"/>
+                <a:cs typeface="+mn-cs"/>
+              </a:defRPr>
+            </a:lvl8pPr>
+            <a:lvl9pPr marL="3886200" indent="-228600" algn="l" defTabSz="914400" rtl="0" eaLnBrk="1" latinLnBrk="0" hangingPunct="1">
+              <a:lnSpc>
+                <a:spcPct val="90000"/>
+              </a:lnSpc>
+              <a:spcBef>
+                <a:spcPts val="500"/>
+              </a:spcBef>
+              <a:buFont typeface="Arial" panose="020B0604020202020204" pitchFamily="34" charset="0"/>
+              <a:buChar char="•"/>
+              <a:defRPr sz="1800" kern="1200">
+                <a:solidFill>
+                  <a:schemeClr val="tx1"/>
+                </a:solidFill>
+                <a:latin typeface="+mn-lt"/>
+                <a:ea typeface="+mn-ea"/>
+                <a:cs typeface="+mn-cs"/>
+              </a:defRPr>
+            </a:lvl9pPr>
+          </a:lstStyle>
+          <a:p>
+            <a:r>
+              <a:rPr lang="fr-FR" dirty="0"/>
+              <a:t>III. </a:t>
+            </a:r>
+            <a:r>
+              <a:rPr lang="fr-FR" dirty="0" err="1"/>
+              <a:t>Results</a:t>
+            </a:r>
+            <a:endParaRPr lang="fr-FR" dirty="0"/>
+          </a:p>
+        </p:txBody>
+      </p:sp>
+    </p:spTree>
+  </p:cSld>
+  <p:clrMapOvr>
+    <a:masterClrMapping/>
+  </p:clrMapOvr>
+</p:sld>
+</file>
+
+<file path=ppt/slides/slide7.xml><?xml version="1.0" encoding="utf-8"?>
+<p:sld xmlns:a="http://schemas.openxmlformats.org/drawingml/2006/main" xmlns:r="http://schemas.openxmlformats.org/officeDocument/2006/relationships" xmlns:p="http://schemas.openxmlformats.org/presentationml/2006/main">
+  <p:cSld>
+    <p:spTree>
+      <p:nvGrpSpPr>
+        <p:cNvPr id="1" name="Shape 108"/>
+        <p:cNvGrpSpPr/>
+        <p:nvPr/>
+      </p:nvGrpSpPr>
+      <p:grpSpPr>
+        <a:xfrm>
+          <a:off x="0" y="0"/>
+          <a:ext cx="0" cy="0"/>
+          <a:chOff x="0" y="0"/>
+          <a:chExt cx="0" cy="0"/>
+        </a:xfrm>
+      </p:grpSpPr>
+      <p:sp>
+        <p:nvSpPr>
+          <p:cNvPr id="109" name="Google Shape;109;p18"/>
+          <p:cNvSpPr txBox="1">
+            <a:spLocks noGrp="1"/>
+          </p:cNvSpPr>
+          <p:nvPr>
+            <p:ph type="ctrTitle"/>
+          </p:nvPr>
+        </p:nvSpPr>
+        <p:spPr>
+          <a:prstGeom prst="rect">
+            <a:avLst/>
+          </a:prstGeom>
+        </p:spPr>
+        <p:txBody>
+          <a:bodyPr spcFirstLastPara="1" wrap="square" lIns="121900" tIns="121900" rIns="121900" bIns="121900" anchor="t" anchorCtr="0">
+            <a:noAutofit/>
+          </a:bodyPr>
+          <a:lstStyle/>
+          <a:p>
+            <a:pPr algn="ctr"/>
+            <a:r>
+              <a:rPr lang="ca"/>
+              <a:t>Results</a:t>
+            </a:r>
+            <a:endParaRPr/>
+          </a:p>
+        </p:txBody>
+      </p:sp>
+      <p:sp>
+        <p:nvSpPr>
+          <p:cNvPr id="110" name="Google Shape;110;p18"/>
+          <p:cNvSpPr txBox="1">
+            <a:spLocks noGrp="1"/>
+          </p:cNvSpPr>
+          <p:nvPr>
+            <p:ph type="body" sz="quarter" idx="13"/>
+          </p:nvPr>
+        </p:nvSpPr>
+        <p:spPr>
+          <a:xfrm>
+            <a:off x="1647100" y="869047"/>
+            <a:ext cx="6600255" cy="815728"/>
+          </a:xfrm>
+          <a:prstGeom prst="rect">
+            <a:avLst/>
+          </a:prstGeom>
+        </p:spPr>
+        <p:txBody>
+          <a:bodyPr spcFirstLastPara="1" wrap="square" lIns="121900" tIns="121900" rIns="121900" bIns="121900" anchor="t" anchorCtr="0">
+            <a:noAutofit/>
+          </a:bodyPr>
+          <a:lstStyle/>
+          <a:p>
+            <a:pPr marL="0" indent="0" algn="ctr">
+              <a:spcAft>
+                <a:spcPts val="2133"/>
+              </a:spcAft>
+              <a:buNone/>
+            </a:pPr>
+            <a:r>
+              <a:rPr lang="ca" dirty="0"/>
+              <a:t>Detumbling: 20°/s on all axes, rotation speed &lt; 5°/s after 10 000s</a:t>
+            </a:r>
+            <a:endParaRPr dirty="0"/>
+          </a:p>
+        </p:txBody>
+      </p:sp>
+      <p:pic>
+        <p:nvPicPr>
+          <p:cNvPr id="111" name="Google Shape;111;p18"/>
+          <p:cNvPicPr preferRelativeResize="0"/>
+          <p:nvPr/>
+        </p:nvPicPr>
+        <p:blipFill>
+          <a:blip r:embed="rId3">
+            <a:alphaModFix/>
+          </a:blip>
+          <a:stretch>
+            <a:fillRect/>
+          </a:stretch>
+        </p:blipFill>
+        <p:spPr>
+          <a:xfrm>
+            <a:off x="1708240" y="1788965"/>
+            <a:ext cx="8771233" cy="4334230"/>
+          </a:xfrm>
+          <a:prstGeom prst="rect">
+            <a:avLst/>
+          </a:prstGeom>
+          <a:noFill/>
+          <a:ln>
+            <a:noFill/>
+          </a:ln>
+        </p:spPr>
+      </p:pic>
+      <p:cxnSp>
+        <p:nvCxnSpPr>
+          <p:cNvPr id="112" name="Google Shape;112;p18"/>
+          <p:cNvCxnSpPr>
+            <a:cxnSpLocks/>
+          </p:cNvCxnSpPr>
+          <p:nvPr/>
+        </p:nvCxnSpPr>
+        <p:spPr>
+          <a:xfrm>
+            <a:off x="1943340" y="4223094"/>
+            <a:ext cx="8305319" cy="0"/>
+          </a:xfrm>
+          <a:prstGeom prst="straightConnector1">
+            <a:avLst/>
+          </a:prstGeom>
+          <a:noFill/>
+          <a:ln w="19050" cap="flat" cmpd="sng">
+            <a:solidFill>
+              <a:srgbClr val="00FFFF"/>
+            </a:solidFill>
+            <a:prstDash val="solid"/>
+            <a:round/>
+            <a:headEnd type="none" w="med" len="med"/>
+            <a:tailEnd type="none" w="med" len="med"/>
+          </a:ln>
+        </p:spPr>
+      </p:cxnSp>
+      <p:cxnSp>
+        <p:nvCxnSpPr>
+          <p:cNvPr id="113" name="Google Shape;113;p18"/>
+          <p:cNvCxnSpPr>
+            <a:cxnSpLocks/>
+          </p:cNvCxnSpPr>
+          <p:nvPr/>
+        </p:nvCxnSpPr>
+        <p:spPr>
+          <a:xfrm flipV="1">
+            <a:off x="10380340" y="1864308"/>
+            <a:ext cx="0" cy="4196741"/>
+          </a:xfrm>
+          <a:prstGeom prst="straightConnector1">
+            <a:avLst/>
+          </a:prstGeom>
+          <a:noFill/>
+          <a:ln w="28575" cap="flat" cmpd="sng">
+            <a:solidFill>
+              <a:srgbClr val="FF0000"/>
+            </a:solidFill>
+            <a:prstDash val="solid"/>
+            <a:round/>
+            <a:headEnd type="none" w="med" len="med"/>
+            <a:tailEnd type="none" w="med" len="med"/>
+          </a:ln>
+        </p:spPr>
+      </p:cxnSp>
+      <p:sp>
+        <p:nvSpPr>
+          <p:cNvPr id="114" name="Google Shape;114;p18"/>
+          <p:cNvSpPr txBox="1"/>
+          <p:nvPr/>
+        </p:nvSpPr>
+        <p:spPr>
+          <a:xfrm>
+            <a:off x="8859314" y="2280860"/>
+            <a:ext cx="1686000" cy="504800"/>
+          </a:xfrm>
+          <a:prstGeom prst="rect">
+            <a:avLst/>
+          </a:prstGeom>
+          <a:noFill/>
+          <a:ln>
+            <a:noFill/>
+          </a:ln>
+        </p:spPr>
+        <p:txBody>
+          <a:bodyPr spcFirstLastPara="1" wrap="square" lIns="121900" tIns="121900" rIns="121900" bIns="121900" anchor="t" anchorCtr="0">
+            <a:noAutofit/>
+          </a:bodyPr>
+          <a:lstStyle/>
+          <a:p>
+            <a:r>
+              <a:rPr lang="ca" sz="2400" dirty="0">
+                <a:solidFill>
+                  <a:srgbClr val="FF0000"/>
+                </a:solidFill>
+              </a:rPr>
+              <a:t>10 000s</a:t>
+            </a:r>
+            <a:endParaRPr sz="2400" dirty="0">
+              <a:solidFill>
+                <a:srgbClr val="FF0000"/>
+              </a:solidFill>
+            </a:endParaRPr>
+          </a:p>
+        </p:txBody>
+      </p:sp>
+      <p:sp>
+        <p:nvSpPr>
+          <p:cNvPr id="115" name="Google Shape;115;p18"/>
+          <p:cNvSpPr txBox="1"/>
+          <p:nvPr/>
+        </p:nvSpPr>
+        <p:spPr>
+          <a:xfrm>
+            <a:off x="8859314" y="4540267"/>
+            <a:ext cx="1686000" cy="504800"/>
+          </a:xfrm>
+          <a:prstGeom prst="rect">
+            <a:avLst/>
+          </a:prstGeom>
+          <a:noFill/>
+          <a:ln>
+            <a:noFill/>
+          </a:ln>
+        </p:spPr>
+        <p:txBody>
+          <a:bodyPr spcFirstLastPara="1" wrap="square" lIns="121900" tIns="121900" rIns="121900" bIns="121900" anchor="t" anchorCtr="0">
+            <a:noAutofit/>
+          </a:bodyPr>
+          <a:lstStyle/>
+          <a:p>
+            <a:r>
+              <a:rPr lang="ca" sz="2400" dirty="0">
+                <a:solidFill>
+                  <a:srgbClr val="00FFFF"/>
+                </a:solidFill>
+              </a:rPr>
+              <a:t>5°/s</a:t>
+            </a:r>
+            <a:endParaRPr sz="2400" dirty="0">
+              <a:solidFill>
+                <a:srgbClr val="00FFFF"/>
+              </a:solidFill>
+            </a:endParaRPr>
+          </a:p>
+        </p:txBody>
+      </p:sp>
+      <p:sp>
+        <p:nvSpPr>
+          <p:cNvPr id="9" name="Text Placeholder 2">
+            <a:extLst>
+              <a:ext uri="{FF2B5EF4-FFF2-40B4-BE49-F238E27FC236}">
+                <a16:creationId xmlns:a16="http://schemas.microsoft.com/office/drawing/2014/main" id="{E8873697-7A87-422B-8628-744A79FF5523}"/>
+              </a:ext>
+            </a:extLst>
+          </p:cNvPr>
+          <p:cNvSpPr txBox="1">
+            <a:spLocks/>
+          </p:cNvSpPr>
+          <p:nvPr/>
+        </p:nvSpPr>
+        <p:spPr>
+          <a:xfrm>
+            <a:off x="166529" y="5963453"/>
+            <a:ext cx="5451475" cy="325701"/>
+          </a:xfrm>
+          <a:prstGeom prst="rect">
+            <a:avLst/>
+          </a:prstGeom>
+        </p:spPr>
+        <p:txBody>
+          <a:bodyPr/>
+          <a:lstStyle>
+            <a:lvl1pPr marL="0" indent="0" algn="l" defTabSz="914400" rtl="0" eaLnBrk="1" latinLnBrk="0" hangingPunct="1">
+              <a:lnSpc>
+                <a:spcPct val="90000"/>
+              </a:lnSpc>
+              <a:spcBef>
+                <a:spcPts val="1000"/>
+              </a:spcBef>
+              <a:buFont typeface="Arial" panose="020B0604020202020204" pitchFamily="34" charset="0"/>
+              <a:buNone/>
+              <a:defRPr sz="1600" kern="1200">
+                <a:solidFill>
+                  <a:schemeClr val="tx1"/>
+                </a:solidFill>
+                <a:latin typeface="+mn-lt"/>
+                <a:ea typeface="+mn-ea"/>
+                <a:cs typeface="+mn-cs"/>
+              </a:defRPr>
+            </a:lvl1pPr>
+            <a:lvl2pPr marL="685800" indent="-228600" algn="l" defTabSz="914400" rtl="0" eaLnBrk="1" latinLnBrk="0" hangingPunct="1">
+              <a:lnSpc>
+                <a:spcPct val="90000"/>
+              </a:lnSpc>
+              <a:spcBef>
+                <a:spcPts val="500"/>
+              </a:spcBef>
+              <a:buFont typeface="Arial" panose="020B0604020202020204" pitchFamily="34" charset="0"/>
+              <a:buChar char="•"/>
+              <a:defRPr sz="2400" kern="1200">
+                <a:solidFill>
+                  <a:schemeClr val="tx1"/>
+                </a:solidFill>
+                <a:latin typeface="+mn-lt"/>
+                <a:ea typeface="+mn-ea"/>
+                <a:cs typeface="+mn-cs"/>
+              </a:defRPr>
+            </a:lvl2pPr>
+            <a:lvl3pPr marL="1143000" indent="-228600" algn="l" defTabSz="914400" rtl="0" eaLnBrk="1" latinLnBrk="0" hangingPunct="1">
+              <a:lnSpc>
+                <a:spcPct val="90000"/>
+              </a:lnSpc>
+              <a:spcBef>
+                <a:spcPts val="500"/>
+              </a:spcBef>
+              <a:buFont typeface="Arial" panose="020B0604020202020204" pitchFamily="34" charset="0"/>
+              <a:buChar char="•"/>
+              <a:defRPr sz="2000" kern="1200">
+                <a:solidFill>
+                  <a:schemeClr val="tx1"/>
+                </a:solidFill>
+                <a:latin typeface="+mn-lt"/>
+                <a:ea typeface="+mn-ea"/>
+                <a:cs typeface="+mn-cs"/>
+              </a:defRPr>
+            </a:lvl3pPr>
+            <a:lvl4pPr marL="1600200" indent="-228600" algn="l" defTabSz="914400" rtl="0" eaLnBrk="1" latinLnBrk="0" hangingPunct="1">
+              <a:lnSpc>
+                <a:spcPct val="90000"/>
+              </a:lnSpc>
+              <a:spcBef>
+                <a:spcPts val="500"/>
+              </a:spcBef>
+              <a:buFont typeface="Arial" panose="020B0604020202020204" pitchFamily="34" charset="0"/>
+              <a:buChar char="•"/>
+              <a:defRPr sz="1800" kern="1200">
+                <a:solidFill>
+                  <a:schemeClr val="tx1"/>
+                </a:solidFill>
+                <a:latin typeface="+mn-lt"/>
+                <a:ea typeface="+mn-ea"/>
+                <a:cs typeface="+mn-cs"/>
+              </a:defRPr>
+            </a:lvl4pPr>
+            <a:lvl5pPr marL="2057400" indent="-228600" algn="l" defTabSz="914400" rtl="0" eaLnBrk="1" latinLnBrk="0" hangingPunct="1">
+              <a:lnSpc>
+                <a:spcPct val="90000"/>
+              </a:lnSpc>
+              <a:spcBef>
+                <a:spcPts val="500"/>
+              </a:spcBef>
+              <a:buFont typeface="Arial" panose="020B0604020202020204" pitchFamily="34" charset="0"/>
+              <a:buChar char="•"/>
+              <a:defRPr sz="1800" kern="1200">
+                <a:solidFill>
+                  <a:schemeClr val="tx1"/>
+                </a:solidFill>
+                <a:latin typeface="+mn-lt"/>
+                <a:ea typeface="+mn-ea"/>
+                <a:cs typeface="+mn-cs"/>
+              </a:defRPr>
+            </a:lvl5pPr>
+            <a:lvl6pPr marL="2514600" indent="-228600" algn="l" defTabSz="914400" rtl="0" eaLnBrk="1" latinLnBrk="0" hangingPunct="1">
+              <a:lnSpc>
+                <a:spcPct val="90000"/>
+              </a:lnSpc>
+              <a:spcBef>
+                <a:spcPts val="500"/>
+              </a:spcBef>
+              <a:buFont typeface="Arial" panose="020B0604020202020204" pitchFamily="34" charset="0"/>
+              <a:buChar char="•"/>
+              <a:defRPr sz="1800" kern="1200">
+                <a:solidFill>
+                  <a:schemeClr val="tx1"/>
+                </a:solidFill>
+                <a:latin typeface="+mn-lt"/>
+                <a:ea typeface="+mn-ea"/>
+                <a:cs typeface="+mn-cs"/>
+              </a:defRPr>
+            </a:lvl6pPr>
+            <a:lvl7pPr marL="2971800" indent="-228600" algn="l" defTabSz="914400" rtl="0" eaLnBrk="1" latinLnBrk="0" hangingPunct="1">
+              <a:lnSpc>
+                <a:spcPct val="90000"/>
+              </a:lnSpc>
+              <a:spcBef>
+                <a:spcPts val="500"/>
+              </a:spcBef>
+              <a:buFont typeface="Arial" panose="020B0604020202020204" pitchFamily="34" charset="0"/>
+              <a:buChar char="•"/>
+              <a:defRPr sz="1800" kern="1200">
+                <a:solidFill>
+                  <a:schemeClr val="tx1"/>
+                </a:solidFill>
+                <a:latin typeface="+mn-lt"/>
+                <a:ea typeface="+mn-ea"/>
+                <a:cs typeface="+mn-cs"/>
+              </a:defRPr>
+            </a:lvl7pPr>
+            <a:lvl8pPr marL="3429000" indent="-228600" algn="l" defTabSz="914400" rtl="0" eaLnBrk="1" latinLnBrk="0" hangingPunct="1">
+              <a:lnSpc>
+                <a:spcPct val="90000"/>
+              </a:lnSpc>
+              <a:spcBef>
+                <a:spcPts val="500"/>
+              </a:spcBef>
+              <a:buFont typeface="Arial" panose="020B0604020202020204" pitchFamily="34" charset="0"/>
+              <a:buChar char="•"/>
+              <a:defRPr sz="1800" kern="1200">
+                <a:solidFill>
+                  <a:schemeClr val="tx1"/>
+                </a:solidFill>
+                <a:latin typeface="+mn-lt"/>
+                <a:ea typeface="+mn-ea"/>
+                <a:cs typeface="+mn-cs"/>
+              </a:defRPr>
+            </a:lvl8pPr>
+            <a:lvl9pPr marL="3886200" indent="-228600" algn="l" defTabSz="914400" rtl="0" eaLnBrk="1" latinLnBrk="0" hangingPunct="1">
+              <a:lnSpc>
+                <a:spcPct val="90000"/>
+              </a:lnSpc>
+              <a:spcBef>
+                <a:spcPts val="500"/>
+              </a:spcBef>
+              <a:buFont typeface="Arial" panose="020B0604020202020204" pitchFamily="34" charset="0"/>
+              <a:buChar char="•"/>
+              <a:defRPr sz="1800" kern="1200">
+                <a:solidFill>
+                  <a:schemeClr val="tx1"/>
+                </a:solidFill>
+                <a:latin typeface="+mn-lt"/>
+                <a:ea typeface="+mn-ea"/>
+                <a:cs typeface="+mn-cs"/>
+              </a:defRPr>
+            </a:lvl9pPr>
+          </a:lstStyle>
+          <a:p>
+            <a:r>
+              <a:rPr lang="fr-FR" dirty="0"/>
+              <a:t>III. </a:t>
+            </a:r>
+            <a:r>
+              <a:rPr lang="fr-FR" dirty="0" err="1"/>
+              <a:t>Results</a:t>
+            </a:r>
+            <a:endParaRPr lang="fr-FR" dirty="0"/>
+          </a:p>
+        </p:txBody>
+      </p:sp>
+    </p:spTree>
+  </p:cSld>
+  <p:clrMapOvr>
+    <a:masterClrMapping/>
+  </p:clrMapOvr>
+</p:sld>
+</file>
+
+<file path=ppt/slides/slide8.xml><?xml version="1.0" encoding="utf-8"?>
+<p:sld xmlns:a="http://schemas.openxmlformats.org/drawingml/2006/main" xmlns:r="http://schemas.openxmlformats.org/officeDocument/2006/relationships" xmlns:p="http://schemas.openxmlformats.org/presentationml/2006/main">
+  <p:cSld>
+    <p:spTree>
+      <p:nvGrpSpPr>
+        <p:cNvPr id="1" name="Shape 119"/>
+        <p:cNvGrpSpPr/>
+        <p:nvPr/>
+      </p:nvGrpSpPr>
+      <p:grpSpPr>
+        <a:xfrm>
+          <a:off x="0" y="0"/>
+          <a:ext cx="0" cy="0"/>
+          <a:chOff x="0" y="0"/>
+          <a:chExt cx="0" cy="0"/>
+        </a:xfrm>
+      </p:grpSpPr>
+      <p:sp>
+        <p:nvSpPr>
+          <p:cNvPr id="120" name="Google Shape;120;p19"/>
+          <p:cNvSpPr txBox="1">
+            <a:spLocks noGrp="1"/>
+          </p:cNvSpPr>
+          <p:nvPr>
+            <p:ph type="ctrTitle"/>
+          </p:nvPr>
+        </p:nvSpPr>
+        <p:spPr>
+          <a:prstGeom prst="rect">
+            <a:avLst/>
+          </a:prstGeom>
+        </p:spPr>
+        <p:txBody>
+          <a:bodyPr spcFirstLastPara="1" wrap="square" lIns="121900" tIns="121900" rIns="121900" bIns="121900" anchor="t" anchorCtr="0">
+            <a:noAutofit/>
+          </a:bodyPr>
+          <a:lstStyle/>
+          <a:p>
+            <a:pPr algn="ctr"/>
+            <a:r>
+              <a:rPr lang="ca"/>
+              <a:t>Results</a:t>
+            </a:r>
+            <a:endParaRPr/>
+          </a:p>
+        </p:txBody>
+      </p:sp>
+      <p:sp>
+        <p:nvSpPr>
+          <p:cNvPr id="121" name="Google Shape;121;p19"/>
+          <p:cNvSpPr txBox="1">
+            <a:spLocks noGrp="1"/>
+          </p:cNvSpPr>
+          <p:nvPr>
+            <p:ph type="body" sz="quarter" idx="13"/>
+          </p:nvPr>
+        </p:nvSpPr>
+        <p:spPr>
+          <a:xfrm>
+            <a:off x="1356012" y="979967"/>
+            <a:ext cx="7326224" cy="602110"/>
+          </a:xfrm>
+          <a:prstGeom prst="rect">
+            <a:avLst/>
+          </a:prstGeom>
+        </p:spPr>
+        <p:txBody>
+          <a:bodyPr spcFirstLastPara="1" wrap="square" lIns="121900" tIns="121900" rIns="121900" bIns="121900" anchor="t" anchorCtr="0">
+            <a:noAutofit/>
+          </a:bodyPr>
+          <a:lstStyle/>
+          <a:p>
+            <a:pPr marL="0" indent="0" algn="ctr">
+              <a:spcAft>
+                <a:spcPts val="2133"/>
+              </a:spcAft>
+              <a:buNone/>
+            </a:pPr>
+            <a:r>
+              <a:rPr lang="ca" dirty="0"/>
+              <a:t>Visibility windows: 17.9% coverage for ~ 100 orbits with MTB Bdot</a:t>
+            </a:r>
+            <a:endParaRPr dirty="0"/>
+          </a:p>
+        </p:txBody>
+      </p:sp>
+      <p:pic>
+        <p:nvPicPr>
+          <p:cNvPr id="122" name="Google Shape;122;p19"/>
+          <p:cNvPicPr preferRelativeResize="0"/>
+          <p:nvPr/>
+        </p:nvPicPr>
+        <p:blipFill rotWithShape="1">
+          <a:blip r:embed="rId3">
+            <a:alphaModFix/>
+          </a:blip>
+          <a:srcRect t="8517"/>
+          <a:stretch/>
+        </p:blipFill>
+        <p:spPr>
+          <a:xfrm>
+            <a:off x="406227" y="1482099"/>
+            <a:ext cx="10972300" cy="4675035"/>
+          </a:xfrm>
+          <a:prstGeom prst="rect">
+            <a:avLst/>
+          </a:prstGeom>
+          <a:noFill/>
+          <a:ln>
+            <a:noFill/>
+          </a:ln>
+        </p:spPr>
+      </p:pic>
+      <p:sp>
+        <p:nvSpPr>
+          <p:cNvPr id="5" name="Text Placeholder 2">
+            <a:extLst>
+              <a:ext uri="{FF2B5EF4-FFF2-40B4-BE49-F238E27FC236}">
+                <a16:creationId xmlns:a16="http://schemas.microsoft.com/office/drawing/2014/main" id="{B94DF092-4897-4F3B-B737-B64A4CC3A323}"/>
+              </a:ext>
+            </a:extLst>
+          </p:cNvPr>
+          <p:cNvSpPr txBox="1">
+            <a:spLocks/>
+          </p:cNvSpPr>
+          <p:nvPr/>
+        </p:nvSpPr>
+        <p:spPr>
+          <a:xfrm>
+            <a:off x="166529" y="5963453"/>
+            <a:ext cx="5451475" cy="325701"/>
+          </a:xfrm>
+          <a:prstGeom prst="rect">
+            <a:avLst/>
+          </a:prstGeom>
+        </p:spPr>
+        <p:txBody>
+          <a:bodyPr/>
+          <a:lstStyle>
+            <a:lvl1pPr marL="0" indent="0" algn="l" defTabSz="914400" rtl="0" eaLnBrk="1" latinLnBrk="0" hangingPunct="1">
+              <a:lnSpc>
+                <a:spcPct val="90000"/>
+              </a:lnSpc>
+              <a:spcBef>
+                <a:spcPts val="1000"/>
+              </a:spcBef>
+              <a:buFont typeface="Arial" panose="020B0604020202020204" pitchFamily="34" charset="0"/>
+              <a:buNone/>
+              <a:defRPr sz="1600" kern="1200">
+                <a:solidFill>
+                  <a:schemeClr val="tx1"/>
+                </a:solidFill>
+                <a:latin typeface="+mn-lt"/>
+                <a:ea typeface="+mn-ea"/>
+                <a:cs typeface="+mn-cs"/>
+              </a:defRPr>
+            </a:lvl1pPr>
+            <a:lvl2pPr marL="685800" indent="-228600" algn="l" defTabSz="914400" rtl="0" eaLnBrk="1" latinLnBrk="0" hangingPunct="1">
+              <a:lnSpc>
+                <a:spcPct val="90000"/>
+              </a:lnSpc>
+              <a:spcBef>
+                <a:spcPts val="500"/>
+              </a:spcBef>
+              <a:buFont typeface="Arial" panose="020B0604020202020204" pitchFamily="34" charset="0"/>
+              <a:buChar char="•"/>
+              <a:defRPr sz="2400" kern="1200">
+                <a:solidFill>
+                  <a:schemeClr val="tx1"/>
+                </a:solidFill>
+                <a:latin typeface="+mn-lt"/>
+                <a:ea typeface="+mn-ea"/>
+                <a:cs typeface="+mn-cs"/>
+              </a:defRPr>
+            </a:lvl2pPr>
+            <a:lvl3pPr marL="1143000" indent="-228600" algn="l" defTabSz="914400" rtl="0" eaLnBrk="1" latinLnBrk="0" hangingPunct="1">
+              <a:lnSpc>
+                <a:spcPct val="90000"/>
+              </a:lnSpc>
+              <a:spcBef>
+                <a:spcPts val="500"/>
+              </a:spcBef>
+              <a:buFont typeface="Arial" panose="020B0604020202020204" pitchFamily="34" charset="0"/>
+              <a:buChar char="•"/>
+              <a:defRPr sz="2000" kern="1200">
+                <a:solidFill>
+                  <a:schemeClr val="tx1"/>
+                </a:solidFill>
+                <a:latin typeface="+mn-lt"/>
+                <a:ea typeface="+mn-ea"/>
+                <a:cs typeface="+mn-cs"/>
+              </a:defRPr>
+            </a:lvl3pPr>
+            <a:lvl4pPr marL="1600200" indent="-228600" algn="l" defTabSz="914400" rtl="0" eaLnBrk="1" latinLnBrk="0" hangingPunct="1">
+              <a:lnSpc>
+                <a:spcPct val="90000"/>
+              </a:lnSpc>
+              <a:spcBef>
+                <a:spcPts val="500"/>
+              </a:spcBef>
+              <a:buFont typeface="Arial" panose="020B0604020202020204" pitchFamily="34" charset="0"/>
+              <a:buChar char="•"/>
+              <a:defRPr sz="1800" kern="1200">
+                <a:solidFill>
+                  <a:schemeClr val="tx1"/>
+                </a:solidFill>
+                <a:latin typeface="+mn-lt"/>
+                <a:ea typeface="+mn-ea"/>
+                <a:cs typeface="+mn-cs"/>
+              </a:defRPr>
+            </a:lvl4pPr>
+            <a:lvl5pPr marL="2057400" indent="-228600" algn="l" defTabSz="914400" rtl="0" eaLnBrk="1" latinLnBrk="0" hangingPunct="1">
+              <a:lnSpc>
+                <a:spcPct val="90000"/>
+              </a:lnSpc>
+              <a:spcBef>
+                <a:spcPts val="500"/>
+              </a:spcBef>
+              <a:buFont typeface="Arial" panose="020B0604020202020204" pitchFamily="34" charset="0"/>
+              <a:buChar char="•"/>
+              <a:defRPr sz="1800" kern="1200">
+                <a:solidFill>
+                  <a:schemeClr val="tx1"/>
+                </a:solidFill>
+                <a:latin typeface="+mn-lt"/>
+                <a:ea typeface="+mn-ea"/>
+                <a:cs typeface="+mn-cs"/>
+              </a:defRPr>
+            </a:lvl5pPr>
+            <a:lvl6pPr marL="2514600" indent="-228600" algn="l" defTabSz="914400" rtl="0" eaLnBrk="1" latinLnBrk="0" hangingPunct="1">
+              <a:lnSpc>
+                <a:spcPct val="90000"/>
+              </a:lnSpc>
+              <a:spcBef>
+                <a:spcPts val="500"/>
+              </a:spcBef>
+              <a:buFont typeface="Arial" panose="020B0604020202020204" pitchFamily="34" charset="0"/>
+              <a:buChar char="•"/>
+              <a:defRPr sz="1800" kern="1200">
+                <a:solidFill>
+                  <a:schemeClr val="tx1"/>
+                </a:solidFill>
+                <a:latin typeface="+mn-lt"/>
+                <a:ea typeface="+mn-ea"/>
+                <a:cs typeface="+mn-cs"/>
+              </a:defRPr>
+            </a:lvl6pPr>
+            <a:lvl7pPr marL="2971800" indent="-228600" algn="l" defTabSz="914400" rtl="0" eaLnBrk="1" latinLnBrk="0" hangingPunct="1">
+              <a:lnSpc>
+                <a:spcPct val="90000"/>
+              </a:lnSpc>
+              <a:spcBef>
+                <a:spcPts val="500"/>
+              </a:spcBef>
+              <a:buFont typeface="Arial" panose="020B0604020202020204" pitchFamily="34" charset="0"/>
+              <a:buChar char="•"/>
+              <a:defRPr sz="1800" kern="1200">
+                <a:solidFill>
+                  <a:schemeClr val="tx1"/>
+                </a:solidFill>
+                <a:latin typeface="+mn-lt"/>
+                <a:ea typeface="+mn-ea"/>
+                <a:cs typeface="+mn-cs"/>
+              </a:defRPr>
+            </a:lvl7pPr>
+            <a:lvl8pPr marL="3429000" indent="-228600" algn="l" defTabSz="914400" rtl="0" eaLnBrk="1" latinLnBrk="0" hangingPunct="1">
+              <a:lnSpc>
+                <a:spcPct val="90000"/>
+              </a:lnSpc>
+              <a:spcBef>
+                <a:spcPts val="500"/>
+              </a:spcBef>
+              <a:buFont typeface="Arial" panose="020B0604020202020204" pitchFamily="34" charset="0"/>
+              <a:buChar char="•"/>
+              <a:defRPr sz="1800" kern="1200">
+                <a:solidFill>
+                  <a:schemeClr val="tx1"/>
+                </a:solidFill>
+                <a:latin typeface="+mn-lt"/>
+                <a:ea typeface="+mn-ea"/>
+                <a:cs typeface="+mn-cs"/>
+              </a:defRPr>
+            </a:lvl8pPr>
+            <a:lvl9pPr marL="3886200" indent="-228600" algn="l" defTabSz="914400" rtl="0" eaLnBrk="1" latinLnBrk="0" hangingPunct="1">
+              <a:lnSpc>
+                <a:spcPct val="90000"/>
+              </a:lnSpc>
+              <a:spcBef>
+                <a:spcPts val="500"/>
+              </a:spcBef>
+              <a:buFont typeface="Arial" panose="020B0604020202020204" pitchFamily="34" charset="0"/>
+              <a:buChar char="•"/>
+              <a:defRPr sz="1800" kern="1200">
+                <a:solidFill>
+                  <a:schemeClr val="tx1"/>
+                </a:solidFill>
+                <a:latin typeface="+mn-lt"/>
+                <a:ea typeface="+mn-ea"/>
+                <a:cs typeface="+mn-cs"/>
+              </a:defRPr>
+            </a:lvl9pPr>
+          </a:lstStyle>
+          <a:p>
+            <a:r>
+              <a:rPr lang="fr-FR" dirty="0"/>
+              <a:t>III. </a:t>
+            </a:r>
+            <a:r>
+              <a:rPr lang="fr-FR" dirty="0" err="1"/>
+              <a:t>Results</a:t>
+            </a:r>
+            <a:endParaRPr lang="fr-FR" dirty="0"/>
+          </a:p>
+        </p:txBody>
+      </p:sp>
+    </p:spTree>
+  </p:cSld>
+  <p:clrMapOvr>
+    <a:masterClrMapping/>
+  </p:clrMapOvr>
+</p:sld>
+</file>
+
+<file path=ppt/slides/slide9.xml><?xml version="1.0" encoding="utf-8"?>
+<p:sld xmlns:a="http://schemas.openxmlformats.org/drawingml/2006/main" xmlns:r="http://schemas.openxmlformats.org/officeDocument/2006/relationships" xmlns:p="http://schemas.openxmlformats.org/presentationml/2006/main">
+  <p:cSld>
+    <p:spTree>
+      <p:nvGrpSpPr>
+        <p:cNvPr id="1" name="Shape 133"/>
+        <p:cNvGrpSpPr/>
+        <p:nvPr/>
+      </p:nvGrpSpPr>
+      <p:grpSpPr>
+        <a:xfrm>
+          <a:off x="0" y="0"/>
+          <a:ext cx="0" cy="0"/>
+          <a:chOff x="0" y="0"/>
+          <a:chExt cx="0" cy="0"/>
+        </a:xfrm>
+      </p:grpSpPr>
+      <p:sp>
+        <p:nvSpPr>
+          <p:cNvPr id="134" name="Google Shape;134;p21"/>
+          <p:cNvSpPr txBox="1">
+            <a:spLocks noGrp="1"/>
+          </p:cNvSpPr>
+          <p:nvPr>
+            <p:ph type="ctrTitle"/>
+          </p:nvPr>
+        </p:nvSpPr>
+        <p:spPr>
+          <a:prstGeom prst="rect">
+            <a:avLst/>
+          </a:prstGeom>
+        </p:spPr>
+        <p:txBody>
+          <a:bodyPr spcFirstLastPara="1" wrap="square" lIns="121900" tIns="121900" rIns="121900" bIns="121900" anchor="t" anchorCtr="0">
+            <a:noAutofit/>
+          </a:bodyPr>
+          <a:lstStyle/>
+          <a:p>
+            <a:r>
+              <a:rPr lang="ca" sz="5867">
+                <a:latin typeface="Calibri"/>
+                <a:ea typeface="Calibri"/>
+                <a:cs typeface="Calibri"/>
+                <a:sym typeface="Calibri"/>
+              </a:rPr>
+              <a:t>Conclusions</a:t>
+            </a:r>
+            <a:endParaRPr/>
+          </a:p>
+        </p:txBody>
+      </p:sp>
+      <p:sp>
+        <p:nvSpPr>
+          <p:cNvPr id="135" name="Google Shape;135;p21"/>
+          <p:cNvSpPr txBox="1">
+            <a:spLocks noGrp="1"/>
+          </p:cNvSpPr>
+          <p:nvPr>
+            <p:ph type="body" sz="quarter" idx="13"/>
+          </p:nvPr>
+        </p:nvSpPr>
+        <p:spPr>
+          <a:xfrm>
+            <a:off x="619290" y="1313123"/>
+            <a:ext cx="11383319" cy="4519506"/>
+          </a:xfrm>
+          <a:prstGeom prst="rect">
+            <a:avLst/>
+          </a:prstGeom>
+        </p:spPr>
+        <p:txBody>
+          <a:bodyPr spcFirstLastPara="1" wrap="square" lIns="121900" tIns="121900" rIns="121900" bIns="121900" anchor="t" anchorCtr="0">
+            <a:noAutofit/>
+          </a:bodyPr>
+          <a:lstStyle/>
+          <a:p>
+            <a:pPr marL="0" indent="0">
+              <a:spcBef>
+                <a:spcPts val="800"/>
+              </a:spcBef>
+              <a:buClr>
+                <a:schemeClr val="dk1"/>
+              </a:buClr>
+              <a:buSzPts val="1100"/>
+              <a:buNone/>
+            </a:pPr>
+            <a:r>
+              <a:rPr lang="ca" sz="3200" dirty="0">
+                <a:solidFill>
+                  <a:schemeClr val="dk1"/>
+                </a:solidFill>
+              </a:rPr>
+              <a:t>•</a:t>
+            </a:r>
+            <a:r>
+              <a:rPr lang="ca" sz="3200" dirty="0">
+                <a:solidFill>
+                  <a:schemeClr val="dk1"/>
+                </a:solidFill>
+                <a:latin typeface="Calibri"/>
+                <a:ea typeface="Calibri"/>
+                <a:cs typeface="Calibri"/>
+                <a:sym typeface="Calibri"/>
+              </a:rPr>
+              <a:t>Current model:</a:t>
+            </a:r>
+            <a:endParaRPr sz="3200" dirty="0">
+              <a:solidFill>
+                <a:schemeClr val="dk1"/>
+              </a:solidFill>
+              <a:latin typeface="Calibri"/>
+              <a:ea typeface="Calibri"/>
+              <a:cs typeface="Calibri"/>
+              <a:sym typeface="Calibri"/>
+            </a:endParaRPr>
+          </a:p>
+          <a:p>
+            <a:pPr marL="0" indent="0">
+              <a:spcBef>
+                <a:spcPts val="533"/>
+              </a:spcBef>
+              <a:buClr>
+                <a:schemeClr val="dk1"/>
+              </a:buClr>
+              <a:buSzPts val="1100"/>
+              <a:buNone/>
+            </a:pPr>
+            <a:r>
+              <a:rPr lang="ca" sz="2133" dirty="0">
+                <a:solidFill>
+                  <a:schemeClr val="dk1"/>
+                </a:solidFill>
+                <a:latin typeface="Calibri"/>
+                <a:ea typeface="Calibri"/>
+                <a:cs typeface="Calibri"/>
+                <a:sym typeface="Calibri"/>
+              </a:rPr>
+              <a:t>Attitude Determination:</a:t>
+            </a:r>
+          </a:p>
+          <a:p>
+            <a:pPr marL="1028700" lvl="1" indent="-342900">
+              <a:spcBef>
+                <a:spcPts val="533"/>
+              </a:spcBef>
+              <a:buClr>
+                <a:schemeClr val="dk1"/>
+              </a:buClr>
+              <a:buSzPts val="1100"/>
+              <a:buFontTx/>
+              <a:buChar char="-"/>
+            </a:pPr>
+            <a:r>
+              <a:rPr lang="ca" dirty="0">
+                <a:solidFill>
+                  <a:schemeClr val="dk1"/>
+                </a:solidFill>
+                <a:latin typeface="Calibri"/>
+                <a:ea typeface="Calibri"/>
+                <a:cs typeface="Calibri"/>
+                <a:sym typeface="Calibri"/>
+              </a:rPr>
+              <a:t>Gyroscope (very small, and small consumption)</a:t>
+            </a:r>
+          </a:p>
+          <a:p>
+            <a:pPr marL="1028700" lvl="1" indent="-342900">
+              <a:spcBef>
+                <a:spcPts val="533"/>
+              </a:spcBef>
+              <a:buClr>
+                <a:schemeClr val="dk1"/>
+              </a:buClr>
+              <a:buSzPts val="1100"/>
+              <a:buFontTx/>
+              <a:buChar char="-"/>
+            </a:pPr>
+            <a:r>
+              <a:rPr lang="ca" dirty="0">
+                <a:solidFill>
+                  <a:schemeClr val="dk1"/>
+                </a:solidFill>
+                <a:latin typeface="Calibri"/>
+                <a:ea typeface="Calibri"/>
+                <a:cs typeface="Calibri"/>
+                <a:sym typeface="Calibri"/>
+              </a:rPr>
+              <a:t>Magnetometer (in Magnetorquer)</a:t>
+            </a:r>
+            <a:endParaRPr dirty="0">
+              <a:solidFill>
+                <a:schemeClr val="dk1"/>
+              </a:solidFill>
+              <a:latin typeface="Calibri"/>
+              <a:ea typeface="Calibri"/>
+              <a:cs typeface="Calibri"/>
+              <a:sym typeface="Calibri"/>
+            </a:endParaRPr>
+          </a:p>
+          <a:p>
+            <a:pPr marL="0" indent="0">
+              <a:spcBef>
+                <a:spcPts val="533"/>
+              </a:spcBef>
+              <a:buClr>
+                <a:schemeClr val="dk1"/>
+              </a:buClr>
+              <a:buSzPts val="1100"/>
+              <a:buNone/>
+            </a:pPr>
+            <a:endParaRPr sz="2133" dirty="0">
+              <a:solidFill>
+                <a:schemeClr val="dk1"/>
+              </a:solidFill>
+              <a:latin typeface="Calibri"/>
+              <a:ea typeface="Calibri"/>
+              <a:cs typeface="Calibri"/>
+              <a:sym typeface="Calibri"/>
+            </a:endParaRPr>
+          </a:p>
+          <a:p>
+            <a:pPr marL="0" indent="0">
+              <a:spcBef>
+                <a:spcPts val="533"/>
+              </a:spcBef>
+              <a:buClr>
+                <a:schemeClr val="dk1"/>
+              </a:buClr>
+              <a:buSzPts val="1100"/>
+              <a:buNone/>
+            </a:pPr>
+            <a:r>
+              <a:rPr lang="ca" sz="2133" dirty="0">
+                <a:solidFill>
+                  <a:schemeClr val="dk1"/>
+                </a:solidFill>
+                <a:latin typeface="Calibri"/>
+                <a:ea typeface="Calibri"/>
+                <a:cs typeface="Calibri"/>
+                <a:sym typeface="Calibri"/>
+              </a:rPr>
+              <a:t>Attitude Control:</a:t>
+            </a:r>
+            <a:endParaRPr sz="2133" dirty="0">
+              <a:solidFill>
+                <a:schemeClr val="dk1"/>
+              </a:solidFill>
+              <a:latin typeface="Calibri"/>
+              <a:ea typeface="Calibri"/>
+              <a:cs typeface="Calibri"/>
+              <a:sym typeface="Calibri"/>
+            </a:endParaRPr>
+          </a:p>
+          <a:p>
+            <a:pPr marL="1028700" lvl="1" indent="-342900">
+              <a:spcBef>
+                <a:spcPts val="533"/>
+              </a:spcBef>
+              <a:buClr>
+                <a:schemeClr val="dk1"/>
+              </a:buClr>
+              <a:buSzPts val="1100"/>
+              <a:buFontTx/>
+              <a:buChar char="-"/>
+            </a:pPr>
+            <a:r>
+              <a:rPr lang="ca" dirty="0">
+                <a:solidFill>
+                  <a:schemeClr val="dk1"/>
+                </a:solidFill>
+                <a:latin typeface="Calibri"/>
+                <a:ea typeface="Calibri"/>
+                <a:cs typeface="Calibri"/>
+                <a:sym typeface="Calibri"/>
+              </a:rPr>
+              <a:t>Magnetorquer (for detumbling and reaching low angular rates)</a:t>
+            </a:r>
+            <a:endParaRPr dirty="0">
+              <a:solidFill>
+                <a:schemeClr val="dk1"/>
+              </a:solidFill>
+              <a:latin typeface="Calibri"/>
+              <a:ea typeface="Calibri"/>
+              <a:cs typeface="Calibri"/>
+              <a:sym typeface="Calibri"/>
+            </a:endParaRPr>
+          </a:p>
+          <a:p>
+            <a:pPr marL="0" indent="0">
+              <a:spcBef>
+                <a:spcPts val="1067"/>
+              </a:spcBef>
+              <a:buClr>
+                <a:schemeClr val="dk1"/>
+              </a:buClr>
+              <a:buSzPts val="1100"/>
+              <a:buNone/>
+            </a:pPr>
+            <a:r>
+              <a:rPr lang="ca" sz="3200" dirty="0">
+                <a:solidFill>
+                  <a:schemeClr val="dk1"/>
+                </a:solidFill>
+              </a:rPr>
+              <a:t>•</a:t>
+            </a:r>
+            <a:r>
+              <a:rPr lang="ca" sz="3200" dirty="0">
+                <a:solidFill>
+                  <a:schemeClr val="dk1"/>
+                </a:solidFill>
+                <a:latin typeface="Calibri"/>
+                <a:ea typeface="Calibri"/>
+                <a:cs typeface="Calibri"/>
+                <a:sym typeface="Calibri"/>
+              </a:rPr>
+              <a:t>Detumbling mode:</a:t>
+            </a:r>
+          </a:p>
+          <a:p>
+            <a:pPr marL="0" indent="0">
+              <a:spcBef>
+                <a:spcPts val="1067"/>
+              </a:spcBef>
+              <a:buClr>
+                <a:schemeClr val="dk1"/>
+              </a:buClr>
+              <a:buSzPts val="1100"/>
+              <a:buNone/>
+            </a:pPr>
+            <a:r>
+              <a:rPr lang="ca" sz="2133" dirty="0">
+                <a:solidFill>
+                  <a:schemeClr val="dk1"/>
+                </a:solidFill>
+                <a:latin typeface="Calibri"/>
+                <a:ea typeface="Calibri"/>
+                <a:cs typeface="Calibri"/>
+                <a:sym typeface="Calibri"/>
+              </a:rPr>
+              <a:t>We should be able to point the zenith (+/- 54 degrees) for </a:t>
+            </a:r>
+            <a:r>
+              <a:rPr lang="fr-FR" sz="2133" dirty="0">
+                <a:solidFill>
+                  <a:schemeClr val="dk1"/>
+                </a:solidFill>
+                <a:latin typeface="Calibri"/>
+                <a:ea typeface="Calibri"/>
+                <a:cs typeface="Calibri"/>
+                <a:sym typeface="Calibri"/>
+              </a:rPr>
+              <a:t>about</a:t>
+            </a:r>
+            <a:r>
+              <a:rPr lang="ca" sz="2133" dirty="0">
+                <a:solidFill>
+                  <a:schemeClr val="dk1"/>
+                </a:solidFill>
+                <a:latin typeface="Calibri"/>
+                <a:ea typeface="Calibri"/>
+                <a:cs typeface="Calibri"/>
+                <a:sym typeface="Calibri"/>
+              </a:rPr>
+              <a:t> 15% of orbit time</a:t>
+            </a:r>
+            <a:endParaRPr sz="2133" dirty="0">
+              <a:solidFill>
+                <a:schemeClr val="dk1"/>
+              </a:solidFill>
+              <a:latin typeface="Calibri"/>
+              <a:ea typeface="Calibri"/>
+              <a:cs typeface="Calibri"/>
+              <a:sym typeface="Calibri"/>
+            </a:endParaRPr>
+          </a:p>
+          <a:p>
+            <a:pPr marL="0" indent="0">
+              <a:spcAft>
+                <a:spcPts val="2133"/>
+              </a:spcAft>
+              <a:buNone/>
+            </a:pPr>
+            <a:endParaRPr dirty="0"/>
+          </a:p>
+        </p:txBody>
+      </p:sp>
+    </p:spTree>
   </p:cSld>
   <p:clrMapOvr>
     <a:masterClrMapping/>

--- a/Files/ADCS.pptx
+++ b/Files/ADCS.pptx
@@ -5,10 +5,10 @@
     <p:sldMasterId id="2147483648" r:id="rId1"/>
   </p:sldMasterIdLst>
   <p:notesMasterIdLst>
-    <p:notesMasterId r:id="rId14"/>
+    <p:notesMasterId r:id="rId15"/>
   </p:notesMasterIdLst>
   <p:handoutMasterIdLst>
-    <p:handoutMasterId r:id="rId15"/>
+    <p:handoutMasterId r:id="rId16"/>
   </p:handoutMasterIdLst>
   <p:sldIdLst>
     <p:sldId id="256" r:id="rId2"/>
@@ -20,9 +20,10 @@
     <p:sldId id="262" r:id="rId8"/>
     <p:sldId id="263" r:id="rId9"/>
     <p:sldId id="265" r:id="rId10"/>
-    <p:sldId id="266" r:id="rId11"/>
-    <p:sldId id="267" r:id="rId12"/>
-    <p:sldId id="268" r:id="rId13"/>
+    <p:sldId id="269" r:id="rId11"/>
+    <p:sldId id="266" r:id="rId12"/>
+    <p:sldId id="267" r:id="rId13"/>
+    <p:sldId id="268" r:id="rId14"/>
   </p:sldIdLst>
   <p:sldSz cx="12192000" cy="6858000"/>
   <p:notesSz cx="6858000" cy="9144000"/>
@@ -226,7 +227,7 @@
           <a:p>
             <a:fld id="{4EED1B3A-46F9-49FD-AD10-AFD7DDBFFFE7}" type="datetimeFigureOut">
               <a:rPr lang="fr-FR" smtClean="0"/>
-              <a:t>27/05/2019</a:t>
+              <a:t>28/05/2019</a:t>
             </a:fld>
             <a:endParaRPr lang="fr-FR"/>
           </a:p>
@@ -403,7 +404,7 @@
           <a:p>
             <a:fld id="{CBD02DE9-54A9-4CA7-91F3-710D21D0B6EC}" type="datetimeFigureOut">
               <a:rPr lang="en-US" smtClean="0"/>
-              <a:t>5/27/2019</a:t>
+              <a:t>5/28/2019</a:t>
             </a:fld>
             <a:endParaRPr lang="en-US" dirty="0"/>
           </a:p>
@@ -4712,7 +4713,22 @@
           <a:bodyPr/>
           <a:lstStyle/>
           <a:p>
-            <a:endParaRPr lang="fr-FR"/>
+            <a:r>
+              <a:rPr lang="fr-FR" dirty="0"/>
+              <a:t>Daniel Alvarez Cosme</a:t>
+            </a:r>
+          </a:p>
+          <a:p>
+            <a:r>
+              <a:rPr lang="fr-FR" dirty="0"/>
+              <a:t>Cédric Belmant</a:t>
+            </a:r>
+          </a:p>
+          <a:p>
+            <a:r>
+              <a:rPr lang="fr-FR" dirty="0"/>
+              <a:t>Paula Marin Banqué</a:t>
+            </a:r>
           </a:p>
         </p:txBody>
       </p:sp>
@@ -4823,6 +4839,249 @@
 </file>
 
 <file path=ppt/slides/slide10.xml><?xml version="1.0" encoding="utf-8"?>
+<p:sld xmlns:a="http://schemas.openxmlformats.org/drawingml/2006/main" xmlns:r="http://schemas.openxmlformats.org/officeDocument/2006/relationships" xmlns:p="http://schemas.openxmlformats.org/presentationml/2006/main">
+  <p:cSld>
+    <p:spTree>
+      <p:nvGrpSpPr>
+        <p:cNvPr id="1" name=""/>
+        <p:cNvGrpSpPr/>
+        <p:nvPr/>
+      </p:nvGrpSpPr>
+      <p:grpSpPr>
+        <a:xfrm>
+          <a:off x="0" y="0"/>
+          <a:ext cx="0" cy="0"/>
+          <a:chOff x="0" y="0"/>
+          <a:chExt cx="0" cy="0"/>
+        </a:xfrm>
+      </p:grpSpPr>
+      <p:sp>
+        <p:nvSpPr>
+          <p:cNvPr id="2" name="Title 1">
+            <a:extLst>
+              <a:ext uri="{FF2B5EF4-FFF2-40B4-BE49-F238E27FC236}">
+                <a16:creationId xmlns:a16="http://schemas.microsoft.com/office/drawing/2014/main" id="{D10FC7AA-C3CF-4208-ABF2-09E40ABBFC38}"/>
+              </a:ext>
+            </a:extLst>
+          </p:cNvPr>
+          <p:cNvSpPr>
+            <a:spLocks noGrp="1"/>
+          </p:cNvSpPr>
+          <p:nvPr>
+            <p:ph type="ctrTitle"/>
+          </p:nvPr>
+        </p:nvSpPr>
+        <p:spPr/>
+        <p:txBody>
+          <a:bodyPr/>
+          <a:lstStyle/>
+          <a:p>
+            <a:r>
+              <a:rPr lang="es-ES" sz="5867" dirty="0">
+                <a:latin typeface="Calibri"/>
+                <a:cs typeface="Calibri"/>
+              </a:rPr>
+              <a:t>Future</a:t>
+            </a:r>
+            <a:r>
+              <a:rPr lang="es-ES" dirty="0"/>
+              <a:t> </a:t>
+            </a:r>
+            <a:r>
+              <a:rPr lang="es-ES" sz="5867" dirty="0" err="1">
+                <a:latin typeface="Calibri"/>
+                <a:cs typeface="Calibri"/>
+              </a:rPr>
+              <a:t>work</a:t>
+            </a:r>
+            <a:endParaRPr lang="en-GB" sz="5867" dirty="0">
+              <a:latin typeface="Calibri"/>
+              <a:cs typeface="Calibri"/>
+            </a:endParaRPr>
+          </a:p>
+        </p:txBody>
+      </p:sp>
+      <p:sp>
+        <p:nvSpPr>
+          <p:cNvPr id="3" name="Subtitle 2">
+            <a:extLst>
+              <a:ext uri="{FF2B5EF4-FFF2-40B4-BE49-F238E27FC236}">
+                <a16:creationId xmlns:a16="http://schemas.microsoft.com/office/drawing/2014/main" id="{C1E4D737-E2EA-4A5F-944D-74A2FDC41A45}"/>
+              </a:ext>
+            </a:extLst>
+          </p:cNvPr>
+          <p:cNvSpPr>
+            <a:spLocks noGrp="1"/>
+          </p:cNvSpPr>
+          <p:nvPr>
+            <p:ph type="subTitle" idx="1"/>
+          </p:nvPr>
+        </p:nvSpPr>
+        <p:spPr>
+          <a:xfrm>
+            <a:off x="934019" y="1323224"/>
+            <a:ext cx="9437307" cy="3344115"/>
+          </a:xfrm>
+        </p:spPr>
+        <p:txBody>
+          <a:bodyPr/>
+          <a:lstStyle/>
+          <a:p>
+            <a:pPr marL="457200" indent="-457200">
+              <a:buFont typeface="+mj-lt"/>
+              <a:buAutoNum type="arabicPeriod"/>
+            </a:pPr>
+            <a:endParaRPr lang="es-ES" dirty="0"/>
+          </a:p>
+          <a:p>
+            <a:pPr marL="457200" indent="-457200" algn="l">
+              <a:lnSpc>
+                <a:spcPct val="200000"/>
+              </a:lnSpc>
+              <a:buFont typeface="+mj-lt"/>
+              <a:buAutoNum type="arabicPeriod"/>
+            </a:pPr>
+            <a:r>
+              <a:rPr lang="en-GB" b="1" dirty="0"/>
+              <a:t>Kalman filter </a:t>
+            </a:r>
+            <a:r>
+              <a:rPr lang="en-GB" dirty="0"/>
+              <a:t>implementation</a:t>
+            </a:r>
+          </a:p>
+          <a:p>
+            <a:pPr marL="457200" indent="-457200" algn="l">
+              <a:lnSpc>
+                <a:spcPct val="200000"/>
+              </a:lnSpc>
+              <a:buFont typeface="+mj-lt"/>
+              <a:buAutoNum type="arabicPeriod"/>
+            </a:pPr>
+            <a:r>
+              <a:rPr lang="en-GB" dirty="0"/>
+              <a:t>Make sure the </a:t>
+            </a:r>
+            <a:r>
+              <a:rPr lang="en-GB" b="1" dirty="0"/>
+              <a:t>noise</a:t>
+            </a:r>
+            <a:r>
+              <a:rPr lang="en-GB" dirty="0"/>
+              <a:t> of the components is correct.</a:t>
+            </a:r>
+          </a:p>
+          <a:p>
+            <a:pPr marL="457200" indent="-457200" algn="l">
+              <a:lnSpc>
+                <a:spcPct val="200000"/>
+              </a:lnSpc>
+              <a:buFont typeface="+mj-lt"/>
+              <a:buAutoNum type="arabicPeriod"/>
+            </a:pPr>
+            <a:r>
+              <a:rPr lang="en-GB" dirty="0"/>
+              <a:t>Momentum wheel: “</a:t>
+            </a:r>
+            <a:r>
+              <a:rPr lang="en-GB" b="1" dirty="0"/>
+              <a:t>mise </a:t>
+            </a:r>
+            <a:r>
+              <a:rPr lang="en-GB" b="1" dirty="0" err="1"/>
+              <a:t>en</a:t>
+            </a:r>
+            <a:r>
+              <a:rPr lang="en-GB" b="1" dirty="0"/>
+              <a:t> </a:t>
+            </a:r>
+            <a:r>
+              <a:rPr lang="en-GB" b="1" dirty="0" err="1"/>
+              <a:t>vitesse</a:t>
+            </a:r>
+            <a:r>
+              <a:rPr lang="en-GB" dirty="0"/>
+              <a:t>” around y-axis </a:t>
+            </a:r>
+          </a:p>
+          <a:p>
+            <a:pPr marL="457200" indent="-457200" algn="l">
+              <a:buFont typeface="+mj-lt"/>
+              <a:buAutoNum type="arabicPeriod"/>
+            </a:pPr>
+            <a:endParaRPr lang="en-GB" dirty="0"/>
+          </a:p>
+        </p:txBody>
+      </p:sp>
+      <p:sp>
+        <p:nvSpPr>
+          <p:cNvPr id="4" name="Slide Number Placeholder 3">
+            <a:extLst>
+              <a:ext uri="{FF2B5EF4-FFF2-40B4-BE49-F238E27FC236}">
+                <a16:creationId xmlns:a16="http://schemas.microsoft.com/office/drawing/2014/main" id="{D9830B64-BD5B-432D-BB8F-8F8F8891DC9E}"/>
+              </a:ext>
+            </a:extLst>
+          </p:cNvPr>
+          <p:cNvSpPr>
+            <a:spLocks noGrp="1"/>
+          </p:cNvSpPr>
+          <p:nvPr>
+            <p:ph type="sldNum" sz="quarter" idx="12"/>
+          </p:nvPr>
+        </p:nvSpPr>
+        <p:spPr/>
+        <p:txBody>
+          <a:bodyPr/>
+          <a:lstStyle/>
+          <a:p>
+            <a:fld id="{9E937E72-11F5-44A2-9DC0-74EEC05A6D21}" type="slidenum">
+              <a:rPr lang="en-US" smtClean="0"/>
+              <a:pPr/>
+              <a:t>10</a:t>
+            </a:fld>
+            <a:endParaRPr lang="en-US" dirty="0"/>
+          </a:p>
+        </p:txBody>
+      </p:sp>
+      <p:sp>
+        <p:nvSpPr>
+          <p:cNvPr id="5" name="Text Placeholder 4">
+            <a:extLst>
+              <a:ext uri="{FF2B5EF4-FFF2-40B4-BE49-F238E27FC236}">
+                <a16:creationId xmlns:a16="http://schemas.microsoft.com/office/drawing/2014/main" id="{0755B8F9-1282-403A-8C88-75C4BA6199B2}"/>
+              </a:ext>
+            </a:extLst>
+          </p:cNvPr>
+          <p:cNvSpPr>
+            <a:spLocks noGrp="1"/>
+          </p:cNvSpPr>
+          <p:nvPr>
+            <p:ph type="body" sz="quarter" idx="13"/>
+          </p:nvPr>
+        </p:nvSpPr>
+        <p:spPr/>
+        <p:txBody>
+          <a:bodyPr/>
+          <a:lstStyle/>
+          <a:p>
+            <a:endParaRPr lang="en-GB"/>
+          </a:p>
+        </p:txBody>
+      </p:sp>
+    </p:spTree>
+    <p:extLst>
+      <p:ext uri="{BB962C8B-B14F-4D97-AF65-F5344CB8AC3E}">
+        <p14:creationId xmlns:p14="http://schemas.microsoft.com/office/powerpoint/2010/main" val="3909921268"/>
+      </p:ext>
+    </p:extLst>
+  </p:cSld>
+  <p:clrMapOvr>
+    <a:masterClrMapping/>
+  </p:clrMapOvr>
+</p:sld>
+</file>
+
+<file path=ppt/slides/slide11.xml><?xml version="1.0" encoding="utf-8"?>
 <p:sld xmlns:a="http://schemas.openxmlformats.org/drawingml/2006/main" xmlns:r="http://schemas.openxmlformats.org/officeDocument/2006/relationships" xmlns:p="http://schemas.openxmlformats.org/presentationml/2006/main">
   <p:cSld>
     <p:spTree>
@@ -5664,7 +5923,7 @@
 </p:sld>
 </file>
 
-<file path=ppt/slides/slide11.xml><?xml version="1.0" encoding="utf-8"?>
+<file path=ppt/slides/slide12.xml><?xml version="1.0" encoding="utf-8"?>
 <p:sld xmlns:a="http://schemas.openxmlformats.org/drawingml/2006/main" xmlns:r="http://schemas.openxmlformats.org/officeDocument/2006/relationships" xmlns:p="http://schemas.openxmlformats.org/presentationml/2006/main">
   <p:cSld>
     <p:spTree>
@@ -5875,7 +6134,7 @@
 </p:sld>
 </file>
 
-<file path=ppt/slides/slide12.xml><?xml version="1.0" encoding="utf-8"?>
+<file path=ppt/slides/slide13.xml><?xml version="1.0" encoding="utf-8"?>
 <p:sld xmlns:a="http://schemas.openxmlformats.org/drawingml/2006/main" xmlns:r="http://schemas.openxmlformats.org/officeDocument/2006/relationships" xmlns:p="http://schemas.openxmlformats.org/presentationml/2006/main">
   <p:cSld>
     <p:spTree>
@@ -9958,7 +10217,7 @@
           <a:lstStyle/>
           <a:p>
             <a:r>
-              <a:rPr lang="ca" sz="5867">
+              <a:rPr lang="ca" sz="5867" dirty="0">
                 <a:latin typeface="Calibri"/>
                 <a:ea typeface="Calibri"/>
                 <a:cs typeface="Calibri"/>
@@ -9966,7 +10225,7 @@
               </a:rPr>
               <a:t>Conclusions</a:t>
             </a:r>
-            <a:endParaRPr/>
+            <a:endParaRPr dirty="0"/>
           </a:p>
         </p:txBody>
       </p:sp>
